--- a/FinalProject/Design/slide.pptx
+++ b/FinalProject/Design/slide.pptx
@@ -5,7 +5,7 @@
     <p:sldMasterId id="2147483648" r:id="rId1"/>
   </p:sldMasterIdLst>
   <p:notesMasterIdLst>
-    <p:notesMasterId r:id="rId16"/>
+    <p:notesMasterId r:id="rId17"/>
   </p:notesMasterIdLst>
   <p:sldIdLst>
     <p:sldId id="256" r:id="rId2"/>
@@ -22,21 +22,22 @@
     <p:sldId id="260" r:id="rId13"/>
     <p:sldId id="269" r:id="rId14"/>
     <p:sldId id="261" r:id="rId15"/>
+    <p:sldId id="270" r:id="rId16"/>
   </p:sldIdLst>
   <p:sldSz cx="9144000" cy="6858000" type="screen4x3"/>
   <p:notesSz cx="6858000" cy="9144000"/>
   <p:embeddedFontLst>
     <p:embeddedFont>
       <p:font typeface="Calibri" panose="020F0502020204030204" pitchFamily="34" charset="0"/>
-      <p:regular r:id="rId17"/>
-      <p:bold r:id="rId18"/>
-      <p:italic r:id="rId19"/>
-      <p:boldItalic r:id="rId20"/>
+      <p:regular r:id="rId18"/>
+      <p:bold r:id="rId19"/>
+      <p:italic r:id="rId20"/>
+      <p:boldItalic r:id="rId21"/>
     </p:embeddedFont>
     <p:embeddedFont>
       <p:font typeface="Tahoma" panose="020B0604030504040204" pitchFamily="34" charset="0"/>
-      <p:regular r:id="rId21"/>
-      <p:bold r:id="rId22"/>
+      <p:regular r:id="rId22"/>
+      <p:bold r:id="rId23"/>
     </p:embeddedFont>
   </p:embeddedFontLst>
   <p:defaultTextStyle>
@@ -269,8 +270,11 @@
     </a:lvl9pPr>
   </p:defaultTextStyle>
   <p:extLst>
+    <p:ext uri="{EFAFB233-063F-42B5-8137-9DF3F51BA10A}">
+      <p15:sldGuideLst xmlns:p15="http://schemas.microsoft.com/office/powerpoint/2012/main" xmlns=""/>
+    </p:ext>
     <p:ext uri="http://customooxmlschemas.google.com/">
-      <go:slidesCustomData xmlns:go="http://customooxmlschemas.google.com/" xmlns:ahyp="http://schemas.microsoft.com/office/drawing/2018/hyperlinkcolor" xmlns:p15="http://schemas.microsoft.com/office/powerpoint/2012/main" xmlns:p14="http://schemas.microsoft.com/office/powerpoint/2010/main" xmlns:com="http://schemas.openxmlformats.org/drawingml/2006/compatibility" xmlns:pvml="urn:schemas-microsoft-com:office:powerpoint" xmlns:v="urn:schemas-microsoft-com:vml" xmlns:o="urn:schemas-microsoft-com:office:office" xmlns:dgm="http://schemas.openxmlformats.org/drawingml/2006/diagram" xmlns:c="http://schemas.openxmlformats.org/drawingml/2006/chart" xmlns:mv="urn:schemas-microsoft-com:mac:vml" xmlns:mc="http://schemas.openxmlformats.org/markup-compatibility/2006" xmlns="" r:id="rId23" roundtripDataSignature="AMtx7mhThS+/QUg8gGh88W5YQVbRCe36SQ=="/>
+      <go:slidesCustomData xmlns:go="http://customooxmlschemas.google.com/" xmlns:ahyp="http://schemas.microsoft.com/office/drawing/2018/hyperlinkcolor" xmlns:p15="http://schemas.microsoft.com/office/powerpoint/2012/main" xmlns:p14="http://schemas.microsoft.com/office/powerpoint/2010/main" xmlns:com="http://schemas.openxmlformats.org/drawingml/2006/compatibility" xmlns:pvml="urn:schemas-microsoft-com:office:powerpoint" xmlns:v="urn:schemas-microsoft-com:vml" xmlns:o="urn:schemas-microsoft-com:office:office" xmlns:dgm="http://schemas.openxmlformats.org/drawingml/2006/diagram" xmlns:c="http://schemas.openxmlformats.org/drawingml/2006/chart" xmlns:mv="urn:schemas-microsoft-com:mac:vml" xmlns:mc="http://schemas.openxmlformats.org/markup-compatibility/2006" xmlns="" r:id="rId24" roundtripDataSignature="AMtx7mhThS+/QUg8gGh88W5YQVbRCe36SQ=="/>
     </p:ext>
   </p:extLst>
 </p:presentation>
@@ -1235,6 +1239,11 @@
         </p:txBody>
       </p:sp>
     </p:spTree>
+    <p:extLst>
+      <p:ext uri="{BB962C8B-B14F-4D97-AF65-F5344CB8AC3E}">
+        <p14:creationId xmlns:p14="http://schemas.microsoft.com/office/powerpoint/2010/main" val="507765811"/>
+      </p:ext>
+    </p:extLst>
   </p:cSld>
   <p:clrMap bg1="lt1" tx1="dk1" bg2="dk2" tx2="lt2" accent1="accent1" accent2="accent2" accent3="accent3" accent4="accent4" accent5="accent5" accent6="accent6" hlink="hlink" folHlink="folHlink"/>
   <p:notesStyle>
@@ -1617,7 +1626,7 @@
           <a:bodyPr/>
           <a:lstStyle/>
           <a:p>
-            <a:endParaRPr lang="en-VN"/>
+            <a:endParaRPr lang="x-none"/>
           </a:p>
         </p:txBody>
       </p:sp>
@@ -1726,7 +1735,7 @@
           <a:bodyPr/>
           <a:lstStyle/>
           <a:p>
-            <a:endParaRPr lang="en-VN"/>
+            <a:endParaRPr lang="x-none"/>
           </a:p>
         </p:txBody>
       </p:sp>
@@ -1939,7 +1948,7 @@
           <a:bodyPr/>
           <a:lstStyle/>
           <a:p>
-            <a:endParaRPr lang="en-VN"/>
+            <a:endParaRPr lang="x-none"/>
           </a:p>
         </p:txBody>
       </p:sp>
@@ -2101,6 +2110,115 @@
         </p:spPr>
       </p:sp>
     </p:spTree>
+  </p:cSld>
+  <p:clrMapOvr>
+    <a:masterClrMapping/>
+  </p:clrMapOvr>
+</p:notes>
+</file>
+
+<file path=ppt/notesSlides/notesSlide15.xml><?xml version="1.0" encoding="utf-8"?>
+<p:notes xmlns:a="http://schemas.openxmlformats.org/drawingml/2006/main" xmlns:r="http://schemas.openxmlformats.org/officeDocument/2006/relationships" xmlns:p="http://schemas.openxmlformats.org/presentationml/2006/main">
+  <p:cSld>
+    <p:spTree>
+      <p:nvGrpSpPr>
+        <p:cNvPr id="1" name=""/>
+        <p:cNvGrpSpPr/>
+        <p:nvPr/>
+      </p:nvGrpSpPr>
+      <p:grpSpPr>
+        <a:xfrm>
+          <a:off x="0" y="0"/>
+          <a:ext cx="0" cy="0"/>
+          <a:chOff x="0" y="0"/>
+          <a:chExt cx="0" cy="0"/>
+        </a:xfrm>
+      </p:grpSpPr>
+      <p:sp>
+        <p:nvSpPr>
+          <p:cNvPr id="2" name="Slide Image Placeholder 1"/>
+          <p:cNvSpPr>
+            <a:spLocks noGrp="1" noRot="1" noChangeAspect="1"/>
+          </p:cNvSpPr>
+          <p:nvPr>
+            <p:ph type="sldImg"/>
+          </p:nvPr>
+        </p:nvSpPr>
+        <p:spPr/>
+      </p:sp>
+      <p:sp>
+        <p:nvSpPr>
+          <p:cNvPr id="3" name="Notes Placeholder 2"/>
+          <p:cNvSpPr>
+            <a:spLocks noGrp="1"/>
+          </p:cNvSpPr>
+          <p:nvPr>
+            <p:ph type="body" idx="1"/>
+          </p:nvPr>
+        </p:nvSpPr>
+        <p:spPr/>
+        <p:txBody>
+          <a:bodyPr/>
+          <a:lstStyle/>
+          <a:p>
+            <a:endParaRPr lang="x-none"/>
+          </a:p>
+        </p:txBody>
+      </p:sp>
+      <p:sp>
+        <p:nvSpPr>
+          <p:cNvPr id="4" name="Slide Number Placeholder 3"/>
+          <p:cNvSpPr>
+            <a:spLocks noGrp="1"/>
+          </p:cNvSpPr>
+          <p:nvPr>
+            <p:ph type="sldNum" idx="12"/>
+          </p:nvPr>
+        </p:nvSpPr>
+        <p:spPr/>
+        <p:txBody>
+          <a:bodyPr/>
+          <a:lstStyle/>
+          <a:p>
+            <a:pPr marL="0" marR="0" lvl="0" indent="0" algn="r" rtl="0">
+              <a:spcBef>
+                <a:spcPts val="0"/>
+              </a:spcBef>
+              <a:spcAft>
+                <a:spcPts val="0"/>
+              </a:spcAft>
+              <a:buNone/>
+            </a:pPr>
+            <a:fld id="{00000000-1234-1234-1234-123412341234}" type="slidenum">
+              <a:rPr lang="en-US" sz="1200" b="0" i="0" u="none" strike="noStrike" cap="none" smtClean="0">
+                <a:solidFill>
+                  <a:schemeClr val="dk1"/>
+                </a:solidFill>
+                <a:latin typeface="Calibri"/>
+                <a:ea typeface="Calibri"/>
+                <a:cs typeface="Calibri"/>
+                <a:sym typeface="Calibri"/>
+              </a:rPr>
+              <a:t>15</a:t>
+            </a:fld>
+            <a:endParaRPr lang="en-US" sz="1200" b="0" i="0" u="none" strike="noStrike" cap="none">
+              <a:solidFill>
+                <a:schemeClr val="dk1"/>
+              </a:solidFill>
+              <a:latin typeface="Calibri"/>
+              <a:ea typeface="Calibri"/>
+              <a:cs typeface="Calibri"/>
+              <a:sym typeface="Calibri"/>
+            </a:endParaRPr>
+          </a:p>
+        </p:txBody>
+      </p:sp>
+    </p:spTree>
+    <p:extLst>
+      <p:ext uri="{BB962C8B-B14F-4D97-AF65-F5344CB8AC3E}">
+        <p14:creationId xmlns:p14="http://schemas.microsoft.com/office/powerpoint/2010/main" val="3234752935"/>
+      </p:ext>
+    </p:extLst>
   </p:cSld>
   <p:clrMapOvr>
     <a:masterClrMapping/>
@@ -2360,7 +2478,7 @@
           <a:bodyPr/>
           <a:lstStyle/>
           <a:p>
-            <a:endParaRPr lang="en-VN"/>
+            <a:endParaRPr lang="x-none"/>
           </a:p>
         </p:txBody>
       </p:sp>
@@ -2573,7 +2691,7 @@
           <a:bodyPr/>
           <a:lstStyle/>
           <a:p>
-            <a:endParaRPr lang="en-VN"/>
+            <a:endParaRPr lang="x-none"/>
           </a:p>
         </p:txBody>
       </p:sp>
@@ -2682,7 +2800,7 @@
           <a:bodyPr/>
           <a:lstStyle/>
           <a:p>
-            <a:endParaRPr lang="en-VN"/>
+            <a:endParaRPr lang="x-none"/>
           </a:p>
         </p:txBody>
       </p:sp>
@@ -2791,7 +2909,7 @@
           <a:bodyPr/>
           <a:lstStyle/>
           <a:p>
-            <a:endParaRPr lang="en-VN"/>
+            <a:endParaRPr lang="x-none"/>
           </a:p>
         </p:txBody>
       </p:sp>
@@ -2900,7 +3018,7 @@
           <a:bodyPr/>
           <a:lstStyle/>
           <a:p>
-            <a:endParaRPr lang="en-VN"/>
+            <a:endParaRPr lang="x-none"/>
           </a:p>
         </p:txBody>
       </p:sp>
@@ -13835,7 +13953,7 @@
           <p:cNvPr id="2" name="Title 1">
             <a:extLst>
               <a:ext uri="{FF2B5EF4-FFF2-40B4-BE49-F238E27FC236}">
-                <a16:creationId xmlns:a16="http://schemas.microsoft.com/office/drawing/2014/main" id="{541CB3EF-6861-A14E-B512-58214DED09D4}"/>
+                <a16:creationId xmlns:a16="http://schemas.microsoft.com/office/drawing/2014/main" xmlns="" id="{541CB3EF-6861-A14E-B512-58214DED09D4}"/>
               </a:ext>
             </a:extLst>
           </p:cNvPr>
@@ -13856,7 +13974,7 @@
           <a:bodyPr/>
           <a:lstStyle/>
           <a:p>
-            <a:endParaRPr lang="en-VN" dirty="0"/>
+            <a:endParaRPr lang="x-none" dirty="0"/>
           </a:p>
         </p:txBody>
       </p:sp>
@@ -13865,7 +13983,7 @@
           <p:cNvPr id="3" name="Text Placeholder 2">
             <a:extLst>
               <a:ext uri="{FF2B5EF4-FFF2-40B4-BE49-F238E27FC236}">
-                <a16:creationId xmlns:a16="http://schemas.microsoft.com/office/drawing/2014/main" id="{5028D004-C598-974C-B8F7-618B58866CFF}"/>
+                <a16:creationId xmlns:a16="http://schemas.microsoft.com/office/drawing/2014/main" xmlns="" id="{5028D004-C598-974C-B8F7-618B58866CFF}"/>
               </a:ext>
             </a:extLst>
           </p:cNvPr>
@@ -13887,7 +14005,7 @@
           <a:lstStyle/>
           <a:p>
             <a:r>
-              <a:rPr lang="en-VN" dirty="0">
+              <a:rPr lang="x-none" dirty="0">
                 <a:latin typeface="Times New Roman" panose="02020603050405020304" pitchFamily="18" charset="0"/>
                 <a:cs typeface="Times New Roman" panose="02020603050405020304" pitchFamily="18" charset="0"/>
               </a:rPr>
@@ -13901,7 +14019,7 @@
           <p:cNvPr id="4" name="Slide Number Placeholder 3">
             <a:extLst>
               <a:ext uri="{FF2B5EF4-FFF2-40B4-BE49-F238E27FC236}">
-                <a16:creationId xmlns:a16="http://schemas.microsoft.com/office/drawing/2014/main" id="{E08C04B6-996D-6C43-828C-97340C14CD68}"/>
+                <a16:creationId xmlns:a16="http://schemas.microsoft.com/office/drawing/2014/main" xmlns="" id="{E08C04B6-996D-6C43-828C-97340C14CD68}"/>
               </a:ext>
             </a:extLst>
           </p:cNvPr>
@@ -13939,7 +14057,7 @@
           <p:cNvPr id="5" name="Picture 4" descr="Diagram&#10;&#10;Description automatically generated">
             <a:extLst>
               <a:ext uri="{FF2B5EF4-FFF2-40B4-BE49-F238E27FC236}">
-                <a16:creationId xmlns:a16="http://schemas.microsoft.com/office/drawing/2014/main" id="{AA46342D-77AD-0741-8D22-5107DB9C0BC1}"/>
+                <a16:creationId xmlns:a16="http://schemas.microsoft.com/office/drawing/2014/main" xmlns="" id="{AA46342D-77AD-0741-8D22-5107DB9C0BC1}"/>
               </a:ext>
             </a:extLst>
           </p:cNvPr>
@@ -14005,7 +14123,7 @@
           <p:cNvPr id="2" name="Title 1">
             <a:extLst>
               <a:ext uri="{FF2B5EF4-FFF2-40B4-BE49-F238E27FC236}">
-                <a16:creationId xmlns:a16="http://schemas.microsoft.com/office/drawing/2014/main" id="{AFB4CB8B-C81E-F441-B36A-9736E25070A2}"/>
+                <a16:creationId xmlns:a16="http://schemas.microsoft.com/office/drawing/2014/main" xmlns="" id="{AFB4CB8B-C81E-F441-B36A-9736E25070A2}"/>
               </a:ext>
             </a:extLst>
           </p:cNvPr>
@@ -14026,7 +14144,7 @@
           <a:bodyPr/>
           <a:lstStyle/>
           <a:p>
-            <a:endParaRPr lang="en-VN" dirty="0"/>
+            <a:endParaRPr lang="x-none" dirty="0"/>
           </a:p>
         </p:txBody>
       </p:sp>
@@ -14035,7 +14153,7 @@
           <p:cNvPr id="3" name="Text Placeholder 2">
             <a:extLst>
               <a:ext uri="{FF2B5EF4-FFF2-40B4-BE49-F238E27FC236}">
-                <a16:creationId xmlns:a16="http://schemas.microsoft.com/office/drawing/2014/main" id="{9A19AC1E-D4C3-9549-9721-44D549B45468}"/>
+                <a16:creationId xmlns:a16="http://schemas.microsoft.com/office/drawing/2014/main" xmlns="" id="{9A19AC1E-D4C3-9549-9721-44D549B45468}"/>
               </a:ext>
             </a:extLst>
           </p:cNvPr>
@@ -14057,7 +14175,7 @@
           <a:lstStyle/>
           <a:p>
             <a:r>
-              <a:rPr lang="en-VN" dirty="0">
+              <a:rPr lang="x-none" dirty="0">
                 <a:latin typeface="Times New Roman" panose="02020603050405020304" pitchFamily="18" charset="0"/>
                 <a:cs typeface="Times New Roman" panose="02020603050405020304" pitchFamily="18" charset="0"/>
               </a:rPr>
@@ -14071,7 +14189,7 @@
           <p:cNvPr id="4" name="Slide Number Placeholder 3">
             <a:extLst>
               <a:ext uri="{FF2B5EF4-FFF2-40B4-BE49-F238E27FC236}">
-                <a16:creationId xmlns:a16="http://schemas.microsoft.com/office/drawing/2014/main" id="{11E13445-923B-6545-AE3A-D8159C24E33F}"/>
+                <a16:creationId xmlns:a16="http://schemas.microsoft.com/office/drawing/2014/main" xmlns="" id="{11E13445-923B-6545-AE3A-D8159C24E33F}"/>
               </a:ext>
             </a:extLst>
           </p:cNvPr>
@@ -14109,7 +14227,7 @@
           <p:cNvPr id="5" name="Picture 4" descr="Diagram&#10;&#10;Description automatically generated">
             <a:extLst>
               <a:ext uri="{FF2B5EF4-FFF2-40B4-BE49-F238E27FC236}">
-                <a16:creationId xmlns:a16="http://schemas.microsoft.com/office/drawing/2014/main" id="{B35B7B1B-3DAD-6D42-91CF-B8D271F34435}"/>
+                <a16:creationId xmlns:a16="http://schemas.microsoft.com/office/drawing/2014/main" xmlns="" id="{B35B7B1B-3DAD-6D42-91CF-B8D271F34435}"/>
               </a:ext>
             </a:extLst>
           </p:cNvPr>
@@ -14288,7 +14406,7 @@
           <p:cNvPr id="2" name="Text Placeholder 1">
             <a:extLst>
               <a:ext uri="{FF2B5EF4-FFF2-40B4-BE49-F238E27FC236}">
-                <a16:creationId xmlns:a16="http://schemas.microsoft.com/office/drawing/2014/main" id="{1A640CD8-6B8F-6B48-AAD3-19B047ED606D}"/>
+                <a16:creationId xmlns:a16="http://schemas.microsoft.com/office/drawing/2014/main" xmlns="" id="{1A640CD8-6B8F-6B48-AAD3-19B047ED606D}"/>
               </a:ext>
             </a:extLst>
           </p:cNvPr>
@@ -14310,7 +14428,7 @@
           <a:lstStyle/>
           <a:p>
             <a:r>
-              <a:rPr lang="en-VN" dirty="0">
+              <a:rPr lang="x-none" dirty="0">
                 <a:latin typeface="Times New Roman" panose="02020603050405020304" pitchFamily="18" charset="0"/>
                 <a:cs typeface="Times New Roman" panose="02020603050405020304" pitchFamily="18" charset="0"/>
               </a:rPr>
@@ -14569,7 +14687,7 @@
               <a:t> high cohesion</a:t>
             </a:r>
             <a:r>
-              <a:rPr lang="en-VN" dirty="0">
+              <a:rPr lang="x-none" dirty="0">
                 <a:latin typeface="Times New Roman" panose="02020603050405020304" pitchFamily="18" charset="0"/>
                 <a:cs typeface="Times New Roman" panose="02020603050405020304" pitchFamily="18" charset="0"/>
               </a:rPr>
@@ -14579,7 +14697,7 @@
           <a:p>
             <a:pPr lvl="1"/>
             <a:r>
-              <a:rPr lang="en-VN" dirty="0">
+              <a:rPr lang="x-none" dirty="0">
                 <a:latin typeface="Times New Roman" panose="02020603050405020304" pitchFamily="18" charset="0"/>
                 <a:cs typeface="Times New Roman" panose="02020603050405020304" pitchFamily="18" charset="0"/>
               </a:rPr>
@@ -14589,7 +14707,7 @@
           <a:p>
             <a:pPr lvl="1"/>
             <a:r>
-              <a:rPr lang="en-VN" dirty="0">
+              <a:rPr lang="x-none" dirty="0">
                 <a:latin typeface="Times New Roman" panose="02020603050405020304" pitchFamily="18" charset="0"/>
                 <a:cs typeface="Times New Roman" panose="02020603050405020304" pitchFamily="18" charset="0"/>
               </a:rPr>
@@ -14598,7 +14716,7 @@
           </a:p>
           <a:p>
             <a:pPr lvl="1"/>
-            <a:endParaRPr lang="en-VN" dirty="0">
+            <a:endParaRPr lang="x-none" dirty="0">
               <a:latin typeface="Times New Roman" panose="02020603050405020304" pitchFamily="18" charset="0"/>
               <a:cs typeface="Times New Roman" panose="02020603050405020304" pitchFamily="18" charset="0"/>
             </a:endParaRPr>
@@ -14635,7 +14753,7 @@
           <p:cNvPr id="2" name="Title 1">
             <a:extLst>
               <a:ext uri="{FF2B5EF4-FFF2-40B4-BE49-F238E27FC236}">
-                <a16:creationId xmlns:a16="http://schemas.microsoft.com/office/drawing/2014/main" id="{E159F066-CE8D-9346-B259-F145A5ED52A2}"/>
+                <a16:creationId xmlns:a16="http://schemas.microsoft.com/office/drawing/2014/main" xmlns="" id="{E159F066-CE8D-9346-B259-F145A5ED52A2}"/>
               </a:ext>
             </a:extLst>
           </p:cNvPr>
@@ -14651,7 +14769,7 @@
           <a:bodyPr/>
           <a:lstStyle/>
           <a:p>
-            <a:endParaRPr lang="en-VN" dirty="0"/>
+            <a:endParaRPr lang="x-none" dirty="0"/>
           </a:p>
         </p:txBody>
       </p:sp>
@@ -14660,7 +14778,7 @@
           <p:cNvPr id="3" name="Text Placeholder 2">
             <a:extLst>
               <a:ext uri="{FF2B5EF4-FFF2-40B4-BE49-F238E27FC236}">
-                <a16:creationId xmlns:a16="http://schemas.microsoft.com/office/drawing/2014/main" id="{8FF7BE8F-1204-CE42-A8B3-A8B8CDF84C6A}"/>
+                <a16:creationId xmlns:a16="http://schemas.microsoft.com/office/drawing/2014/main" xmlns="" id="{8FF7BE8F-1204-CE42-A8B3-A8B8CDF84C6A}"/>
               </a:ext>
             </a:extLst>
           </p:cNvPr>
@@ -14677,7 +14795,7 @@
           <a:lstStyle/>
           <a:p>
             <a:r>
-              <a:rPr lang="en-VN" dirty="0">
+              <a:rPr lang="x-none" dirty="0">
                 <a:latin typeface="Times New Roman" panose="02020603050405020304" pitchFamily="18" charset="0"/>
                 <a:cs typeface="Times New Roman" panose="02020603050405020304" pitchFamily="18" charset="0"/>
               </a:rPr>
@@ -14687,18 +14805,32 @@
           <a:p>
             <a:pPr lvl="1"/>
             <a:r>
-              <a:rPr lang="en-VN" dirty="0">
-                <a:latin typeface="Times New Roman" panose="02020603050405020304" pitchFamily="18" charset="0"/>
-                <a:cs typeface="Times New Roman" panose="02020603050405020304" pitchFamily="18" charset="0"/>
-              </a:rPr>
-              <a:t>Single responsibility : </a:t>
+              <a:rPr lang="x-none" dirty="0">
+                <a:latin typeface="Times New Roman" panose="02020603050405020304" pitchFamily="18" charset="0"/>
+                <a:cs typeface="Times New Roman" panose="02020603050405020304" pitchFamily="18" charset="0"/>
+              </a:rPr>
+              <a:t>Single responsibility </a:t>
+            </a:r>
+            <a:r>
+              <a:rPr lang="x-none">
+                <a:latin typeface="Times New Roman" panose="02020603050405020304" pitchFamily="18" charset="0"/>
+                <a:cs typeface="Times New Roman" panose="02020603050405020304" pitchFamily="18" charset="0"/>
+              </a:rPr>
+              <a:t>: </a:t>
+            </a:r>
+            <a:r>
+              <a:rPr lang="en-US" smtClean="0">
+                <a:latin typeface="Times New Roman" panose="02020603050405020304" pitchFamily="18" charset="0"/>
+                <a:cs typeface="Times New Roman" panose="02020603050405020304" pitchFamily="18" charset="0"/>
+              </a:rPr>
+              <a:t>Tất cả các lớp </a:t>
             </a:r>
             <a:r>
               <a:rPr lang="en-US" dirty="0" err="1">
                 <a:latin typeface="Times New Roman" panose="02020603050405020304" pitchFamily="18" charset="0"/>
                 <a:cs typeface="Times New Roman" panose="02020603050405020304" pitchFamily="18" charset="0"/>
               </a:rPr>
-              <a:t>Các</a:t>
+              <a:t>trong</a:t>
             </a:r>
             <a:r>
               <a:rPr lang="en-US" dirty="0">
@@ -14712,7 +14844,7 @@
                 <a:latin typeface="Times New Roman" panose="02020603050405020304" pitchFamily="18" charset="0"/>
                 <a:cs typeface="Times New Roman" panose="02020603050405020304" pitchFamily="18" charset="0"/>
               </a:rPr>
-              <a:t>lớp</a:t>
+              <a:t>hệ</a:t>
             </a:r>
             <a:r>
               <a:rPr lang="en-US" dirty="0">
@@ -14726,7 +14858,7 @@
                 <a:latin typeface="Times New Roman" panose="02020603050405020304" pitchFamily="18" charset="0"/>
                 <a:cs typeface="Times New Roman" panose="02020603050405020304" pitchFamily="18" charset="0"/>
               </a:rPr>
-              <a:t>trong</a:t>
+              <a:t>thống</a:t>
             </a:r>
             <a:r>
               <a:rPr lang="en-US" dirty="0">
@@ -14740,7 +14872,7 @@
                 <a:latin typeface="Times New Roman" panose="02020603050405020304" pitchFamily="18" charset="0"/>
                 <a:cs typeface="Times New Roman" panose="02020603050405020304" pitchFamily="18" charset="0"/>
               </a:rPr>
-              <a:t>hệ</a:t>
+              <a:t>phần</a:t>
             </a:r>
             <a:r>
               <a:rPr lang="en-US" dirty="0">
@@ -14754,7 +14886,7 @@
                 <a:latin typeface="Times New Roman" panose="02020603050405020304" pitchFamily="18" charset="0"/>
                 <a:cs typeface="Times New Roman" panose="02020603050405020304" pitchFamily="18" charset="0"/>
               </a:rPr>
-              <a:t>thống</a:t>
+              <a:t>lớn</a:t>
             </a:r>
             <a:r>
               <a:rPr lang="en-US" dirty="0">
@@ -14768,7 +14900,7 @@
                 <a:latin typeface="Times New Roman" panose="02020603050405020304" pitchFamily="18" charset="0"/>
                 <a:cs typeface="Times New Roman" panose="02020603050405020304" pitchFamily="18" charset="0"/>
               </a:rPr>
-              <a:t>phần</a:t>
+              <a:t>đều</a:t>
             </a:r>
             <a:r>
               <a:rPr lang="en-US" dirty="0">
@@ -14782,13 +14914,41 @@
                 <a:latin typeface="Times New Roman" panose="02020603050405020304" pitchFamily="18" charset="0"/>
                 <a:cs typeface="Times New Roman" panose="02020603050405020304" pitchFamily="18" charset="0"/>
               </a:rPr>
-              <a:t>lớn</a:t>
+              <a:t>chỉ</a:t>
+            </a:r>
+            <a:r>
+              <a:rPr lang="vi-VN" dirty="0">
+                <a:latin typeface="Times New Roman" panose="02020603050405020304" pitchFamily="18" charset="0"/>
+                <a:cs typeface="Times New Roman" panose="02020603050405020304" pitchFamily="18" charset="0"/>
+              </a:rPr>
+              <a:t> thực hiện</a:t>
             </a:r>
             <a:r>
               <a:rPr lang="en-US" dirty="0">
                 <a:latin typeface="Times New Roman" panose="02020603050405020304" pitchFamily="18" charset="0"/>
                 <a:cs typeface="Times New Roman" panose="02020603050405020304" pitchFamily="18" charset="0"/>
               </a:rPr>
+              <a:t> 1 </a:t>
+            </a:r>
+            <a:r>
+              <a:rPr lang="en-US" dirty="0" err="1">
+                <a:latin typeface="Times New Roman" panose="02020603050405020304" pitchFamily="18" charset="0"/>
+                <a:cs typeface="Times New Roman" panose="02020603050405020304" pitchFamily="18" charset="0"/>
+              </a:rPr>
+              <a:t>chức</a:t>
+            </a:r>
+            <a:r>
+              <a:rPr lang="vi-VN" dirty="0">
+                <a:latin typeface="Times New Roman" panose="02020603050405020304" pitchFamily="18" charset="0"/>
+                <a:cs typeface="Times New Roman" panose="02020603050405020304" pitchFamily="18" charset="0"/>
+              </a:rPr>
+              <a:t> năng</a:t>
+            </a:r>
+            <a:r>
+              <a:rPr lang="en-US" dirty="0">
+                <a:latin typeface="Times New Roman" panose="02020603050405020304" pitchFamily="18" charset="0"/>
+                <a:cs typeface="Times New Roman" panose="02020603050405020304" pitchFamily="18" charset="0"/>
+              </a:rPr>
               <a:t> </a:t>
             </a:r>
             <a:r>
@@ -14796,7 +14956,7 @@
                 <a:latin typeface="Times New Roman" panose="02020603050405020304" pitchFamily="18" charset="0"/>
                 <a:cs typeface="Times New Roman" panose="02020603050405020304" pitchFamily="18" charset="0"/>
               </a:rPr>
-              <a:t>đều</a:t>
+              <a:t>duy</a:t>
             </a:r>
             <a:r>
               <a:rPr lang="en-US" dirty="0">
@@ -14810,72 +14970,16 @@
                 <a:latin typeface="Times New Roman" panose="02020603050405020304" pitchFamily="18" charset="0"/>
                 <a:cs typeface="Times New Roman" panose="02020603050405020304" pitchFamily="18" charset="0"/>
               </a:rPr>
-              <a:t>chỉ</a:t>
-            </a:r>
-            <a:r>
-              <a:rPr lang="vi-VN" dirty="0">
-                <a:latin typeface="Times New Roman" panose="02020603050405020304" pitchFamily="18" charset="0"/>
-                <a:cs typeface="Times New Roman" panose="02020603050405020304" pitchFamily="18" charset="0"/>
-              </a:rPr>
-              <a:t> thực hiện</a:t>
+              <a:t>nhất</a:t>
             </a:r>
             <a:r>
               <a:rPr lang="en-US" dirty="0">
                 <a:latin typeface="Times New Roman" panose="02020603050405020304" pitchFamily="18" charset="0"/>
                 <a:cs typeface="Times New Roman" panose="02020603050405020304" pitchFamily="18" charset="0"/>
               </a:rPr>
-              <a:t> 1 </a:t>
-            </a:r>
-            <a:r>
-              <a:rPr lang="en-US" dirty="0" err="1">
-                <a:latin typeface="Times New Roman" panose="02020603050405020304" pitchFamily="18" charset="0"/>
-                <a:cs typeface="Times New Roman" panose="02020603050405020304" pitchFamily="18" charset="0"/>
-              </a:rPr>
-              <a:t>chức</a:t>
-            </a:r>
-            <a:r>
-              <a:rPr lang="vi-VN" dirty="0">
-                <a:latin typeface="Times New Roman" panose="02020603050405020304" pitchFamily="18" charset="0"/>
-                <a:cs typeface="Times New Roman" panose="02020603050405020304" pitchFamily="18" charset="0"/>
-              </a:rPr>
-              <a:t> năng</a:t>
-            </a:r>
-            <a:r>
-              <a:rPr lang="en-US" dirty="0">
-                <a:latin typeface="Times New Roman" panose="02020603050405020304" pitchFamily="18" charset="0"/>
-                <a:cs typeface="Times New Roman" panose="02020603050405020304" pitchFamily="18" charset="0"/>
-              </a:rPr>
-              <a:t> </a:t>
-            </a:r>
-            <a:r>
-              <a:rPr lang="en-US" dirty="0" err="1">
-                <a:latin typeface="Times New Roman" panose="02020603050405020304" pitchFamily="18" charset="0"/>
-                <a:cs typeface="Times New Roman" panose="02020603050405020304" pitchFamily="18" charset="0"/>
-              </a:rPr>
-              <a:t>duy</a:t>
-            </a:r>
-            <a:r>
-              <a:rPr lang="en-US" dirty="0">
-                <a:latin typeface="Times New Roman" panose="02020603050405020304" pitchFamily="18" charset="0"/>
-                <a:cs typeface="Times New Roman" panose="02020603050405020304" pitchFamily="18" charset="0"/>
-              </a:rPr>
-              <a:t> </a:t>
-            </a:r>
-            <a:r>
-              <a:rPr lang="en-US" dirty="0" err="1">
-                <a:latin typeface="Times New Roman" panose="02020603050405020304" pitchFamily="18" charset="0"/>
-                <a:cs typeface="Times New Roman" panose="02020603050405020304" pitchFamily="18" charset="0"/>
-              </a:rPr>
-              <a:t>nhất</a:t>
-            </a:r>
-            <a:r>
-              <a:rPr lang="en-US" dirty="0">
-                <a:latin typeface="Times New Roman" panose="02020603050405020304" pitchFamily="18" charset="0"/>
-                <a:cs typeface="Times New Roman" panose="02020603050405020304" pitchFamily="18" charset="0"/>
-              </a:rPr>
               <a:t> .</a:t>
             </a:r>
-            <a:endParaRPr lang="en-VN" dirty="0">
+            <a:endParaRPr lang="x-none" dirty="0">
               <a:latin typeface="Times New Roman" panose="02020603050405020304" pitchFamily="18" charset="0"/>
               <a:cs typeface="Times New Roman" panose="02020603050405020304" pitchFamily="18" charset="0"/>
             </a:endParaRPr>
@@ -14883,14 +14987,14 @@
           <a:p>
             <a:pPr lvl="1"/>
             <a:r>
-              <a:rPr lang="en-VN" dirty="0">
+              <a:rPr lang="x-none" dirty="0">
                 <a:latin typeface="Times New Roman" panose="02020603050405020304" pitchFamily="18" charset="0"/>
                 <a:cs typeface="Times New Roman" panose="02020603050405020304" pitchFamily="18" charset="0"/>
               </a:rPr>
               <a:t>Open for extension,</a:t>
             </a:r>
             <a:r>
-              <a:rPr lang="en-VN" baseline="0" dirty="0">
+              <a:rPr lang="x-none" baseline="0" dirty="0">
                 <a:latin typeface="Times New Roman" panose="02020603050405020304" pitchFamily="18" charset="0"/>
                 <a:cs typeface="Times New Roman" panose="02020603050405020304" pitchFamily="18" charset="0"/>
               </a:rPr>
@@ -14939,10 +15043,73 @@
               <a:t> </a:t>
             </a:r>
             <a:r>
+              <a:rPr lang="en-US" err="1">
+                <a:latin typeface="Times New Roman" panose="02020603050405020304" pitchFamily="18" charset="0"/>
+                <a:cs typeface="Times New Roman" panose="02020603050405020304" pitchFamily="18" charset="0"/>
+              </a:rPr>
+              <a:t>hiện</a:t>
+            </a:r>
+            <a:r>
+              <a:rPr lang="en-US">
+                <a:latin typeface="Times New Roman" panose="02020603050405020304" pitchFamily="18" charset="0"/>
+                <a:cs typeface="Times New Roman" panose="02020603050405020304" pitchFamily="18" charset="0"/>
+              </a:rPr>
+              <a:t> </a:t>
+            </a:r>
+            <a:r>
+              <a:rPr lang="en-US" smtClean="0">
+                <a:latin typeface="Times New Roman" panose="02020603050405020304" pitchFamily="18" charset="0"/>
+                <a:cs typeface="Times New Roman" panose="02020603050405020304" pitchFamily="18" charset="0"/>
+              </a:rPr>
+              <a:t>tính </a:t>
+            </a:r>
+            <a:r>
+              <a:rPr lang="en-US" smtClean="0">
+                <a:latin typeface="Times New Roman" panose="02020603050405020304" pitchFamily="18" charset="0"/>
+                <a:cs typeface="Times New Roman" panose="02020603050405020304" pitchFamily="18" charset="0"/>
+              </a:rPr>
+              <a:t>toán </a:t>
+            </a:r>
+            <a:r>
+              <a:rPr lang="en-US" dirty="0">
+                <a:latin typeface="Times New Roman" panose="02020603050405020304" pitchFamily="18" charset="0"/>
+                <a:cs typeface="Times New Roman" panose="02020603050405020304" pitchFamily="18" charset="0"/>
+              </a:rPr>
+              <a:t>hay </a:t>
+            </a:r>
+            <a:r>
               <a:rPr lang="en-US" dirty="0" err="1">
                 <a:latin typeface="Times New Roman" panose="02020603050405020304" pitchFamily="18" charset="0"/>
                 <a:cs typeface="Times New Roman" panose="02020603050405020304" pitchFamily="18" charset="0"/>
               </a:rPr>
+              <a:t>lớp</a:t>
+            </a:r>
+            <a:r>
+              <a:rPr lang="en-US" dirty="0">
+                <a:latin typeface="Times New Roman" panose="02020603050405020304" pitchFamily="18" charset="0"/>
+                <a:cs typeface="Times New Roman" panose="02020603050405020304" pitchFamily="18" charset="0"/>
+              </a:rPr>
+              <a:t> </a:t>
+            </a:r>
+            <a:r>
+              <a:rPr lang="en-US" dirty="0" err="1">
+                <a:latin typeface="Times New Roman" panose="02020603050405020304" pitchFamily="18" charset="0"/>
+                <a:cs typeface="Times New Roman" panose="02020603050405020304" pitchFamily="18" charset="0"/>
+              </a:rPr>
+              <a:t>thực</a:t>
+            </a:r>
+            <a:r>
+              <a:rPr lang="en-US" dirty="0">
+                <a:latin typeface="Times New Roman" panose="02020603050405020304" pitchFamily="18" charset="0"/>
+                <a:cs typeface="Times New Roman" panose="02020603050405020304" pitchFamily="18" charset="0"/>
+              </a:rPr>
+              <a:t> </a:t>
+            </a:r>
+            <a:r>
+              <a:rPr lang="en-US" dirty="0" err="1">
+                <a:latin typeface="Times New Roman" panose="02020603050405020304" pitchFamily="18" charset="0"/>
+                <a:cs typeface="Times New Roman" panose="02020603050405020304" pitchFamily="18" charset="0"/>
+              </a:rPr>
               <a:t>hiện</a:t>
             </a:r>
             <a:r>
@@ -14957,7 +15124,7 @@
                 <a:latin typeface="Times New Roman" panose="02020603050405020304" pitchFamily="18" charset="0"/>
                 <a:cs typeface="Times New Roman" panose="02020603050405020304" pitchFamily="18" charset="0"/>
               </a:rPr>
-              <a:t>thuật</a:t>
+              <a:t>quy</a:t>
             </a:r>
             <a:r>
               <a:rPr lang="en-US" dirty="0">
@@ -14971,20 +15138,230 @@
                 <a:latin typeface="Times New Roman" panose="02020603050405020304" pitchFamily="18" charset="0"/>
                 <a:cs typeface="Times New Roman" panose="02020603050405020304" pitchFamily="18" charset="0"/>
               </a:rPr>
-              <a:t>toán</a:t>
+              <a:t>trình</a:t>
             </a:r>
             <a:r>
               <a:rPr lang="en-US" dirty="0">
                 <a:latin typeface="Times New Roman" panose="02020603050405020304" pitchFamily="18" charset="0"/>
                 <a:cs typeface="Times New Roman" panose="02020603050405020304" pitchFamily="18" charset="0"/>
               </a:rPr>
-              <a:t> hay </a:t>
+              <a:t> </a:t>
             </a:r>
             <a:r>
               <a:rPr lang="en-US" dirty="0" err="1">
                 <a:latin typeface="Times New Roman" panose="02020603050405020304" pitchFamily="18" charset="0"/>
                 <a:cs typeface="Times New Roman" panose="02020603050405020304" pitchFamily="18" charset="0"/>
               </a:rPr>
+              <a:t>lấy</a:t>
+            </a:r>
+            <a:r>
+              <a:rPr lang="en-US" dirty="0">
+                <a:latin typeface="Times New Roman" panose="02020603050405020304" pitchFamily="18" charset="0"/>
+                <a:cs typeface="Times New Roman" panose="02020603050405020304" pitchFamily="18" charset="0"/>
+              </a:rPr>
+              <a:t> </a:t>
+            </a:r>
+            <a:r>
+              <a:rPr lang="en-US" dirty="0" err="1">
+                <a:latin typeface="Times New Roman" panose="02020603050405020304" pitchFamily="18" charset="0"/>
+                <a:cs typeface="Times New Roman" panose="02020603050405020304" pitchFamily="18" charset="0"/>
+              </a:rPr>
+              <a:t>dữ</a:t>
+            </a:r>
+            <a:r>
+              <a:rPr lang="en-US" dirty="0">
+                <a:latin typeface="Times New Roman" panose="02020603050405020304" pitchFamily="18" charset="0"/>
+                <a:cs typeface="Times New Roman" panose="02020603050405020304" pitchFamily="18" charset="0"/>
+              </a:rPr>
+              <a:t> </a:t>
+            </a:r>
+            <a:r>
+              <a:rPr lang="en-US" dirty="0" err="1">
+                <a:latin typeface="Times New Roman" panose="02020603050405020304" pitchFamily="18" charset="0"/>
+                <a:cs typeface="Times New Roman" panose="02020603050405020304" pitchFamily="18" charset="0"/>
+              </a:rPr>
+              <a:t>liệu</a:t>
+            </a:r>
+            <a:r>
+              <a:rPr lang="en-US" dirty="0">
+                <a:latin typeface="Times New Roman" panose="02020603050405020304" pitchFamily="18" charset="0"/>
+                <a:cs typeface="Times New Roman" panose="02020603050405020304" pitchFamily="18" charset="0"/>
+              </a:rPr>
+              <a:t> </a:t>
+            </a:r>
+            <a:r>
+              <a:rPr lang="en-US" dirty="0" err="1">
+                <a:latin typeface="Times New Roman" panose="02020603050405020304" pitchFamily="18" charset="0"/>
+                <a:cs typeface="Times New Roman" panose="02020603050405020304" pitchFamily="18" charset="0"/>
+              </a:rPr>
+              <a:t>đều</a:t>
+            </a:r>
+            <a:r>
+              <a:rPr lang="en-US" dirty="0">
+                <a:latin typeface="Times New Roman" panose="02020603050405020304" pitchFamily="18" charset="0"/>
+                <a:cs typeface="Times New Roman" panose="02020603050405020304" pitchFamily="18" charset="0"/>
+              </a:rPr>
+              <a:t> </a:t>
+            </a:r>
+            <a:r>
+              <a:rPr lang="en-US" dirty="0" err="1">
+                <a:latin typeface="Times New Roman" panose="02020603050405020304" pitchFamily="18" charset="0"/>
+                <a:cs typeface="Times New Roman" panose="02020603050405020304" pitchFamily="18" charset="0"/>
+              </a:rPr>
+              <a:t>là</a:t>
+            </a:r>
+            <a:r>
+              <a:rPr lang="en-US" dirty="0">
+                <a:latin typeface="Times New Roman" panose="02020603050405020304" pitchFamily="18" charset="0"/>
+                <a:cs typeface="Times New Roman" panose="02020603050405020304" pitchFamily="18" charset="0"/>
+              </a:rPr>
+              <a:t> abstraction, </a:t>
+            </a:r>
+            <a:r>
+              <a:rPr lang="en-US" dirty="0" err="1">
+                <a:latin typeface="Times New Roman" panose="02020603050405020304" pitchFamily="18" charset="0"/>
+                <a:cs typeface="Times New Roman" panose="02020603050405020304" pitchFamily="18" charset="0"/>
+              </a:rPr>
+              <a:t>nên</a:t>
+            </a:r>
+            <a:r>
+              <a:rPr lang="en-US" dirty="0">
+                <a:latin typeface="Times New Roman" panose="02020603050405020304" pitchFamily="18" charset="0"/>
+                <a:cs typeface="Times New Roman" panose="02020603050405020304" pitchFamily="18" charset="0"/>
+              </a:rPr>
+              <a:t> </a:t>
+            </a:r>
+            <a:r>
+              <a:rPr lang="en-US" dirty="0" err="1">
+                <a:latin typeface="Times New Roman" panose="02020603050405020304" pitchFamily="18" charset="0"/>
+                <a:cs typeface="Times New Roman" panose="02020603050405020304" pitchFamily="18" charset="0"/>
+              </a:rPr>
+              <a:t>khi</a:t>
+            </a:r>
+            <a:r>
+              <a:rPr lang="en-US" dirty="0">
+                <a:latin typeface="Times New Roman" panose="02020603050405020304" pitchFamily="18" charset="0"/>
+                <a:cs typeface="Times New Roman" panose="02020603050405020304" pitchFamily="18" charset="0"/>
+              </a:rPr>
+              <a:t> </a:t>
+            </a:r>
+            <a:r>
+              <a:rPr lang="en-US" dirty="0" err="1">
+                <a:latin typeface="Times New Roman" panose="02020603050405020304" pitchFamily="18" charset="0"/>
+                <a:cs typeface="Times New Roman" panose="02020603050405020304" pitchFamily="18" charset="0"/>
+              </a:rPr>
+              <a:t>muốn</a:t>
+            </a:r>
+            <a:r>
+              <a:rPr lang="en-US" dirty="0">
+                <a:latin typeface="Times New Roman" panose="02020603050405020304" pitchFamily="18" charset="0"/>
+                <a:cs typeface="Times New Roman" panose="02020603050405020304" pitchFamily="18" charset="0"/>
+              </a:rPr>
+              <a:t> </a:t>
+            </a:r>
+            <a:r>
+              <a:rPr lang="en-US" dirty="0" err="1">
+                <a:latin typeface="Times New Roman" panose="02020603050405020304" pitchFamily="18" charset="0"/>
+                <a:cs typeface="Times New Roman" panose="02020603050405020304" pitchFamily="18" charset="0"/>
+              </a:rPr>
+              <a:t>thay</a:t>
+            </a:r>
+            <a:r>
+              <a:rPr lang="en-US" dirty="0">
+                <a:latin typeface="Times New Roman" panose="02020603050405020304" pitchFamily="18" charset="0"/>
+                <a:cs typeface="Times New Roman" panose="02020603050405020304" pitchFamily="18" charset="0"/>
+              </a:rPr>
+              <a:t> </a:t>
+            </a:r>
+            <a:r>
+              <a:rPr lang="en-US" dirty="0" err="1">
+                <a:latin typeface="Times New Roman" panose="02020603050405020304" pitchFamily="18" charset="0"/>
+                <a:cs typeface="Times New Roman" panose="02020603050405020304" pitchFamily="18" charset="0"/>
+              </a:rPr>
+              <a:t>đổi</a:t>
+            </a:r>
+            <a:r>
+              <a:rPr lang="en-US" dirty="0">
+                <a:latin typeface="Times New Roman" panose="02020603050405020304" pitchFamily="18" charset="0"/>
+                <a:cs typeface="Times New Roman" panose="02020603050405020304" pitchFamily="18" charset="0"/>
+              </a:rPr>
+              <a:t> </a:t>
+            </a:r>
+            <a:r>
+              <a:rPr lang="en-US" dirty="0" err="1">
+                <a:latin typeface="Times New Roman" panose="02020603050405020304" pitchFamily="18" charset="0"/>
+                <a:cs typeface="Times New Roman" panose="02020603050405020304" pitchFamily="18" charset="0"/>
+              </a:rPr>
+              <a:t>thì</a:t>
+            </a:r>
+            <a:r>
+              <a:rPr lang="en-US" dirty="0">
+                <a:latin typeface="Times New Roman" panose="02020603050405020304" pitchFamily="18" charset="0"/>
+                <a:cs typeface="Times New Roman" panose="02020603050405020304" pitchFamily="18" charset="0"/>
+              </a:rPr>
+              <a:t> ta </a:t>
+            </a:r>
+            <a:r>
+              <a:rPr lang="en-US" dirty="0" err="1">
+                <a:latin typeface="Times New Roman" panose="02020603050405020304" pitchFamily="18" charset="0"/>
+                <a:cs typeface="Times New Roman" panose="02020603050405020304" pitchFamily="18" charset="0"/>
+              </a:rPr>
+              <a:t>chỉ</a:t>
+            </a:r>
+            <a:r>
+              <a:rPr lang="en-US" dirty="0">
+                <a:latin typeface="Times New Roman" panose="02020603050405020304" pitchFamily="18" charset="0"/>
+                <a:cs typeface="Times New Roman" panose="02020603050405020304" pitchFamily="18" charset="0"/>
+              </a:rPr>
+              <a:t> </a:t>
+            </a:r>
+            <a:r>
+              <a:rPr lang="en-US" dirty="0" err="1">
+                <a:latin typeface="Times New Roman" panose="02020603050405020304" pitchFamily="18" charset="0"/>
+                <a:cs typeface="Times New Roman" panose="02020603050405020304" pitchFamily="18" charset="0"/>
+              </a:rPr>
+              <a:t>cần</a:t>
+            </a:r>
+            <a:r>
+              <a:rPr lang="en-US" dirty="0">
+                <a:latin typeface="Times New Roman" panose="02020603050405020304" pitchFamily="18" charset="0"/>
+                <a:cs typeface="Times New Roman" panose="02020603050405020304" pitchFamily="18" charset="0"/>
+              </a:rPr>
+              <a:t> </a:t>
+            </a:r>
+            <a:r>
+              <a:rPr lang="en-US" dirty="0" err="1">
+                <a:latin typeface="Times New Roman" panose="02020603050405020304" pitchFamily="18" charset="0"/>
+                <a:cs typeface="Times New Roman" panose="02020603050405020304" pitchFamily="18" charset="0"/>
+              </a:rPr>
+              <a:t>thêm</a:t>
+            </a:r>
+            <a:r>
+              <a:rPr lang="en-US" dirty="0">
+                <a:latin typeface="Times New Roman" panose="02020603050405020304" pitchFamily="18" charset="0"/>
+                <a:cs typeface="Times New Roman" panose="02020603050405020304" pitchFamily="18" charset="0"/>
+              </a:rPr>
+              <a:t> </a:t>
+            </a:r>
+            <a:r>
+              <a:rPr lang="en-US" dirty="0" err="1">
+                <a:latin typeface="Times New Roman" panose="02020603050405020304" pitchFamily="18" charset="0"/>
+                <a:cs typeface="Times New Roman" panose="02020603050405020304" pitchFamily="18" charset="0"/>
+              </a:rPr>
+              <a:t>một</a:t>
+            </a:r>
+            <a:r>
+              <a:rPr lang="en-US" dirty="0">
+                <a:latin typeface="Times New Roman" panose="02020603050405020304" pitchFamily="18" charset="0"/>
+                <a:cs typeface="Times New Roman" panose="02020603050405020304" pitchFamily="18" charset="0"/>
+              </a:rPr>
+              <a:t> </a:t>
+            </a:r>
+            <a:r>
+              <a:rPr lang="en-US" dirty="0" err="1">
+                <a:latin typeface="Times New Roman" panose="02020603050405020304" pitchFamily="18" charset="0"/>
+                <a:cs typeface="Times New Roman" panose="02020603050405020304" pitchFamily="18" charset="0"/>
+              </a:rPr>
               <a:t>lớp</a:t>
             </a:r>
             <a:r>
@@ -14999,7 +15376,7 @@
                 <a:latin typeface="Times New Roman" panose="02020603050405020304" pitchFamily="18" charset="0"/>
                 <a:cs typeface="Times New Roman" panose="02020603050405020304" pitchFamily="18" charset="0"/>
               </a:rPr>
-              <a:t>thực</a:t>
+              <a:t>dẫn</a:t>
             </a:r>
             <a:r>
               <a:rPr lang="en-US" dirty="0">
@@ -15013,7 +15390,7 @@
                 <a:latin typeface="Times New Roman" panose="02020603050405020304" pitchFamily="18" charset="0"/>
                 <a:cs typeface="Times New Roman" panose="02020603050405020304" pitchFamily="18" charset="0"/>
               </a:rPr>
-              <a:t>hiện</a:t>
+              <a:t>suất</a:t>
             </a:r>
             <a:r>
               <a:rPr lang="en-US" dirty="0">
@@ -15027,293 +15404,13 @@
                 <a:latin typeface="Times New Roman" panose="02020603050405020304" pitchFamily="18" charset="0"/>
                 <a:cs typeface="Times New Roman" panose="02020603050405020304" pitchFamily="18" charset="0"/>
               </a:rPr>
-              <a:t>quy</a:t>
-            </a:r>
-            <a:r>
-              <a:rPr lang="en-US" dirty="0">
-                <a:latin typeface="Times New Roman" panose="02020603050405020304" pitchFamily="18" charset="0"/>
-                <a:cs typeface="Times New Roman" panose="02020603050405020304" pitchFamily="18" charset="0"/>
-              </a:rPr>
-              <a:t> </a:t>
-            </a:r>
-            <a:r>
-              <a:rPr lang="en-US" dirty="0" err="1">
-                <a:latin typeface="Times New Roman" panose="02020603050405020304" pitchFamily="18" charset="0"/>
-                <a:cs typeface="Times New Roman" panose="02020603050405020304" pitchFamily="18" charset="0"/>
-              </a:rPr>
-              <a:t>trình</a:t>
-            </a:r>
-            <a:r>
-              <a:rPr lang="en-US" dirty="0">
-                <a:latin typeface="Times New Roman" panose="02020603050405020304" pitchFamily="18" charset="0"/>
-                <a:cs typeface="Times New Roman" panose="02020603050405020304" pitchFamily="18" charset="0"/>
-              </a:rPr>
-              <a:t> </a:t>
-            </a:r>
-            <a:r>
-              <a:rPr lang="en-US" dirty="0" err="1">
-                <a:latin typeface="Times New Roman" panose="02020603050405020304" pitchFamily="18" charset="0"/>
-                <a:cs typeface="Times New Roman" panose="02020603050405020304" pitchFamily="18" charset="0"/>
-              </a:rPr>
-              <a:t>lấy</a:t>
-            </a:r>
-            <a:r>
-              <a:rPr lang="en-US" dirty="0">
-                <a:latin typeface="Times New Roman" panose="02020603050405020304" pitchFamily="18" charset="0"/>
-                <a:cs typeface="Times New Roman" panose="02020603050405020304" pitchFamily="18" charset="0"/>
-              </a:rPr>
-              <a:t> </a:t>
-            </a:r>
-            <a:r>
-              <a:rPr lang="en-US" dirty="0" err="1">
-                <a:latin typeface="Times New Roman" panose="02020603050405020304" pitchFamily="18" charset="0"/>
-                <a:cs typeface="Times New Roman" panose="02020603050405020304" pitchFamily="18" charset="0"/>
-              </a:rPr>
-              <a:t>dữ</a:t>
-            </a:r>
-            <a:r>
-              <a:rPr lang="en-US" dirty="0">
-                <a:latin typeface="Times New Roman" panose="02020603050405020304" pitchFamily="18" charset="0"/>
-                <a:cs typeface="Times New Roman" panose="02020603050405020304" pitchFamily="18" charset="0"/>
-              </a:rPr>
-              <a:t> </a:t>
-            </a:r>
-            <a:r>
-              <a:rPr lang="en-US" dirty="0" err="1">
-                <a:latin typeface="Times New Roman" panose="02020603050405020304" pitchFamily="18" charset="0"/>
-                <a:cs typeface="Times New Roman" panose="02020603050405020304" pitchFamily="18" charset="0"/>
-              </a:rPr>
-              <a:t>liệu</a:t>
-            </a:r>
-            <a:r>
-              <a:rPr lang="en-US" dirty="0">
-                <a:latin typeface="Times New Roman" panose="02020603050405020304" pitchFamily="18" charset="0"/>
-                <a:cs typeface="Times New Roman" panose="02020603050405020304" pitchFamily="18" charset="0"/>
-              </a:rPr>
-              <a:t> </a:t>
-            </a:r>
-            <a:r>
-              <a:rPr lang="en-US" dirty="0" err="1">
-                <a:latin typeface="Times New Roman" panose="02020603050405020304" pitchFamily="18" charset="0"/>
-                <a:cs typeface="Times New Roman" panose="02020603050405020304" pitchFamily="18" charset="0"/>
-              </a:rPr>
-              <a:t>đều</a:t>
-            </a:r>
-            <a:r>
-              <a:rPr lang="en-US" dirty="0">
-                <a:latin typeface="Times New Roman" panose="02020603050405020304" pitchFamily="18" charset="0"/>
-                <a:cs typeface="Times New Roman" panose="02020603050405020304" pitchFamily="18" charset="0"/>
-              </a:rPr>
-              <a:t> </a:t>
-            </a:r>
-            <a:r>
-              <a:rPr lang="en-US" dirty="0" err="1">
-                <a:latin typeface="Times New Roman" panose="02020603050405020304" pitchFamily="18" charset="0"/>
-                <a:cs typeface="Times New Roman" panose="02020603050405020304" pitchFamily="18" charset="0"/>
-              </a:rPr>
-              <a:t>là</a:t>
-            </a:r>
-            <a:r>
-              <a:rPr lang="en-US" dirty="0">
-                <a:latin typeface="Times New Roman" panose="02020603050405020304" pitchFamily="18" charset="0"/>
-                <a:cs typeface="Times New Roman" panose="02020603050405020304" pitchFamily="18" charset="0"/>
-              </a:rPr>
-              <a:t> abstraction, </a:t>
-            </a:r>
-            <a:r>
-              <a:rPr lang="en-US" dirty="0" err="1">
-                <a:latin typeface="Times New Roman" panose="02020603050405020304" pitchFamily="18" charset="0"/>
-                <a:cs typeface="Times New Roman" panose="02020603050405020304" pitchFamily="18" charset="0"/>
-              </a:rPr>
-              <a:t>nên</a:t>
-            </a:r>
-            <a:r>
-              <a:rPr lang="en-US" dirty="0">
-                <a:latin typeface="Times New Roman" panose="02020603050405020304" pitchFamily="18" charset="0"/>
-                <a:cs typeface="Times New Roman" panose="02020603050405020304" pitchFamily="18" charset="0"/>
-              </a:rPr>
-              <a:t> </a:t>
-            </a:r>
-            <a:r>
-              <a:rPr lang="en-US" dirty="0" err="1">
-                <a:latin typeface="Times New Roman" panose="02020603050405020304" pitchFamily="18" charset="0"/>
-                <a:cs typeface="Times New Roman" panose="02020603050405020304" pitchFamily="18" charset="0"/>
-              </a:rPr>
-              <a:t>khi</a:t>
-            </a:r>
-            <a:r>
-              <a:rPr lang="en-US" dirty="0">
-                <a:latin typeface="Times New Roman" panose="02020603050405020304" pitchFamily="18" charset="0"/>
-                <a:cs typeface="Times New Roman" panose="02020603050405020304" pitchFamily="18" charset="0"/>
-              </a:rPr>
-              <a:t> </a:t>
-            </a:r>
-            <a:r>
-              <a:rPr lang="en-US" dirty="0" err="1">
-                <a:latin typeface="Times New Roman" panose="02020603050405020304" pitchFamily="18" charset="0"/>
-                <a:cs typeface="Times New Roman" panose="02020603050405020304" pitchFamily="18" charset="0"/>
-              </a:rPr>
-              <a:t>muốn</a:t>
-            </a:r>
-            <a:r>
-              <a:rPr lang="en-US" dirty="0">
-                <a:latin typeface="Times New Roman" panose="02020603050405020304" pitchFamily="18" charset="0"/>
-                <a:cs typeface="Times New Roman" panose="02020603050405020304" pitchFamily="18" charset="0"/>
-              </a:rPr>
-              <a:t> </a:t>
-            </a:r>
-            <a:r>
-              <a:rPr lang="en-US" dirty="0" err="1">
-                <a:latin typeface="Times New Roman" panose="02020603050405020304" pitchFamily="18" charset="0"/>
-                <a:cs typeface="Times New Roman" panose="02020603050405020304" pitchFamily="18" charset="0"/>
-              </a:rPr>
-              <a:t>thay</a:t>
-            </a:r>
-            <a:r>
-              <a:rPr lang="en-US" dirty="0">
-                <a:latin typeface="Times New Roman" panose="02020603050405020304" pitchFamily="18" charset="0"/>
-                <a:cs typeface="Times New Roman" panose="02020603050405020304" pitchFamily="18" charset="0"/>
-              </a:rPr>
-              <a:t> </a:t>
-            </a:r>
-            <a:r>
-              <a:rPr lang="en-US" dirty="0" err="1">
-                <a:latin typeface="Times New Roman" panose="02020603050405020304" pitchFamily="18" charset="0"/>
-                <a:cs typeface="Times New Roman" panose="02020603050405020304" pitchFamily="18" charset="0"/>
-              </a:rPr>
-              <a:t>đổi</a:t>
-            </a:r>
-            <a:r>
-              <a:rPr lang="en-US" dirty="0">
-                <a:latin typeface="Times New Roman" panose="02020603050405020304" pitchFamily="18" charset="0"/>
-                <a:cs typeface="Times New Roman" panose="02020603050405020304" pitchFamily="18" charset="0"/>
-              </a:rPr>
-              <a:t> </a:t>
-            </a:r>
-            <a:r>
-              <a:rPr lang="en-US" dirty="0" err="1">
-                <a:latin typeface="Times New Roman" panose="02020603050405020304" pitchFamily="18" charset="0"/>
-                <a:cs typeface="Times New Roman" panose="02020603050405020304" pitchFamily="18" charset="0"/>
-              </a:rPr>
-              <a:t>thì</a:t>
-            </a:r>
-            <a:r>
-              <a:rPr lang="en-US" dirty="0">
-                <a:latin typeface="Times New Roman" panose="02020603050405020304" pitchFamily="18" charset="0"/>
-                <a:cs typeface="Times New Roman" panose="02020603050405020304" pitchFamily="18" charset="0"/>
-              </a:rPr>
-              <a:t> ta </a:t>
-            </a:r>
-            <a:r>
-              <a:rPr lang="en-US" dirty="0" err="1">
-                <a:latin typeface="Times New Roman" panose="02020603050405020304" pitchFamily="18" charset="0"/>
-                <a:cs typeface="Times New Roman" panose="02020603050405020304" pitchFamily="18" charset="0"/>
-              </a:rPr>
-              <a:t>chỉ</a:t>
-            </a:r>
-            <a:r>
-              <a:rPr lang="en-US" dirty="0">
-                <a:latin typeface="Times New Roman" panose="02020603050405020304" pitchFamily="18" charset="0"/>
-                <a:cs typeface="Times New Roman" panose="02020603050405020304" pitchFamily="18" charset="0"/>
-              </a:rPr>
-              <a:t> </a:t>
-            </a:r>
-            <a:r>
-              <a:rPr lang="en-US" dirty="0" err="1">
-                <a:latin typeface="Times New Roman" panose="02020603050405020304" pitchFamily="18" charset="0"/>
-                <a:cs typeface="Times New Roman" panose="02020603050405020304" pitchFamily="18" charset="0"/>
-              </a:rPr>
-              <a:t>cần</a:t>
-            </a:r>
-            <a:r>
-              <a:rPr lang="en-US" dirty="0">
-                <a:latin typeface="Times New Roman" panose="02020603050405020304" pitchFamily="18" charset="0"/>
-                <a:cs typeface="Times New Roman" panose="02020603050405020304" pitchFamily="18" charset="0"/>
-              </a:rPr>
-              <a:t> </a:t>
-            </a:r>
-            <a:r>
-              <a:rPr lang="en-US" dirty="0" err="1">
-                <a:latin typeface="Times New Roman" panose="02020603050405020304" pitchFamily="18" charset="0"/>
-                <a:cs typeface="Times New Roman" panose="02020603050405020304" pitchFamily="18" charset="0"/>
-              </a:rPr>
-              <a:t>thêm</a:t>
-            </a:r>
-            <a:r>
-              <a:rPr lang="en-US" dirty="0">
-                <a:latin typeface="Times New Roman" panose="02020603050405020304" pitchFamily="18" charset="0"/>
-                <a:cs typeface="Times New Roman" panose="02020603050405020304" pitchFamily="18" charset="0"/>
-              </a:rPr>
-              <a:t> </a:t>
-            </a:r>
-            <a:r>
-              <a:rPr lang="en-US" dirty="0" err="1">
-                <a:latin typeface="Times New Roman" panose="02020603050405020304" pitchFamily="18" charset="0"/>
-                <a:cs typeface="Times New Roman" panose="02020603050405020304" pitchFamily="18" charset="0"/>
-              </a:rPr>
-              <a:t>một</a:t>
-            </a:r>
-            <a:r>
-              <a:rPr lang="en-US" dirty="0">
-                <a:latin typeface="Times New Roman" panose="02020603050405020304" pitchFamily="18" charset="0"/>
-                <a:cs typeface="Times New Roman" panose="02020603050405020304" pitchFamily="18" charset="0"/>
-              </a:rPr>
-              <a:t> </a:t>
-            </a:r>
-            <a:r>
-              <a:rPr lang="en-US" dirty="0" err="1">
-                <a:latin typeface="Times New Roman" panose="02020603050405020304" pitchFamily="18" charset="0"/>
-                <a:cs typeface="Times New Roman" panose="02020603050405020304" pitchFamily="18" charset="0"/>
-              </a:rPr>
-              <a:t>lớp</a:t>
-            </a:r>
-            <a:r>
-              <a:rPr lang="en-US" dirty="0">
-                <a:latin typeface="Times New Roman" panose="02020603050405020304" pitchFamily="18" charset="0"/>
-                <a:cs typeface="Times New Roman" panose="02020603050405020304" pitchFamily="18" charset="0"/>
-              </a:rPr>
-              <a:t> </a:t>
-            </a:r>
-            <a:r>
-              <a:rPr lang="en-US" dirty="0" err="1">
-                <a:latin typeface="Times New Roman" panose="02020603050405020304" pitchFamily="18" charset="0"/>
-                <a:cs typeface="Times New Roman" panose="02020603050405020304" pitchFamily="18" charset="0"/>
-              </a:rPr>
-              <a:t>dẫn</a:t>
-            </a:r>
-            <a:r>
-              <a:rPr lang="en-US" dirty="0">
-                <a:latin typeface="Times New Roman" panose="02020603050405020304" pitchFamily="18" charset="0"/>
-                <a:cs typeface="Times New Roman" panose="02020603050405020304" pitchFamily="18" charset="0"/>
-              </a:rPr>
-              <a:t> </a:t>
-            </a:r>
-            <a:r>
-              <a:rPr lang="en-US" dirty="0" err="1">
-                <a:latin typeface="Times New Roman" panose="02020603050405020304" pitchFamily="18" charset="0"/>
-                <a:cs typeface="Times New Roman" panose="02020603050405020304" pitchFamily="18" charset="0"/>
-              </a:rPr>
-              <a:t>suất</a:t>
-            </a:r>
-            <a:r>
-              <a:rPr lang="en-US" dirty="0">
-                <a:latin typeface="Times New Roman" panose="02020603050405020304" pitchFamily="18" charset="0"/>
-                <a:cs typeface="Times New Roman" panose="02020603050405020304" pitchFamily="18" charset="0"/>
-              </a:rPr>
-              <a:t> </a:t>
-            </a:r>
-            <a:r>
-              <a:rPr lang="en-US" dirty="0" err="1">
-                <a:latin typeface="Times New Roman" panose="02020603050405020304" pitchFamily="18" charset="0"/>
-                <a:cs typeface="Times New Roman" panose="02020603050405020304" pitchFamily="18" charset="0"/>
-              </a:rPr>
               <a:t>mới</a:t>
             </a:r>
             <a:r>
-              <a:rPr lang="en-VN" dirty="0"/>
+              <a:rPr lang="x-none" dirty="0"/>
               <a:t>.</a:t>
             </a:r>
-            <a:endParaRPr lang="en-VN" baseline="0" dirty="0">
+            <a:endParaRPr lang="x-none" baseline="0" dirty="0">
               <a:latin typeface="Times New Roman" panose="02020603050405020304" pitchFamily="18" charset="0"/>
               <a:cs typeface="Times New Roman" panose="02020603050405020304" pitchFamily="18" charset="0"/>
             </a:endParaRPr>
@@ -15352,7 +15449,7 @@
               <a:t>Các instance lớp con đều có thể thay thế được instance của lớp cha</a:t>
             </a:r>
             <a:r>
-              <a:rPr lang="en-VN" dirty="0">
+              <a:rPr lang="x-none" dirty="0">
                 <a:latin typeface="Times New Roman" panose="02020603050405020304" pitchFamily="18" charset="0"/>
                 <a:cs typeface="Times New Roman" panose="02020603050405020304" pitchFamily="18" charset="0"/>
               </a:rPr>
@@ -15378,7 +15475,7 @@
               <a:t>Interface segregation</a:t>
             </a:r>
             <a:r>
-              <a:rPr lang="en-VN" dirty="0">
+              <a:rPr lang="x-none" dirty="0">
                 <a:latin typeface="Times New Roman" panose="02020603050405020304" pitchFamily="18" charset="0"/>
                 <a:cs typeface="Times New Roman" panose="02020603050405020304" pitchFamily="18" charset="0"/>
               </a:rPr>
@@ -15704,219 +15801,237 @@
                 <a:latin typeface="Times New Roman" panose="02020603050405020304" pitchFamily="18" charset="0"/>
                 <a:cs typeface="Times New Roman" panose="02020603050405020304" pitchFamily="18" charset="0"/>
               </a:rPr>
-              <a:t> interface</a:t>
-            </a:r>
-            <a:r>
-              <a:rPr lang="en-VN" dirty="0">
+              <a:t> </a:t>
+            </a:r>
+            <a:r>
+              <a:rPr lang="en-US">
+                <a:latin typeface="Times New Roman" panose="02020603050405020304" pitchFamily="18" charset="0"/>
+                <a:cs typeface="Times New Roman" panose="02020603050405020304" pitchFamily="18" charset="0"/>
+              </a:rPr>
+              <a:t>interface</a:t>
+            </a:r>
+            <a:r>
+              <a:rPr lang="x-none" smtClean="0">
                 <a:latin typeface="Times New Roman" panose="02020603050405020304" pitchFamily="18" charset="0"/>
                 <a:cs typeface="Times New Roman" panose="02020603050405020304" pitchFamily="18" charset="0"/>
               </a:rPr>
               <a:t>.</a:t>
             </a:r>
-          </a:p>
-          <a:p>
-            <a:pPr lvl="1"/>
-            <a:r>
-              <a:rPr lang="en-US" dirty="0">
-                <a:latin typeface="Times New Roman" panose="02020603050405020304" pitchFamily="18" charset="0"/>
-                <a:cs typeface="Times New Roman" panose="02020603050405020304" pitchFamily="18" charset="0"/>
-              </a:rPr>
-              <a:t>Dependency inversion : </a:t>
-            </a:r>
-            <a:r>
-              <a:rPr lang="vi-VN" dirty="0">
-                <a:latin typeface="Times New Roman" panose="02020603050405020304" pitchFamily="18" charset="0"/>
-                <a:cs typeface="Times New Roman" panose="02020603050405020304" pitchFamily="18" charset="0"/>
-              </a:rPr>
-              <a:t>C</a:t>
-            </a:r>
-            <a:r>
-              <a:rPr lang="en-US" dirty="0" err="1">
-                <a:latin typeface="Times New Roman" panose="02020603050405020304" pitchFamily="18" charset="0"/>
-                <a:cs typeface="Times New Roman" panose="02020603050405020304" pitchFamily="18" charset="0"/>
-              </a:rPr>
-              <a:t>ác</a:t>
-            </a:r>
-            <a:r>
-              <a:rPr lang="en-US" dirty="0">
-                <a:latin typeface="Times New Roman" panose="02020603050405020304" pitchFamily="18" charset="0"/>
-                <a:cs typeface="Times New Roman" panose="02020603050405020304" pitchFamily="18" charset="0"/>
-              </a:rPr>
-              <a:t> </a:t>
-            </a:r>
-            <a:r>
-              <a:rPr lang="en-US" dirty="0" err="1">
-                <a:latin typeface="Times New Roman" panose="02020603050405020304" pitchFamily="18" charset="0"/>
-                <a:cs typeface="Times New Roman" panose="02020603050405020304" pitchFamily="18" charset="0"/>
-              </a:rPr>
-              <a:t>sự</a:t>
-            </a:r>
-            <a:r>
-              <a:rPr lang="en-US" dirty="0">
-                <a:latin typeface="Times New Roman" panose="02020603050405020304" pitchFamily="18" charset="0"/>
-                <a:cs typeface="Times New Roman" panose="02020603050405020304" pitchFamily="18" charset="0"/>
-              </a:rPr>
-              <a:t> </a:t>
-            </a:r>
-            <a:r>
-              <a:rPr lang="en-US" dirty="0" err="1">
-                <a:latin typeface="Times New Roman" panose="02020603050405020304" pitchFamily="18" charset="0"/>
-                <a:cs typeface="Times New Roman" panose="02020603050405020304" pitchFamily="18" charset="0"/>
-              </a:rPr>
-              <a:t>phụ</a:t>
-            </a:r>
-            <a:r>
-              <a:rPr lang="en-US" dirty="0">
-                <a:latin typeface="Times New Roman" panose="02020603050405020304" pitchFamily="18" charset="0"/>
-                <a:cs typeface="Times New Roman" panose="02020603050405020304" pitchFamily="18" charset="0"/>
-              </a:rPr>
-              <a:t> </a:t>
-            </a:r>
-            <a:r>
-              <a:rPr lang="en-US" dirty="0" err="1">
-                <a:latin typeface="Times New Roman" panose="02020603050405020304" pitchFamily="18" charset="0"/>
-                <a:cs typeface="Times New Roman" panose="02020603050405020304" pitchFamily="18" charset="0"/>
-              </a:rPr>
-              <a:t>thuộc</a:t>
-            </a:r>
-            <a:r>
-              <a:rPr lang="en-US" dirty="0">
-                <a:latin typeface="Times New Roman" panose="02020603050405020304" pitchFamily="18" charset="0"/>
-                <a:cs typeface="Times New Roman" panose="02020603050405020304" pitchFamily="18" charset="0"/>
-              </a:rPr>
-              <a:t> </a:t>
-            </a:r>
-            <a:r>
-              <a:rPr lang="en-US" dirty="0" err="1">
-                <a:latin typeface="Times New Roman" panose="02020603050405020304" pitchFamily="18" charset="0"/>
-                <a:cs typeface="Times New Roman" panose="02020603050405020304" pitchFamily="18" charset="0"/>
-              </a:rPr>
-              <a:t>giữa</a:t>
-            </a:r>
-            <a:r>
-              <a:rPr lang="en-US" dirty="0">
-                <a:latin typeface="Times New Roman" panose="02020603050405020304" pitchFamily="18" charset="0"/>
-                <a:cs typeface="Times New Roman" panose="02020603050405020304" pitchFamily="18" charset="0"/>
-              </a:rPr>
-              <a:t> package controller </a:t>
-            </a:r>
-            <a:r>
-              <a:rPr lang="en-US" dirty="0" err="1">
-                <a:latin typeface="Times New Roman" panose="02020603050405020304" pitchFamily="18" charset="0"/>
-                <a:cs typeface="Times New Roman" panose="02020603050405020304" pitchFamily="18" charset="0"/>
-              </a:rPr>
-              <a:t>và</a:t>
-            </a:r>
-            <a:r>
-              <a:rPr lang="en-US" dirty="0">
-                <a:latin typeface="Times New Roman" panose="02020603050405020304" pitchFamily="18" charset="0"/>
-                <a:cs typeface="Times New Roman" panose="02020603050405020304" pitchFamily="18" charset="0"/>
-              </a:rPr>
-              <a:t> </a:t>
-            </a:r>
-            <a:r>
-              <a:rPr lang="en-US" dirty="0" err="1">
-                <a:latin typeface="Times New Roman" panose="02020603050405020304" pitchFamily="18" charset="0"/>
-                <a:cs typeface="Times New Roman" panose="02020603050405020304" pitchFamily="18" charset="0"/>
-              </a:rPr>
-              <a:t>các</a:t>
-            </a:r>
-            <a:r>
-              <a:rPr lang="en-US" dirty="0">
-                <a:latin typeface="Times New Roman" panose="02020603050405020304" pitchFamily="18" charset="0"/>
-                <a:cs typeface="Times New Roman" panose="02020603050405020304" pitchFamily="18" charset="0"/>
-              </a:rPr>
-              <a:t> package </a:t>
-            </a:r>
-            <a:r>
-              <a:rPr lang="en-US" dirty="0" err="1">
-                <a:latin typeface="Times New Roman" panose="02020603050405020304" pitchFamily="18" charset="0"/>
-                <a:cs typeface="Times New Roman" panose="02020603050405020304" pitchFamily="18" charset="0"/>
-              </a:rPr>
-              <a:t>khác</a:t>
-            </a:r>
-            <a:r>
-              <a:rPr lang="en-US" dirty="0">
-                <a:latin typeface="Times New Roman" panose="02020603050405020304" pitchFamily="18" charset="0"/>
-                <a:cs typeface="Times New Roman" panose="02020603050405020304" pitchFamily="18" charset="0"/>
-              </a:rPr>
-              <a:t> </a:t>
-            </a:r>
-            <a:r>
-              <a:rPr lang="en-US" dirty="0" err="1">
-                <a:latin typeface="Times New Roman" panose="02020603050405020304" pitchFamily="18" charset="0"/>
-                <a:cs typeface="Times New Roman" panose="02020603050405020304" pitchFamily="18" charset="0"/>
-              </a:rPr>
-              <a:t>đều</a:t>
-            </a:r>
-            <a:r>
-              <a:rPr lang="en-US" dirty="0">
-                <a:latin typeface="Times New Roman" panose="02020603050405020304" pitchFamily="18" charset="0"/>
-                <a:cs typeface="Times New Roman" panose="02020603050405020304" pitchFamily="18" charset="0"/>
-              </a:rPr>
-              <a:t> </a:t>
-            </a:r>
-            <a:r>
-              <a:rPr lang="en-US" dirty="0" err="1">
-                <a:latin typeface="Times New Roman" panose="02020603050405020304" pitchFamily="18" charset="0"/>
-                <a:cs typeface="Times New Roman" panose="02020603050405020304" pitchFamily="18" charset="0"/>
-              </a:rPr>
-              <a:t>là</a:t>
-            </a:r>
-            <a:r>
-              <a:rPr lang="en-US" dirty="0">
-                <a:latin typeface="Times New Roman" panose="02020603050405020304" pitchFamily="18" charset="0"/>
-                <a:cs typeface="Times New Roman" panose="02020603050405020304" pitchFamily="18" charset="0"/>
-              </a:rPr>
-              <a:t> </a:t>
-            </a:r>
-            <a:r>
-              <a:rPr lang="en-US" dirty="0" err="1">
-                <a:latin typeface="Times New Roman" panose="02020603050405020304" pitchFamily="18" charset="0"/>
-                <a:cs typeface="Times New Roman" panose="02020603050405020304" pitchFamily="18" charset="0"/>
-              </a:rPr>
-              <a:t>thông</a:t>
-            </a:r>
-            <a:r>
-              <a:rPr lang="en-US" dirty="0">
-                <a:latin typeface="Times New Roman" panose="02020603050405020304" pitchFamily="18" charset="0"/>
-                <a:cs typeface="Times New Roman" panose="02020603050405020304" pitchFamily="18" charset="0"/>
-              </a:rPr>
-              <a:t> qua </a:t>
-            </a:r>
-            <a:r>
-              <a:rPr lang="en-US" dirty="0" err="1">
-                <a:latin typeface="Times New Roman" panose="02020603050405020304" pitchFamily="18" charset="0"/>
-                <a:cs typeface="Times New Roman" panose="02020603050405020304" pitchFamily="18" charset="0"/>
-              </a:rPr>
-              <a:t>các</a:t>
-            </a:r>
-            <a:r>
-              <a:rPr lang="en-US" dirty="0">
-                <a:latin typeface="Times New Roman" panose="02020603050405020304" pitchFamily="18" charset="0"/>
-                <a:cs typeface="Times New Roman" panose="02020603050405020304" pitchFamily="18" charset="0"/>
-              </a:rPr>
-              <a:t> interface</a:t>
-            </a:r>
-            <a:r>
-              <a:rPr lang="en-VN" dirty="0">
-                <a:latin typeface="Times New Roman" panose="02020603050405020304" pitchFamily="18" charset="0"/>
-                <a:cs typeface="Times New Roman" panose="02020603050405020304" pitchFamily="18" charset="0"/>
-              </a:rPr>
-              <a:t> </a:t>
-            </a:r>
-            <a:r>
-              <a:rPr lang="en-VN" dirty="0"/>
-              <a:t>.</a:t>
-            </a:r>
-            <a:endParaRPr lang="en-VN" dirty="0">
+            <a:r>
+              <a:rPr lang="en-US" smtClean="0">
+                <a:latin typeface="Times New Roman" panose="02020603050405020304" pitchFamily="18" charset="0"/>
+                <a:cs typeface="Times New Roman" panose="02020603050405020304" pitchFamily="18" charset="0"/>
+              </a:rPr>
+              <a:t> Tương tự với lớp InterbankInterface có 2 phương thức là refund và payRental.</a:t>
+            </a:r>
+            <a:endParaRPr lang="x-none" dirty="0">
               <a:latin typeface="Times New Roman" panose="02020603050405020304" pitchFamily="18" charset="0"/>
               <a:cs typeface="Times New Roman" panose="02020603050405020304" pitchFamily="18" charset="0"/>
             </a:endParaRPr>
           </a:p>
           <a:p>
             <a:pPr lvl="1"/>
-            <a:endParaRPr lang="en-VN" sz="1800" i="0" u="none" strike="noStrike" cap="none" dirty="0">
+            <a:r>
+              <a:rPr lang="en-US" dirty="0">
+                <a:latin typeface="Times New Roman" panose="02020603050405020304" pitchFamily="18" charset="0"/>
+                <a:cs typeface="Times New Roman" panose="02020603050405020304" pitchFamily="18" charset="0"/>
+              </a:rPr>
+              <a:t>Dependency inversion : </a:t>
+            </a:r>
+            <a:r>
+              <a:rPr lang="vi-VN" dirty="0">
+                <a:latin typeface="Times New Roman" panose="02020603050405020304" pitchFamily="18" charset="0"/>
+                <a:cs typeface="Times New Roman" panose="02020603050405020304" pitchFamily="18" charset="0"/>
+              </a:rPr>
+              <a:t>C</a:t>
+            </a:r>
+            <a:r>
+              <a:rPr lang="en-US" dirty="0" err="1">
+                <a:latin typeface="Times New Roman" panose="02020603050405020304" pitchFamily="18" charset="0"/>
+                <a:cs typeface="Times New Roman" panose="02020603050405020304" pitchFamily="18" charset="0"/>
+              </a:rPr>
+              <a:t>ác</a:t>
+            </a:r>
+            <a:r>
+              <a:rPr lang="en-US" dirty="0">
+                <a:latin typeface="Times New Roman" panose="02020603050405020304" pitchFamily="18" charset="0"/>
+                <a:cs typeface="Times New Roman" panose="02020603050405020304" pitchFamily="18" charset="0"/>
+              </a:rPr>
+              <a:t> </a:t>
+            </a:r>
+            <a:r>
+              <a:rPr lang="en-US" dirty="0" err="1">
+                <a:latin typeface="Times New Roman" panose="02020603050405020304" pitchFamily="18" charset="0"/>
+                <a:cs typeface="Times New Roman" panose="02020603050405020304" pitchFamily="18" charset="0"/>
+              </a:rPr>
+              <a:t>sự</a:t>
+            </a:r>
+            <a:r>
+              <a:rPr lang="en-US" dirty="0">
+                <a:latin typeface="Times New Roman" panose="02020603050405020304" pitchFamily="18" charset="0"/>
+                <a:cs typeface="Times New Roman" panose="02020603050405020304" pitchFamily="18" charset="0"/>
+              </a:rPr>
+              <a:t> </a:t>
+            </a:r>
+            <a:r>
+              <a:rPr lang="en-US" dirty="0" err="1">
+                <a:latin typeface="Times New Roman" panose="02020603050405020304" pitchFamily="18" charset="0"/>
+                <a:cs typeface="Times New Roman" panose="02020603050405020304" pitchFamily="18" charset="0"/>
+              </a:rPr>
+              <a:t>phụ</a:t>
+            </a:r>
+            <a:r>
+              <a:rPr lang="en-US" dirty="0">
+                <a:latin typeface="Times New Roman" panose="02020603050405020304" pitchFamily="18" charset="0"/>
+                <a:cs typeface="Times New Roman" panose="02020603050405020304" pitchFamily="18" charset="0"/>
+              </a:rPr>
+              <a:t> </a:t>
+            </a:r>
+            <a:r>
+              <a:rPr lang="en-US" dirty="0" err="1">
+                <a:latin typeface="Times New Roman" panose="02020603050405020304" pitchFamily="18" charset="0"/>
+                <a:cs typeface="Times New Roman" panose="02020603050405020304" pitchFamily="18" charset="0"/>
+              </a:rPr>
+              <a:t>thuộc</a:t>
+            </a:r>
+            <a:r>
+              <a:rPr lang="en-US" dirty="0">
+                <a:latin typeface="Times New Roman" panose="02020603050405020304" pitchFamily="18" charset="0"/>
+                <a:cs typeface="Times New Roman" panose="02020603050405020304" pitchFamily="18" charset="0"/>
+              </a:rPr>
+              <a:t> </a:t>
+            </a:r>
+            <a:r>
+              <a:rPr lang="en-US" dirty="0" err="1">
+                <a:latin typeface="Times New Roman" panose="02020603050405020304" pitchFamily="18" charset="0"/>
+                <a:cs typeface="Times New Roman" panose="02020603050405020304" pitchFamily="18" charset="0"/>
+              </a:rPr>
+              <a:t>giữa</a:t>
+            </a:r>
+            <a:r>
+              <a:rPr lang="en-US" dirty="0">
+                <a:latin typeface="Times New Roman" panose="02020603050405020304" pitchFamily="18" charset="0"/>
+                <a:cs typeface="Times New Roman" panose="02020603050405020304" pitchFamily="18" charset="0"/>
+              </a:rPr>
+              <a:t> package controller </a:t>
+            </a:r>
+            <a:r>
+              <a:rPr lang="en-US" dirty="0" err="1">
+                <a:latin typeface="Times New Roman" panose="02020603050405020304" pitchFamily="18" charset="0"/>
+                <a:cs typeface="Times New Roman" panose="02020603050405020304" pitchFamily="18" charset="0"/>
+              </a:rPr>
+              <a:t>và</a:t>
+            </a:r>
+            <a:r>
+              <a:rPr lang="en-US" dirty="0">
+                <a:latin typeface="Times New Roman" panose="02020603050405020304" pitchFamily="18" charset="0"/>
+                <a:cs typeface="Times New Roman" panose="02020603050405020304" pitchFamily="18" charset="0"/>
+              </a:rPr>
+              <a:t> </a:t>
+            </a:r>
+            <a:r>
+              <a:rPr lang="en-US" dirty="0" err="1">
+                <a:latin typeface="Times New Roman" panose="02020603050405020304" pitchFamily="18" charset="0"/>
+                <a:cs typeface="Times New Roman" panose="02020603050405020304" pitchFamily="18" charset="0"/>
+              </a:rPr>
+              <a:t>các</a:t>
+            </a:r>
+            <a:r>
+              <a:rPr lang="en-US" dirty="0">
+                <a:latin typeface="Times New Roman" panose="02020603050405020304" pitchFamily="18" charset="0"/>
+                <a:cs typeface="Times New Roman" panose="02020603050405020304" pitchFamily="18" charset="0"/>
+              </a:rPr>
+              <a:t> package </a:t>
+            </a:r>
+            <a:r>
+              <a:rPr lang="en-US" dirty="0" err="1">
+                <a:latin typeface="Times New Roman" panose="02020603050405020304" pitchFamily="18" charset="0"/>
+                <a:cs typeface="Times New Roman" panose="02020603050405020304" pitchFamily="18" charset="0"/>
+              </a:rPr>
+              <a:t>khác</a:t>
+            </a:r>
+            <a:r>
+              <a:rPr lang="en-US" dirty="0">
+                <a:latin typeface="Times New Roman" panose="02020603050405020304" pitchFamily="18" charset="0"/>
+                <a:cs typeface="Times New Roman" panose="02020603050405020304" pitchFamily="18" charset="0"/>
+              </a:rPr>
+              <a:t> </a:t>
+            </a:r>
+            <a:r>
+              <a:rPr lang="en-US" dirty="0" err="1">
+                <a:latin typeface="Times New Roman" panose="02020603050405020304" pitchFamily="18" charset="0"/>
+                <a:cs typeface="Times New Roman" panose="02020603050405020304" pitchFamily="18" charset="0"/>
+              </a:rPr>
+              <a:t>đều</a:t>
+            </a:r>
+            <a:r>
+              <a:rPr lang="en-US" dirty="0">
+                <a:latin typeface="Times New Roman" panose="02020603050405020304" pitchFamily="18" charset="0"/>
+                <a:cs typeface="Times New Roman" panose="02020603050405020304" pitchFamily="18" charset="0"/>
+              </a:rPr>
+              <a:t> </a:t>
+            </a:r>
+            <a:r>
+              <a:rPr lang="en-US" dirty="0" err="1">
+                <a:latin typeface="Times New Roman" panose="02020603050405020304" pitchFamily="18" charset="0"/>
+                <a:cs typeface="Times New Roman" panose="02020603050405020304" pitchFamily="18" charset="0"/>
+              </a:rPr>
+              <a:t>là</a:t>
+            </a:r>
+            <a:r>
+              <a:rPr lang="en-US" dirty="0">
+                <a:latin typeface="Times New Roman" panose="02020603050405020304" pitchFamily="18" charset="0"/>
+                <a:cs typeface="Times New Roman" panose="02020603050405020304" pitchFamily="18" charset="0"/>
+              </a:rPr>
+              <a:t> </a:t>
+            </a:r>
+            <a:r>
+              <a:rPr lang="en-US" dirty="0" err="1">
+                <a:latin typeface="Times New Roman" panose="02020603050405020304" pitchFamily="18" charset="0"/>
+                <a:cs typeface="Times New Roman" panose="02020603050405020304" pitchFamily="18" charset="0"/>
+              </a:rPr>
+              <a:t>thông</a:t>
+            </a:r>
+            <a:r>
+              <a:rPr lang="en-US" dirty="0">
+                <a:latin typeface="Times New Roman" panose="02020603050405020304" pitchFamily="18" charset="0"/>
+                <a:cs typeface="Times New Roman" panose="02020603050405020304" pitchFamily="18" charset="0"/>
+              </a:rPr>
+              <a:t> qua </a:t>
+            </a:r>
+            <a:r>
+              <a:rPr lang="en-US" dirty="0" err="1">
+                <a:latin typeface="Times New Roman" panose="02020603050405020304" pitchFamily="18" charset="0"/>
+                <a:cs typeface="Times New Roman" panose="02020603050405020304" pitchFamily="18" charset="0"/>
+              </a:rPr>
+              <a:t>các</a:t>
+            </a:r>
+            <a:r>
+              <a:rPr lang="en-US" dirty="0">
+                <a:latin typeface="Times New Roman" panose="02020603050405020304" pitchFamily="18" charset="0"/>
+                <a:cs typeface="Times New Roman" panose="02020603050405020304" pitchFamily="18" charset="0"/>
+              </a:rPr>
+              <a:t> interface</a:t>
+            </a:r>
+            <a:r>
+              <a:rPr lang="x-none" dirty="0">
+                <a:latin typeface="Times New Roman" panose="02020603050405020304" pitchFamily="18" charset="0"/>
+                <a:cs typeface="Times New Roman" panose="02020603050405020304" pitchFamily="18" charset="0"/>
+              </a:rPr>
+              <a:t> </a:t>
+            </a:r>
+            <a:r>
+              <a:rPr lang="x-none" dirty="0"/>
+              <a:t>.</a:t>
+            </a:r>
+            <a:endParaRPr lang="x-none" dirty="0">
+              <a:latin typeface="Times New Roman" panose="02020603050405020304" pitchFamily="18" charset="0"/>
+              <a:cs typeface="Times New Roman" panose="02020603050405020304" pitchFamily="18" charset="0"/>
+            </a:endParaRPr>
+          </a:p>
+          <a:p>
+            <a:pPr lvl="1"/>
+            <a:endParaRPr lang="x-none" sz="1800" i="0" u="none" strike="noStrike" cap="none" dirty="0">
               <a:solidFill>
                 <a:srgbClr val="3F3F3F"/>
               </a:solidFill>
@@ -15928,7 +16043,7 @@
           </a:p>
           <a:p>
             <a:pPr lvl="1"/>
-            <a:endParaRPr lang="en-VN" dirty="0">
+            <a:endParaRPr lang="x-none" dirty="0">
               <a:latin typeface="Times New Roman" panose="02020603050405020304" pitchFamily="18" charset="0"/>
               <a:cs typeface="Times New Roman" panose="02020603050405020304" pitchFamily="18" charset="0"/>
             </a:endParaRPr>
@@ -15940,7 +16055,7 @@
           <p:cNvPr id="4" name="Slide Number Placeholder 3">
             <a:extLst>
               <a:ext uri="{FF2B5EF4-FFF2-40B4-BE49-F238E27FC236}">
-                <a16:creationId xmlns:a16="http://schemas.microsoft.com/office/drawing/2014/main" id="{3AE14BB9-A09B-D94B-8E37-59733A26EC31}"/>
+                <a16:creationId xmlns:a16="http://schemas.microsoft.com/office/drawing/2014/main" xmlns="" id="{3AE14BB9-A09B-D94B-8E37-59733A26EC31}"/>
               </a:ext>
             </a:extLst>
           </p:cNvPr>
@@ -16015,8 +16130,8 @@
         </p:nvSpPr>
         <p:spPr>
           <a:xfrm>
-            <a:off x="488950" y="-87315"/>
-            <a:ext cx="8026400" cy="1325563"/>
+            <a:off x="488950" y="-87314"/>
+            <a:ext cx="8026400" cy="805772"/>
           </a:xfrm>
           <a:prstGeom prst="rect">
             <a:avLst/>
@@ -16068,8 +16183,8 @@
         </p:nvSpPr>
         <p:spPr>
           <a:xfrm>
-            <a:off x="488950" y="1346200"/>
-            <a:ext cx="8026400" cy="4902199"/>
+            <a:off x="488950" y="979715"/>
+            <a:ext cx="8026400" cy="2449286"/>
           </a:xfrm>
           <a:prstGeom prst="rect">
             <a:avLst/>
@@ -16156,7 +16271,14 @@
               <a:rPr lang="vi-VN" dirty="0">
                 <a:latin typeface="+mj-lt"/>
               </a:rPr>
-              <a:t>Tách biệt công việc tạo object / instance ra khỏi xử lý của client code (client code là phần code sử dụng object / instance để thực hiện hoàn thành công việc của nó). Client code sẽ không cần phải quan tâm instance được tạo ra như thế nào, nó là object của class nào, nhờ đó giảm thiểu dependency của client code.</a:t>
+              <a:t>Tách biệt công việc tạo object / instance ra khỏi xử lý của client code (client code là phần code sử dụng object / instance để thực hiện hoàn thành công việc của nó). Client code sẽ không cần phải quan tâm instance được tạo ra như thế nào, nó là object của class nào, nhờ đó giảm thiểu dependency của client code</a:t>
+            </a:r>
+            <a:r>
+              <a:rPr lang="x-none" dirty="0">
+                <a:latin typeface="Times New Roman" panose="02020603050405020304" pitchFamily="18" charset="0"/>
+                <a:cs typeface="Times New Roman" panose="02020603050405020304" pitchFamily="18" charset="0"/>
+              </a:rPr>
+              <a:t>.</a:t>
             </a:r>
           </a:p>
           <a:p>
@@ -16166,44 +16288,19 @@
               </a:spcBef>
               <a:buSzPts val="2100"/>
             </a:pPr>
-            <a:endParaRPr lang="vi-VN" dirty="0">
-              <a:latin typeface="+mj-lt"/>
-              <a:cs typeface="Times New Roman" panose="02020603050405020304" pitchFamily="18" charset="0"/>
-            </a:endParaRPr>
-          </a:p>
-          <a:p>
-            <a:pPr marL="457200" lvl="1" indent="0">
-              <a:spcBef>
-                <a:spcPts val="0"/>
-              </a:spcBef>
-              <a:buSzPts val="2100"/>
-              <a:buNone/>
-            </a:pPr>
-            <a:endParaRPr lang="en-VN" dirty="0">
-              <a:latin typeface="+mj-lt"/>
-              <a:cs typeface="Times New Roman" panose="02020603050405020304" pitchFamily="18" charset="0"/>
-            </a:endParaRPr>
-          </a:p>
-          <a:p>
-            <a:pPr marL="628650" lvl="1" indent="-171450">
-              <a:spcBef>
-                <a:spcPts val="0"/>
-              </a:spcBef>
-              <a:buSzPts val="2100"/>
-            </a:pPr>
             <a:r>
               <a:rPr lang="en-US" dirty="0">
                 <a:latin typeface="Times New Roman" panose="02020603050405020304" pitchFamily="18" charset="0"/>
                 <a:cs typeface="Times New Roman" panose="02020603050405020304" pitchFamily="18" charset="0"/>
               </a:rPr>
-              <a:t>Data Access Object : </a:t>
+              <a:t>Singleton : </a:t>
             </a:r>
             <a:r>
               <a:rPr lang="en-US" dirty="0" err="1">
                 <a:latin typeface="Times New Roman" panose="02020603050405020304" pitchFamily="18" charset="0"/>
                 <a:cs typeface="Times New Roman" panose="02020603050405020304" pitchFamily="18" charset="0"/>
               </a:rPr>
-              <a:t>Các</a:t>
+              <a:t>Sử</a:t>
             </a:r>
             <a:r>
               <a:rPr lang="en-US" dirty="0">
@@ -16217,13 +16314,41 @@
                 <a:latin typeface="Times New Roman" panose="02020603050405020304" pitchFamily="18" charset="0"/>
                 <a:cs typeface="Times New Roman" panose="02020603050405020304" pitchFamily="18" charset="0"/>
               </a:rPr>
-              <a:t>lớp</a:t>
+              <a:t>dụng</a:t>
             </a:r>
             <a:r>
               <a:rPr lang="en-US" dirty="0">
                 <a:latin typeface="Times New Roman" panose="02020603050405020304" pitchFamily="18" charset="0"/>
                 <a:cs typeface="Times New Roman" panose="02020603050405020304" pitchFamily="18" charset="0"/>
               </a:rPr>
+              <a:t> Singleton </a:t>
+            </a:r>
+            <a:r>
+              <a:rPr lang="en-US" dirty="0" err="1">
+                <a:latin typeface="Times New Roman" panose="02020603050405020304" pitchFamily="18" charset="0"/>
+                <a:cs typeface="Times New Roman" panose="02020603050405020304" pitchFamily="18" charset="0"/>
+              </a:rPr>
+              <a:t>cho</a:t>
+            </a:r>
+            <a:r>
+              <a:rPr lang="en-US" dirty="0">
+                <a:latin typeface="Times New Roman" panose="02020603050405020304" pitchFamily="18" charset="0"/>
+                <a:cs typeface="Times New Roman" panose="02020603050405020304" pitchFamily="18" charset="0"/>
+              </a:rPr>
+              <a:t> class </a:t>
+            </a:r>
+            <a:r>
+              <a:rPr lang="en-US" dirty="0" err="1">
+                <a:latin typeface="Times New Roman" panose="02020603050405020304" pitchFamily="18" charset="0"/>
+                <a:cs typeface="Times New Roman" panose="02020603050405020304" pitchFamily="18" charset="0"/>
+              </a:rPr>
+              <a:t>MySQLConnection</a:t>
+            </a:r>
+            <a:r>
+              <a:rPr lang="en-US" dirty="0">
+                <a:latin typeface="Times New Roman" panose="02020603050405020304" pitchFamily="18" charset="0"/>
+                <a:cs typeface="Times New Roman" panose="02020603050405020304" pitchFamily="18" charset="0"/>
+              </a:rPr>
               <a:t> </a:t>
             </a:r>
             <a:r>
@@ -16231,7 +16356,7 @@
                 <a:latin typeface="Times New Roman" panose="02020603050405020304" pitchFamily="18" charset="0"/>
                 <a:cs typeface="Times New Roman" panose="02020603050405020304" pitchFamily="18" charset="0"/>
               </a:rPr>
-              <a:t>lấy</a:t>
+              <a:t>để</a:t>
             </a:r>
             <a:r>
               <a:rPr lang="en-US" dirty="0">
@@ -16245,7 +16370,7 @@
                 <a:latin typeface="Times New Roman" panose="02020603050405020304" pitchFamily="18" charset="0"/>
                 <a:cs typeface="Times New Roman" panose="02020603050405020304" pitchFamily="18" charset="0"/>
               </a:rPr>
-              <a:t>dữ</a:t>
+              <a:t>thể</a:t>
             </a:r>
             <a:r>
               <a:rPr lang="en-US" dirty="0">
@@ -16259,7 +16384,7 @@
                 <a:latin typeface="Times New Roman" panose="02020603050405020304" pitchFamily="18" charset="0"/>
                 <a:cs typeface="Times New Roman" panose="02020603050405020304" pitchFamily="18" charset="0"/>
               </a:rPr>
-              <a:t>liệu</a:t>
+              <a:t>hiện</a:t>
             </a:r>
             <a:r>
               <a:rPr lang="en-US" dirty="0">
@@ -16273,13 +16398,27 @@
                 <a:latin typeface="Times New Roman" panose="02020603050405020304" pitchFamily="18" charset="0"/>
                 <a:cs typeface="Times New Roman" panose="02020603050405020304" pitchFamily="18" charset="0"/>
               </a:rPr>
-              <a:t>từ</a:t>
+              <a:t>tại</a:t>
             </a:r>
             <a:r>
               <a:rPr lang="en-US" dirty="0">
                 <a:latin typeface="Times New Roman" panose="02020603050405020304" pitchFamily="18" charset="0"/>
                 <a:cs typeface="Times New Roman" panose="02020603050405020304" pitchFamily="18" charset="0"/>
               </a:rPr>
+              <a:t> 1 </a:t>
+            </a:r>
+            <a:r>
+              <a:rPr lang="en-US" dirty="0" err="1">
+                <a:latin typeface="Times New Roman" panose="02020603050405020304" pitchFamily="18" charset="0"/>
+                <a:cs typeface="Times New Roman" panose="02020603050405020304" pitchFamily="18" charset="0"/>
+              </a:rPr>
+              <a:t>thời</a:t>
+            </a:r>
+            <a:r>
+              <a:rPr lang="en-US" dirty="0">
+                <a:latin typeface="Times New Roman" panose="02020603050405020304" pitchFamily="18" charset="0"/>
+                <a:cs typeface="Times New Roman" panose="02020603050405020304" pitchFamily="18" charset="0"/>
+              </a:rPr>
               <a:t> </a:t>
             </a:r>
             <a:r>
@@ -16287,7 +16426,7 @@
                 <a:latin typeface="Times New Roman" panose="02020603050405020304" pitchFamily="18" charset="0"/>
                 <a:cs typeface="Times New Roman" panose="02020603050405020304" pitchFamily="18" charset="0"/>
               </a:rPr>
-              <a:t>nguồn</a:t>
+              <a:t>điểm</a:t>
             </a:r>
             <a:r>
               <a:rPr lang="en-US" dirty="0">
@@ -16301,7 +16440,7 @@
                 <a:latin typeface="Times New Roman" panose="02020603050405020304" pitchFamily="18" charset="0"/>
                 <a:cs typeface="Times New Roman" panose="02020603050405020304" pitchFamily="18" charset="0"/>
               </a:rPr>
-              <a:t>dữ</a:t>
+              <a:t>chỉ</a:t>
             </a:r>
             <a:r>
               <a:rPr lang="en-US" dirty="0">
@@ -16315,13 +16454,27 @@
                 <a:latin typeface="Times New Roman" panose="02020603050405020304" pitchFamily="18" charset="0"/>
                 <a:cs typeface="Times New Roman" panose="02020603050405020304" pitchFamily="18" charset="0"/>
               </a:rPr>
-              <a:t>liệu</a:t>
+              <a:t>có</a:t>
             </a:r>
             <a:r>
               <a:rPr lang="en-US" dirty="0">
                 <a:latin typeface="Times New Roman" panose="02020603050405020304" pitchFamily="18" charset="0"/>
                 <a:cs typeface="Times New Roman" panose="02020603050405020304" pitchFamily="18" charset="0"/>
               </a:rPr>
+              <a:t> 1 </a:t>
+            </a:r>
+            <a:r>
+              <a:rPr lang="en-US" dirty="0" err="1">
+                <a:latin typeface="Times New Roman" panose="02020603050405020304" pitchFamily="18" charset="0"/>
+                <a:cs typeface="Times New Roman" panose="02020603050405020304" pitchFamily="18" charset="0"/>
+              </a:rPr>
+              <a:t>đối</a:t>
+            </a:r>
+            <a:r>
+              <a:rPr lang="en-US" dirty="0">
+                <a:latin typeface="Times New Roman" panose="02020603050405020304" pitchFamily="18" charset="0"/>
+                <a:cs typeface="Times New Roman" panose="02020603050405020304" pitchFamily="18" charset="0"/>
+              </a:rPr>
               <a:t> </a:t>
             </a:r>
             <a:r>
@@ -16329,7 +16482,7 @@
                 <a:latin typeface="Times New Roman" panose="02020603050405020304" pitchFamily="18" charset="0"/>
                 <a:cs typeface="Times New Roman" panose="02020603050405020304" pitchFamily="18" charset="0"/>
               </a:rPr>
-              <a:t>đều</a:t>
+              <a:t>tượng</a:t>
             </a:r>
             <a:r>
               <a:rPr lang="en-US" dirty="0">
@@ -16343,7 +16496,7 @@
                 <a:latin typeface="Times New Roman" panose="02020603050405020304" pitchFamily="18" charset="0"/>
                 <a:cs typeface="Times New Roman" panose="02020603050405020304" pitchFamily="18" charset="0"/>
               </a:rPr>
-              <a:t>có</a:t>
+              <a:t>cổng</a:t>
             </a:r>
             <a:r>
               <a:rPr lang="en-US" dirty="0">
@@ -16357,7 +16510,7 @@
                 <a:latin typeface="Times New Roman" panose="02020603050405020304" pitchFamily="18" charset="0"/>
                 <a:cs typeface="Times New Roman" panose="02020603050405020304" pitchFamily="18" charset="0"/>
               </a:rPr>
-              <a:t>một</a:t>
+              <a:t>quản</a:t>
             </a:r>
             <a:r>
               <a:rPr lang="en-US" dirty="0">
@@ -16371,7 +16524,7 @@
                 <a:latin typeface="Times New Roman" panose="02020603050405020304" pitchFamily="18" charset="0"/>
                 <a:cs typeface="Times New Roman" panose="02020603050405020304" pitchFamily="18" charset="0"/>
               </a:rPr>
-              <a:t>số</a:t>
+              <a:t>lý</a:t>
             </a:r>
             <a:r>
               <a:rPr lang="en-US" dirty="0">
@@ -16385,7 +16538,7 @@
                 <a:latin typeface="Times New Roman" panose="02020603050405020304" pitchFamily="18" charset="0"/>
                 <a:cs typeface="Times New Roman" panose="02020603050405020304" pitchFamily="18" charset="0"/>
               </a:rPr>
-              <a:t>đặc</a:t>
+              <a:t>kết</a:t>
             </a:r>
             <a:r>
               <a:rPr lang="en-US" dirty="0">
@@ -16399,7 +16552,7 @@
                 <a:latin typeface="Times New Roman" panose="02020603050405020304" pitchFamily="18" charset="0"/>
                 <a:cs typeface="Times New Roman" panose="02020603050405020304" pitchFamily="18" charset="0"/>
               </a:rPr>
-              <a:t>điểm</a:t>
+              <a:t>nối</a:t>
             </a:r>
             <a:r>
               <a:rPr lang="en-US" dirty="0">
@@ -16413,870 +16566,17 @@
                 <a:latin typeface="Times New Roman" panose="02020603050405020304" pitchFamily="18" charset="0"/>
                 <a:cs typeface="Times New Roman" panose="02020603050405020304" pitchFamily="18" charset="0"/>
               </a:rPr>
-              <a:t>chung</a:t>
+              <a:t>tới</a:t>
             </a:r>
             <a:r>
               <a:rPr lang="en-US" dirty="0">
                 <a:latin typeface="Times New Roman" panose="02020603050405020304" pitchFamily="18" charset="0"/>
                 <a:cs typeface="Times New Roman" panose="02020603050405020304" pitchFamily="18" charset="0"/>
               </a:rPr>
-              <a:t>, </a:t>
-            </a:r>
-            <a:r>
-              <a:rPr lang="en-US" dirty="0" err="1">
-                <a:latin typeface="Times New Roman" panose="02020603050405020304" pitchFamily="18" charset="0"/>
-                <a:cs typeface="Times New Roman" panose="02020603050405020304" pitchFamily="18" charset="0"/>
-              </a:rPr>
-              <a:t>nên</a:t>
-            </a:r>
-            <a:r>
-              <a:rPr lang="en-US" dirty="0">
-                <a:latin typeface="Times New Roman" panose="02020603050405020304" pitchFamily="18" charset="0"/>
-                <a:cs typeface="Times New Roman" panose="02020603050405020304" pitchFamily="18" charset="0"/>
-              </a:rPr>
-              <a:t> </a:t>
-            </a:r>
-            <a:r>
-              <a:rPr lang="en-US" dirty="0" err="1">
-                <a:latin typeface="Times New Roman" panose="02020603050405020304" pitchFamily="18" charset="0"/>
-                <a:cs typeface="Times New Roman" panose="02020603050405020304" pitchFamily="18" charset="0"/>
-              </a:rPr>
-              <a:t>với</a:t>
-            </a:r>
-            <a:r>
-              <a:rPr lang="en-US" dirty="0">
-                <a:latin typeface="Times New Roman" panose="02020603050405020304" pitchFamily="18" charset="0"/>
-                <a:cs typeface="Times New Roman" panose="02020603050405020304" pitchFamily="18" charset="0"/>
-              </a:rPr>
-              <a:t> Data Access Object pattern </a:t>
-            </a:r>
-            <a:r>
-              <a:rPr lang="en-US" dirty="0" err="1">
-                <a:latin typeface="Times New Roman" panose="02020603050405020304" pitchFamily="18" charset="0"/>
-                <a:cs typeface="Times New Roman" panose="02020603050405020304" pitchFamily="18" charset="0"/>
-              </a:rPr>
-              <a:t>thì</a:t>
-            </a:r>
-            <a:r>
-              <a:rPr lang="en-US" dirty="0">
-                <a:latin typeface="Times New Roman" panose="02020603050405020304" pitchFamily="18" charset="0"/>
-                <a:cs typeface="Times New Roman" panose="02020603050405020304" pitchFamily="18" charset="0"/>
-              </a:rPr>
-              <a:t> </a:t>
-            </a:r>
-            <a:r>
-              <a:rPr lang="en-US" dirty="0" err="1">
-                <a:latin typeface="Times New Roman" panose="02020603050405020304" pitchFamily="18" charset="0"/>
-                <a:cs typeface="Times New Roman" panose="02020603050405020304" pitchFamily="18" charset="0"/>
-              </a:rPr>
-              <a:t>các</a:t>
-            </a:r>
-            <a:r>
-              <a:rPr lang="en-US" dirty="0">
-                <a:latin typeface="Times New Roman" panose="02020603050405020304" pitchFamily="18" charset="0"/>
-                <a:cs typeface="Times New Roman" panose="02020603050405020304" pitchFamily="18" charset="0"/>
-              </a:rPr>
-              <a:t> </a:t>
-            </a:r>
-            <a:r>
-              <a:rPr lang="en-US" dirty="0" err="1">
-                <a:latin typeface="Times New Roman" panose="02020603050405020304" pitchFamily="18" charset="0"/>
-                <a:cs typeface="Times New Roman" panose="02020603050405020304" pitchFamily="18" charset="0"/>
-              </a:rPr>
-              <a:t>lớp</a:t>
-            </a:r>
-            <a:r>
-              <a:rPr lang="en-US" dirty="0">
-                <a:latin typeface="Times New Roman" panose="02020603050405020304" pitchFamily="18" charset="0"/>
-                <a:cs typeface="Times New Roman" panose="02020603050405020304" pitchFamily="18" charset="0"/>
-              </a:rPr>
-              <a:t> </a:t>
-            </a:r>
-            <a:r>
-              <a:rPr lang="en-US" dirty="0" err="1">
-                <a:latin typeface="Times New Roman" panose="02020603050405020304" pitchFamily="18" charset="0"/>
-                <a:cs typeface="Times New Roman" panose="02020603050405020304" pitchFamily="18" charset="0"/>
-              </a:rPr>
-              <a:t>sử</a:t>
-            </a:r>
-            <a:r>
-              <a:rPr lang="en-US" dirty="0">
-                <a:latin typeface="Times New Roman" panose="02020603050405020304" pitchFamily="18" charset="0"/>
-                <a:cs typeface="Times New Roman" panose="02020603050405020304" pitchFamily="18" charset="0"/>
-              </a:rPr>
-              <a:t> </a:t>
-            </a:r>
-            <a:r>
-              <a:rPr lang="en-US" dirty="0" err="1">
-                <a:latin typeface="Times New Roman" panose="02020603050405020304" pitchFamily="18" charset="0"/>
-                <a:cs typeface="Times New Roman" panose="02020603050405020304" pitchFamily="18" charset="0"/>
-              </a:rPr>
-              <a:t>dụng</a:t>
-            </a:r>
-            <a:r>
-              <a:rPr lang="en-US" dirty="0">
-                <a:latin typeface="Times New Roman" panose="02020603050405020304" pitchFamily="18" charset="0"/>
-                <a:cs typeface="Times New Roman" panose="02020603050405020304" pitchFamily="18" charset="0"/>
-              </a:rPr>
-              <a:t> </a:t>
-            </a:r>
-            <a:r>
-              <a:rPr lang="en-US" dirty="0" err="1">
-                <a:latin typeface="Times New Roman" panose="02020603050405020304" pitchFamily="18" charset="0"/>
-                <a:cs typeface="Times New Roman" panose="02020603050405020304" pitchFamily="18" charset="0"/>
-              </a:rPr>
-              <a:t>sẽ</a:t>
-            </a:r>
-            <a:r>
-              <a:rPr lang="en-US" dirty="0">
-                <a:latin typeface="Times New Roman" panose="02020603050405020304" pitchFamily="18" charset="0"/>
-                <a:cs typeface="Times New Roman" panose="02020603050405020304" pitchFamily="18" charset="0"/>
-              </a:rPr>
-              <a:t> </a:t>
-            </a:r>
-            <a:r>
-              <a:rPr lang="en-US" dirty="0" err="1">
-                <a:latin typeface="Times New Roman" panose="02020603050405020304" pitchFamily="18" charset="0"/>
-                <a:cs typeface="Times New Roman" panose="02020603050405020304" pitchFamily="18" charset="0"/>
-              </a:rPr>
-              <a:t>không</a:t>
-            </a:r>
-            <a:r>
-              <a:rPr lang="en-US" dirty="0">
-                <a:latin typeface="Times New Roman" panose="02020603050405020304" pitchFamily="18" charset="0"/>
-                <a:cs typeface="Times New Roman" panose="02020603050405020304" pitchFamily="18" charset="0"/>
-              </a:rPr>
-              <a:t> </a:t>
-            </a:r>
-            <a:r>
-              <a:rPr lang="en-US" dirty="0" err="1">
-                <a:latin typeface="Times New Roman" panose="02020603050405020304" pitchFamily="18" charset="0"/>
-                <a:cs typeface="Times New Roman" panose="02020603050405020304" pitchFamily="18" charset="0"/>
-              </a:rPr>
-              <a:t>cần</a:t>
-            </a:r>
-            <a:r>
-              <a:rPr lang="en-US" dirty="0">
-                <a:latin typeface="Times New Roman" panose="02020603050405020304" pitchFamily="18" charset="0"/>
-                <a:cs typeface="Times New Roman" panose="02020603050405020304" pitchFamily="18" charset="0"/>
-              </a:rPr>
-              <a:t> </a:t>
-            </a:r>
-            <a:r>
-              <a:rPr lang="en-US" dirty="0" err="1">
-                <a:latin typeface="Times New Roman" panose="02020603050405020304" pitchFamily="18" charset="0"/>
-                <a:cs typeface="Times New Roman" panose="02020603050405020304" pitchFamily="18" charset="0"/>
-              </a:rPr>
-              <a:t>quan</a:t>
-            </a:r>
-            <a:r>
-              <a:rPr lang="en-US" dirty="0">
-                <a:latin typeface="Times New Roman" panose="02020603050405020304" pitchFamily="18" charset="0"/>
-                <a:cs typeface="Times New Roman" panose="02020603050405020304" pitchFamily="18" charset="0"/>
-              </a:rPr>
-              <a:t> </a:t>
-            </a:r>
-            <a:r>
-              <a:rPr lang="en-US" dirty="0" err="1">
-                <a:latin typeface="Times New Roman" panose="02020603050405020304" pitchFamily="18" charset="0"/>
-                <a:cs typeface="Times New Roman" panose="02020603050405020304" pitchFamily="18" charset="0"/>
-              </a:rPr>
-              <a:t>tầm</a:t>
-            </a:r>
-            <a:r>
-              <a:rPr lang="en-US" dirty="0">
-                <a:latin typeface="Times New Roman" panose="02020603050405020304" pitchFamily="18" charset="0"/>
-                <a:cs typeface="Times New Roman" panose="02020603050405020304" pitchFamily="18" charset="0"/>
-              </a:rPr>
-              <a:t> </a:t>
-            </a:r>
-            <a:r>
-              <a:rPr lang="en-US" dirty="0" err="1">
-                <a:latin typeface="Times New Roman" panose="02020603050405020304" pitchFamily="18" charset="0"/>
-                <a:cs typeface="Times New Roman" panose="02020603050405020304" pitchFamily="18" charset="0"/>
-              </a:rPr>
-              <a:t>đến</a:t>
-            </a:r>
-            <a:r>
-              <a:rPr lang="en-US" dirty="0">
-                <a:latin typeface="Times New Roman" panose="02020603050405020304" pitchFamily="18" charset="0"/>
-                <a:cs typeface="Times New Roman" panose="02020603050405020304" pitchFamily="18" charset="0"/>
-              </a:rPr>
-              <a:t> </a:t>
-            </a:r>
-            <a:r>
-              <a:rPr lang="en-US" dirty="0" err="1">
-                <a:latin typeface="Times New Roman" panose="02020603050405020304" pitchFamily="18" charset="0"/>
-                <a:cs typeface="Times New Roman" panose="02020603050405020304" pitchFamily="18" charset="0"/>
-              </a:rPr>
-              <a:t>từng</a:t>
-            </a:r>
-            <a:r>
-              <a:rPr lang="en-US" dirty="0">
-                <a:latin typeface="Times New Roman" panose="02020603050405020304" pitchFamily="18" charset="0"/>
-                <a:cs typeface="Times New Roman" panose="02020603050405020304" pitchFamily="18" charset="0"/>
-              </a:rPr>
-              <a:t> </a:t>
-            </a:r>
-            <a:r>
-              <a:rPr lang="en-US" dirty="0" err="1">
-                <a:latin typeface="Times New Roman" panose="02020603050405020304" pitchFamily="18" charset="0"/>
-                <a:cs typeface="Times New Roman" panose="02020603050405020304" pitchFamily="18" charset="0"/>
-              </a:rPr>
-              <a:t>lớp</a:t>
-            </a:r>
-            <a:r>
-              <a:rPr lang="en-US" dirty="0">
-                <a:latin typeface="Times New Roman" panose="02020603050405020304" pitchFamily="18" charset="0"/>
-                <a:cs typeface="Times New Roman" panose="02020603050405020304" pitchFamily="18" charset="0"/>
-              </a:rPr>
-              <a:t> </a:t>
-            </a:r>
-            <a:r>
-              <a:rPr lang="en-US" dirty="0" err="1">
-                <a:latin typeface="Times New Roman" panose="02020603050405020304" pitchFamily="18" charset="0"/>
-                <a:cs typeface="Times New Roman" panose="02020603050405020304" pitchFamily="18" charset="0"/>
-              </a:rPr>
-              <a:t>lấy</a:t>
-            </a:r>
-            <a:r>
-              <a:rPr lang="en-US" dirty="0">
-                <a:latin typeface="Times New Roman" panose="02020603050405020304" pitchFamily="18" charset="0"/>
-                <a:cs typeface="Times New Roman" panose="02020603050405020304" pitchFamily="18" charset="0"/>
-              </a:rPr>
-              <a:t> </a:t>
-            </a:r>
-            <a:r>
-              <a:rPr lang="en-US" dirty="0" err="1">
-                <a:latin typeface="Times New Roman" panose="02020603050405020304" pitchFamily="18" charset="0"/>
-                <a:cs typeface="Times New Roman" panose="02020603050405020304" pitchFamily="18" charset="0"/>
-              </a:rPr>
-              <a:t>dữ</a:t>
-            </a:r>
-            <a:r>
-              <a:rPr lang="en-US" dirty="0">
-                <a:latin typeface="Times New Roman" panose="02020603050405020304" pitchFamily="18" charset="0"/>
-                <a:cs typeface="Times New Roman" panose="02020603050405020304" pitchFamily="18" charset="0"/>
-              </a:rPr>
-              <a:t> </a:t>
-            </a:r>
-            <a:r>
-              <a:rPr lang="en-US" dirty="0" err="1">
-                <a:latin typeface="Times New Roman" panose="02020603050405020304" pitchFamily="18" charset="0"/>
-                <a:cs typeface="Times New Roman" panose="02020603050405020304" pitchFamily="18" charset="0"/>
-              </a:rPr>
-              <a:t>liệu</a:t>
-            </a:r>
-            <a:r>
-              <a:rPr lang="en-US" dirty="0">
-                <a:latin typeface="Times New Roman" panose="02020603050405020304" pitchFamily="18" charset="0"/>
-                <a:cs typeface="Times New Roman" panose="02020603050405020304" pitchFamily="18" charset="0"/>
-              </a:rPr>
-              <a:t> </a:t>
-            </a:r>
-            <a:r>
-              <a:rPr lang="en-US" dirty="0" err="1">
-                <a:latin typeface="Times New Roman" panose="02020603050405020304" pitchFamily="18" charset="0"/>
-                <a:cs typeface="Times New Roman" panose="02020603050405020304" pitchFamily="18" charset="0"/>
-              </a:rPr>
-              <a:t>cụ</a:t>
-            </a:r>
-            <a:r>
-              <a:rPr lang="en-US" dirty="0">
-                <a:latin typeface="Times New Roman" panose="02020603050405020304" pitchFamily="18" charset="0"/>
-                <a:cs typeface="Times New Roman" panose="02020603050405020304" pitchFamily="18" charset="0"/>
-              </a:rPr>
-              <a:t> </a:t>
-            </a:r>
-            <a:r>
-              <a:rPr lang="en-US" dirty="0" err="1">
-                <a:latin typeface="Times New Roman" panose="02020603050405020304" pitchFamily="18" charset="0"/>
-                <a:cs typeface="Times New Roman" panose="02020603050405020304" pitchFamily="18" charset="0"/>
-              </a:rPr>
-              <a:t>thể</a:t>
-            </a:r>
-            <a:r>
-              <a:rPr lang="en-US" dirty="0">
-                <a:latin typeface="Times New Roman" panose="02020603050405020304" pitchFamily="18" charset="0"/>
-                <a:cs typeface="Times New Roman" panose="02020603050405020304" pitchFamily="18" charset="0"/>
-              </a:rPr>
-              <a:t> </a:t>
-            </a:r>
-            <a:r>
-              <a:rPr lang="en-US" dirty="0" err="1">
-                <a:latin typeface="Times New Roman" panose="02020603050405020304" pitchFamily="18" charset="0"/>
-                <a:cs typeface="Times New Roman" panose="02020603050405020304" pitchFamily="18" charset="0"/>
-              </a:rPr>
-              <a:t>sẽ</a:t>
-            </a:r>
-            <a:r>
-              <a:rPr lang="en-US" dirty="0">
-                <a:latin typeface="Times New Roman" panose="02020603050405020304" pitchFamily="18" charset="0"/>
-                <a:cs typeface="Times New Roman" panose="02020603050405020304" pitchFamily="18" charset="0"/>
-              </a:rPr>
-              <a:t> </a:t>
-            </a:r>
-            <a:r>
-              <a:rPr lang="en-US" dirty="0" err="1">
-                <a:latin typeface="Times New Roman" panose="02020603050405020304" pitchFamily="18" charset="0"/>
-                <a:cs typeface="Times New Roman" panose="02020603050405020304" pitchFamily="18" charset="0"/>
-              </a:rPr>
-              <a:t>có</a:t>
-            </a:r>
-            <a:r>
-              <a:rPr lang="en-US" dirty="0">
-                <a:latin typeface="Times New Roman" panose="02020603050405020304" pitchFamily="18" charset="0"/>
-                <a:cs typeface="Times New Roman" panose="02020603050405020304" pitchFamily="18" charset="0"/>
-              </a:rPr>
-              <a:t> </a:t>
-            </a:r>
-            <a:r>
-              <a:rPr lang="en-US" dirty="0" err="1">
-                <a:latin typeface="Times New Roman" panose="02020603050405020304" pitchFamily="18" charset="0"/>
-                <a:cs typeface="Times New Roman" panose="02020603050405020304" pitchFamily="18" charset="0"/>
-              </a:rPr>
-              <a:t>tên</a:t>
-            </a:r>
-            <a:r>
-              <a:rPr lang="en-US" dirty="0">
-                <a:latin typeface="Times New Roman" panose="02020603050405020304" pitchFamily="18" charset="0"/>
-                <a:cs typeface="Times New Roman" panose="02020603050405020304" pitchFamily="18" charset="0"/>
-              </a:rPr>
-              <a:t> </a:t>
-            </a:r>
-            <a:r>
-              <a:rPr lang="en-US" dirty="0" err="1">
-                <a:latin typeface="Times New Roman" panose="02020603050405020304" pitchFamily="18" charset="0"/>
-                <a:cs typeface="Times New Roman" panose="02020603050405020304" pitchFamily="18" charset="0"/>
-              </a:rPr>
-              <a:t>là</a:t>
-            </a:r>
-            <a:r>
-              <a:rPr lang="en-US" dirty="0">
-                <a:latin typeface="Times New Roman" panose="02020603050405020304" pitchFamily="18" charset="0"/>
-                <a:cs typeface="Times New Roman" panose="02020603050405020304" pitchFamily="18" charset="0"/>
-              </a:rPr>
-              <a:t> </a:t>
-            </a:r>
-            <a:r>
-              <a:rPr lang="en-US" dirty="0" err="1">
-                <a:latin typeface="Times New Roman" panose="02020603050405020304" pitchFamily="18" charset="0"/>
-                <a:cs typeface="Times New Roman" panose="02020603050405020304" pitchFamily="18" charset="0"/>
-              </a:rPr>
-              <a:t>gì</a:t>
-            </a:r>
-            <a:r>
-              <a:rPr lang="en-US" dirty="0">
-                <a:latin typeface="Times New Roman" panose="02020603050405020304" pitchFamily="18" charset="0"/>
-                <a:cs typeface="Times New Roman" panose="02020603050405020304" pitchFamily="18" charset="0"/>
-              </a:rPr>
-              <a:t> </a:t>
-            </a:r>
-            <a:r>
-              <a:rPr lang="en-US" dirty="0" err="1">
-                <a:latin typeface="Times New Roman" panose="02020603050405020304" pitchFamily="18" charset="0"/>
-                <a:cs typeface="Times New Roman" panose="02020603050405020304" pitchFamily="18" charset="0"/>
-              </a:rPr>
-              <a:t>mà</a:t>
-            </a:r>
-            <a:r>
-              <a:rPr lang="en-US" dirty="0">
-                <a:latin typeface="Times New Roman" panose="02020603050405020304" pitchFamily="18" charset="0"/>
-                <a:cs typeface="Times New Roman" panose="02020603050405020304" pitchFamily="18" charset="0"/>
-              </a:rPr>
-              <a:t> </a:t>
-            </a:r>
-            <a:r>
-              <a:rPr lang="en-US" dirty="0" err="1">
-                <a:latin typeface="Times New Roman" panose="02020603050405020304" pitchFamily="18" charset="0"/>
-                <a:cs typeface="Times New Roman" panose="02020603050405020304" pitchFamily="18" charset="0"/>
-              </a:rPr>
-              <a:t>chỉ</a:t>
-            </a:r>
-            <a:r>
-              <a:rPr lang="en-US" dirty="0">
-                <a:latin typeface="Times New Roman" panose="02020603050405020304" pitchFamily="18" charset="0"/>
-                <a:cs typeface="Times New Roman" panose="02020603050405020304" pitchFamily="18" charset="0"/>
-              </a:rPr>
-              <a:t> </a:t>
-            </a:r>
-            <a:r>
-              <a:rPr lang="en-US" dirty="0" err="1">
-                <a:latin typeface="Times New Roman" panose="02020603050405020304" pitchFamily="18" charset="0"/>
-                <a:cs typeface="Times New Roman" panose="02020603050405020304" pitchFamily="18" charset="0"/>
-              </a:rPr>
-              <a:t>cần</a:t>
-            </a:r>
-            <a:r>
-              <a:rPr lang="en-US" dirty="0">
-                <a:latin typeface="Times New Roman" panose="02020603050405020304" pitchFamily="18" charset="0"/>
-                <a:cs typeface="Times New Roman" panose="02020603050405020304" pitchFamily="18" charset="0"/>
-              </a:rPr>
-              <a:t> </a:t>
-            </a:r>
-            <a:r>
-              <a:rPr lang="en-US" dirty="0" err="1">
-                <a:latin typeface="Times New Roman" panose="02020603050405020304" pitchFamily="18" charset="0"/>
-                <a:cs typeface="Times New Roman" panose="02020603050405020304" pitchFamily="18" charset="0"/>
-              </a:rPr>
-              <a:t>biết</a:t>
-            </a:r>
-            <a:r>
-              <a:rPr lang="en-US" dirty="0">
-                <a:latin typeface="Times New Roman" panose="02020603050405020304" pitchFamily="18" charset="0"/>
-                <a:cs typeface="Times New Roman" panose="02020603050405020304" pitchFamily="18" charset="0"/>
-              </a:rPr>
-              <a:t> </a:t>
-            </a:r>
-            <a:r>
-              <a:rPr lang="en-US" dirty="0" err="1">
-                <a:latin typeface="Times New Roman" panose="02020603050405020304" pitchFamily="18" charset="0"/>
-                <a:cs typeface="Times New Roman" panose="02020603050405020304" pitchFamily="18" charset="0"/>
-              </a:rPr>
-              <a:t>đến</a:t>
-            </a:r>
-            <a:r>
-              <a:rPr lang="en-US" dirty="0">
-                <a:latin typeface="Times New Roman" panose="02020603050405020304" pitchFamily="18" charset="0"/>
-                <a:cs typeface="Times New Roman" panose="02020603050405020304" pitchFamily="18" charset="0"/>
-              </a:rPr>
-              <a:t> interface DAO </a:t>
-            </a:r>
-            <a:r>
-              <a:rPr lang="en-US" dirty="0" err="1">
-                <a:latin typeface="Times New Roman" panose="02020603050405020304" pitchFamily="18" charset="0"/>
-                <a:cs typeface="Times New Roman" panose="02020603050405020304" pitchFamily="18" charset="0"/>
-              </a:rPr>
-              <a:t>với</a:t>
-            </a:r>
-            <a:r>
-              <a:rPr lang="en-US" dirty="0">
-                <a:latin typeface="Times New Roman" panose="02020603050405020304" pitchFamily="18" charset="0"/>
-                <a:cs typeface="Times New Roman" panose="02020603050405020304" pitchFamily="18" charset="0"/>
-              </a:rPr>
-              <a:t> </a:t>
-            </a:r>
-            <a:r>
-              <a:rPr lang="en-US" dirty="0" err="1">
-                <a:latin typeface="Times New Roman" panose="02020603050405020304" pitchFamily="18" charset="0"/>
-                <a:cs typeface="Times New Roman" panose="02020603050405020304" pitchFamily="18" charset="0"/>
-              </a:rPr>
-              <a:t>kiểu</a:t>
-            </a:r>
-            <a:r>
-              <a:rPr lang="en-US" dirty="0">
-                <a:latin typeface="Times New Roman" panose="02020603050405020304" pitchFamily="18" charset="0"/>
-                <a:cs typeface="Times New Roman" panose="02020603050405020304" pitchFamily="18" charset="0"/>
-              </a:rPr>
-              <a:t> </a:t>
-            </a:r>
-            <a:r>
-              <a:rPr lang="en-US" dirty="0" err="1">
-                <a:latin typeface="Times New Roman" panose="02020603050405020304" pitchFamily="18" charset="0"/>
-                <a:cs typeface="Times New Roman" panose="02020603050405020304" pitchFamily="18" charset="0"/>
-              </a:rPr>
-              <a:t>dữ</a:t>
-            </a:r>
-            <a:r>
-              <a:rPr lang="en-US" dirty="0">
-                <a:latin typeface="Times New Roman" panose="02020603050405020304" pitchFamily="18" charset="0"/>
-                <a:cs typeface="Times New Roman" panose="02020603050405020304" pitchFamily="18" charset="0"/>
-              </a:rPr>
-              <a:t> </a:t>
-            </a:r>
-            <a:r>
-              <a:rPr lang="en-US" dirty="0" err="1">
-                <a:latin typeface="Times New Roman" panose="02020603050405020304" pitchFamily="18" charset="0"/>
-                <a:cs typeface="Times New Roman" panose="02020603050405020304" pitchFamily="18" charset="0"/>
-              </a:rPr>
-              <a:t>liệu</a:t>
-            </a:r>
-            <a:r>
-              <a:rPr lang="en-US" dirty="0">
-                <a:latin typeface="Times New Roman" panose="02020603050405020304" pitchFamily="18" charset="0"/>
-                <a:cs typeface="Times New Roman" panose="02020603050405020304" pitchFamily="18" charset="0"/>
-              </a:rPr>
-              <a:t> entity </a:t>
-            </a:r>
-            <a:r>
-              <a:rPr lang="en-US" dirty="0" err="1">
-                <a:latin typeface="Times New Roman" panose="02020603050405020304" pitchFamily="18" charset="0"/>
-                <a:cs typeface="Times New Roman" panose="02020603050405020304" pitchFamily="18" charset="0"/>
-              </a:rPr>
-              <a:t>tương</a:t>
-            </a:r>
-            <a:r>
-              <a:rPr lang="en-US" dirty="0">
-                <a:latin typeface="Times New Roman" panose="02020603050405020304" pitchFamily="18" charset="0"/>
-                <a:cs typeface="Times New Roman" panose="02020603050405020304" pitchFamily="18" charset="0"/>
-              </a:rPr>
-              <a:t> </a:t>
-            </a:r>
-            <a:r>
-              <a:rPr lang="en-US" dirty="0" err="1">
-                <a:latin typeface="Times New Roman" panose="02020603050405020304" pitchFamily="18" charset="0"/>
-                <a:cs typeface="Times New Roman" panose="02020603050405020304" pitchFamily="18" charset="0"/>
-              </a:rPr>
-              <a:t>ứng</a:t>
-            </a:r>
-            <a:r>
-              <a:rPr lang="en-US" dirty="0">
-                <a:latin typeface="Times New Roman" panose="02020603050405020304" pitchFamily="18" charset="0"/>
-                <a:cs typeface="Times New Roman" panose="02020603050405020304" pitchFamily="18" charset="0"/>
-              </a:rPr>
-              <a:t> </a:t>
-            </a:r>
-            <a:r>
-              <a:rPr lang="en-US" dirty="0" err="1">
-                <a:latin typeface="Times New Roman" panose="02020603050405020304" pitchFamily="18" charset="0"/>
-                <a:cs typeface="Times New Roman" panose="02020603050405020304" pitchFamily="18" charset="0"/>
-              </a:rPr>
-              <a:t>với</a:t>
-            </a:r>
-            <a:r>
-              <a:rPr lang="en-US" dirty="0">
-                <a:latin typeface="Times New Roman" panose="02020603050405020304" pitchFamily="18" charset="0"/>
-                <a:cs typeface="Times New Roman" panose="02020603050405020304" pitchFamily="18" charset="0"/>
-              </a:rPr>
-              <a:t> </a:t>
-            </a:r>
-            <a:r>
-              <a:rPr lang="en-US" dirty="0" err="1">
-                <a:latin typeface="Times New Roman" panose="02020603050405020304" pitchFamily="18" charset="0"/>
-                <a:cs typeface="Times New Roman" panose="02020603050405020304" pitchFamily="18" charset="0"/>
-              </a:rPr>
-              <a:t>nó</a:t>
-            </a:r>
-            <a:r>
-              <a:rPr lang="en-VN" dirty="0">
-                <a:latin typeface="Times New Roman" panose="02020603050405020304" pitchFamily="18" charset="0"/>
-                <a:cs typeface="Times New Roman" panose="02020603050405020304" pitchFamily="18" charset="0"/>
-              </a:rPr>
-              <a:t>.</a:t>
-            </a:r>
-          </a:p>
-          <a:p>
-            <a:pPr marL="457200" lvl="1" indent="0">
-              <a:spcBef>
-                <a:spcPts val="0"/>
-              </a:spcBef>
-              <a:buSzPts val="2100"/>
-              <a:buNone/>
-            </a:pPr>
-            <a:endParaRPr lang="en-VN" dirty="0">
-              <a:latin typeface="Times New Roman" panose="02020603050405020304" pitchFamily="18" charset="0"/>
-              <a:cs typeface="Times New Roman" panose="02020603050405020304" pitchFamily="18" charset="0"/>
-            </a:endParaRPr>
-          </a:p>
-          <a:p>
-            <a:pPr marL="457200" lvl="1" indent="0">
-              <a:spcBef>
-                <a:spcPts val="0"/>
-              </a:spcBef>
-              <a:buSzPts val="2100"/>
-              <a:buNone/>
-            </a:pPr>
-            <a:endParaRPr lang="en-VN" dirty="0">
-              <a:latin typeface="Times New Roman" panose="02020603050405020304" pitchFamily="18" charset="0"/>
-              <a:cs typeface="Times New Roman" panose="02020603050405020304" pitchFamily="18" charset="0"/>
-            </a:endParaRPr>
-          </a:p>
-          <a:p>
-            <a:pPr marL="628650" lvl="1" indent="-171450">
-              <a:spcBef>
-                <a:spcPts val="0"/>
-              </a:spcBef>
-              <a:buSzPts val="2100"/>
-            </a:pPr>
-            <a:r>
-              <a:rPr lang="en-US" dirty="0">
-                <a:latin typeface="Times New Roman" panose="02020603050405020304" pitchFamily="18" charset="0"/>
-                <a:cs typeface="Times New Roman" panose="02020603050405020304" pitchFamily="18" charset="0"/>
-              </a:rPr>
-              <a:t>Singleton : </a:t>
-            </a:r>
-            <a:r>
-              <a:rPr lang="en-US" dirty="0" err="1">
-                <a:latin typeface="Times New Roman" panose="02020603050405020304" pitchFamily="18" charset="0"/>
-                <a:cs typeface="Times New Roman" panose="02020603050405020304" pitchFamily="18" charset="0"/>
-              </a:rPr>
-              <a:t>Sử</a:t>
-            </a:r>
-            <a:r>
-              <a:rPr lang="en-US" dirty="0">
-                <a:latin typeface="Times New Roman" panose="02020603050405020304" pitchFamily="18" charset="0"/>
-                <a:cs typeface="Times New Roman" panose="02020603050405020304" pitchFamily="18" charset="0"/>
-              </a:rPr>
-              <a:t> </a:t>
-            </a:r>
-            <a:r>
-              <a:rPr lang="en-US" dirty="0" err="1">
-                <a:latin typeface="Times New Roman" panose="02020603050405020304" pitchFamily="18" charset="0"/>
-                <a:cs typeface="Times New Roman" panose="02020603050405020304" pitchFamily="18" charset="0"/>
-              </a:rPr>
-              <a:t>dụng</a:t>
-            </a:r>
-            <a:r>
-              <a:rPr lang="en-US" dirty="0">
-                <a:latin typeface="Times New Roman" panose="02020603050405020304" pitchFamily="18" charset="0"/>
-                <a:cs typeface="Times New Roman" panose="02020603050405020304" pitchFamily="18" charset="0"/>
-              </a:rPr>
-              <a:t> Singleton </a:t>
-            </a:r>
-            <a:r>
-              <a:rPr lang="en-US" dirty="0" err="1">
-                <a:latin typeface="Times New Roman" panose="02020603050405020304" pitchFamily="18" charset="0"/>
-                <a:cs typeface="Times New Roman" panose="02020603050405020304" pitchFamily="18" charset="0"/>
-              </a:rPr>
-              <a:t>cho</a:t>
-            </a:r>
-            <a:r>
-              <a:rPr lang="en-US" dirty="0">
-                <a:latin typeface="Times New Roman" panose="02020603050405020304" pitchFamily="18" charset="0"/>
-                <a:cs typeface="Times New Roman" panose="02020603050405020304" pitchFamily="18" charset="0"/>
-              </a:rPr>
-              <a:t> class </a:t>
-            </a:r>
-            <a:r>
-              <a:rPr lang="en-US" dirty="0" err="1">
-                <a:latin typeface="Times New Roman" panose="02020603050405020304" pitchFamily="18" charset="0"/>
-                <a:cs typeface="Times New Roman" panose="02020603050405020304" pitchFamily="18" charset="0"/>
-              </a:rPr>
-              <a:t>MySQLConnection</a:t>
-            </a:r>
-            <a:r>
-              <a:rPr lang="en-US" dirty="0">
-                <a:latin typeface="Times New Roman" panose="02020603050405020304" pitchFamily="18" charset="0"/>
-                <a:cs typeface="Times New Roman" panose="02020603050405020304" pitchFamily="18" charset="0"/>
-              </a:rPr>
-              <a:t> </a:t>
-            </a:r>
-            <a:r>
-              <a:rPr lang="en-US" dirty="0" err="1">
-                <a:latin typeface="Times New Roman" panose="02020603050405020304" pitchFamily="18" charset="0"/>
-                <a:cs typeface="Times New Roman" panose="02020603050405020304" pitchFamily="18" charset="0"/>
-              </a:rPr>
-              <a:t>để</a:t>
-            </a:r>
-            <a:r>
-              <a:rPr lang="en-US" dirty="0">
-                <a:latin typeface="Times New Roman" panose="02020603050405020304" pitchFamily="18" charset="0"/>
-                <a:cs typeface="Times New Roman" panose="02020603050405020304" pitchFamily="18" charset="0"/>
-              </a:rPr>
-              <a:t> </a:t>
-            </a:r>
-            <a:r>
-              <a:rPr lang="en-US" dirty="0" err="1">
-                <a:latin typeface="Times New Roman" panose="02020603050405020304" pitchFamily="18" charset="0"/>
-                <a:cs typeface="Times New Roman" panose="02020603050405020304" pitchFamily="18" charset="0"/>
-              </a:rPr>
-              <a:t>thể</a:t>
-            </a:r>
-            <a:r>
-              <a:rPr lang="en-US" dirty="0">
-                <a:latin typeface="Times New Roman" panose="02020603050405020304" pitchFamily="18" charset="0"/>
-                <a:cs typeface="Times New Roman" panose="02020603050405020304" pitchFamily="18" charset="0"/>
-              </a:rPr>
-              <a:t> </a:t>
-            </a:r>
-            <a:r>
-              <a:rPr lang="en-US" dirty="0" err="1">
-                <a:latin typeface="Times New Roman" panose="02020603050405020304" pitchFamily="18" charset="0"/>
-                <a:cs typeface="Times New Roman" panose="02020603050405020304" pitchFamily="18" charset="0"/>
-              </a:rPr>
-              <a:t>hiện</a:t>
-            </a:r>
-            <a:r>
-              <a:rPr lang="en-US" dirty="0">
-                <a:latin typeface="Times New Roman" panose="02020603050405020304" pitchFamily="18" charset="0"/>
-                <a:cs typeface="Times New Roman" panose="02020603050405020304" pitchFamily="18" charset="0"/>
-              </a:rPr>
-              <a:t> </a:t>
-            </a:r>
-            <a:r>
-              <a:rPr lang="en-US" dirty="0" err="1">
-                <a:latin typeface="Times New Roman" panose="02020603050405020304" pitchFamily="18" charset="0"/>
-                <a:cs typeface="Times New Roman" panose="02020603050405020304" pitchFamily="18" charset="0"/>
-              </a:rPr>
-              <a:t>tại</a:t>
-            </a:r>
-            <a:r>
-              <a:rPr lang="en-US" dirty="0">
-                <a:latin typeface="Times New Roman" panose="02020603050405020304" pitchFamily="18" charset="0"/>
-                <a:cs typeface="Times New Roman" panose="02020603050405020304" pitchFamily="18" charset="0"/>
-              </a:rPr>
-              <a:t> 1 </a:t>
-            </a:r>
-            <a:r>
-              <a:rPr lang="en-US" dirty="0" err="1">
-                <a:latin typeface="Times New Roman" panose="02020603050405020304" pitchFamily="18" charset="0"/>
-                <a:cs typeface="Times New Roman" panose="02020603050405020304" pitchFamily="18" charset="0"/>
-              </a:rPr>
-              <a:t>thời</a:t>
-            </a:r>
-            <a:r>
-              <a:rPr lang="en-US" dirty="0">
-                <a:latin typeface="Times New Roman" panose="02020603050405020304" pitchFamily="18" charset="0"/>
-                <a:cs typeface="Times New Roman" panose="02020603050405020304" pitchFamily="18" charset="0"/>
-              </a:rPr>
-              <a:t> </a:t>
-            </a:r>
-            <a:r>
-              <a:rPr lang="en-US" dirty="0" err="1">
-                <a:latin typeface="Times New Roman" panose="02020603050405020304" pitchFamily="18" charset="0"/>
-                <a:cs typeface="Times New Roman" panose="02020603050405020304" pitchFamily="18" charset="0"/>
-              </a:rPr>
-              <a:t>điểm</a:t>
-            </a:r>
-            <a:r>
-              <a:rPr lang="en-US" dirty="0">
-                <a:latin typeface="Times New Roman" panose="02020603050405020304" pitchFamily="18" charset="0"/>
-                <a:cs typeface="Times New Roman" panose="02020603050405020304" pitchFamily="18" charset="0"/>
-              </a:rPr>
-              <a:t> </a:t>
-            </a:r>
-            <a:r>
-              <a:rPr lang="en-US" dirty="0" err="1">
-                <a:latin typeface="Times New Roman" panose="02020603050405020304" pitchFamily="18" charset="0"/>
-                <a:cs typeface="Times New Roman" panose="02020603050405020304" pitchFamily="18" charset="0"/>
-              </a:rPr>
-              <a:t>chỉ</a:t>
-            </a:r>
-            <a:r>
-              <a:rPr lang="en-US" dirty="0">
-                <a:latin typeface="Times New Roman" panose="02020603050405020304" pitchFamily="18" charset="0"/>
-                <a:cs typeface="Times New Roman" panose="02020603050405020304" pitchFamily="18" charset="0"/>
-              </a:rPr>
-              <a:t> </a:t>
-            </a:r>
-            <a:r>
-              <a:rPr lang="en-US" dirty="0" err="1">
-                <a:latin typeface="Times New Roman" panose="02020603050405020304" pitchFamily="18" charset="0"/>
-                <a:cs typeface="Times New Roman" panose="02020603050405020304" pitchFamily="18" charset="0"/>
-              </a:rPr>
-              <a:t>có</a:t>
-            </a:r>
-            <a:r>
-              <a:rPr lang="en-US" dirty="0">
-                <a:latin typeface="Times New Roman" panose="02020603050405020304" pitchFamily="18" charset="0"/>
-                <a:cs typeface="Times New Roman" panose="02020603050405020304" pitchFamily="18" charset="0"/>
-              </a:rPr>
-              <a:t> 1 </a:t>
-            </a:r>
-            <a:r>
-              <a:rPr lang="en-US" dirty="0" err="1">
-                <a:latin typeface="Times New Roman" panose="02020603050405020304" pitchFamily="18" charset="0"/>
-                <a:cs typeface="Times New Roman" panose="02020603050405020304" pitchFamily="18" charset="0"/>
-              </a:rPr>
-              <a:t>đối</a:t>
-            </a:r>
-            <a:r>
-              <a:rPr lang="en-US" dirty="0">
-                <a:latin typeface="Times New Roman" panose="02020603050405020304" pitchFamily="18" charset="0"/>
-                <a:cs typeface="Times New Roman" panose="02020603050405020304" pitchFamily="18" charset="0"/>
-              </a:rPr>
-              <a:t> </a:t>
-            </a:r>
-            <a:r>
-              <a:rPr lang="en-US" dirty="0" err="1">
-                <a:latin typeface="Times New Roman" panose="02020603050405020304" pitchFamily="18" charset="0"/>
-                <a:cs typeface="Times New Roman" panose="02020603050405020304" pitchFamily="18" charset="0"/>
-              </a:rPr>
-              <a:t>tượng</a:t>
-            </a:r>
-            <a:r>
-              <a:rPr lang="en-US" dirty="0">
-                <a:latin typeface="Times New Roman" panose="02020603050405020304" pitchFamily="18" charset="0"/>
-                <a:cs typeface="Times New Roman" panose="02020603050405020304" pitchFamily="18" charset="0"/>
-              </a:rPr>
-              <a:t> </a:t>
-            </a:r>
-            <a:r>
-              <a:rPr lang="en-US" dirty="0" err="1">
-                <a:latin typeface="Times New Roman" panose="02020603050405020304" pitchFamily="18" charset="0"/>
-                <a:cs typeface="Times New Roman" panose="02020603050405020304" pitchFamily="18" charset="0"/>
-              </a:rPr>
-              <a:t>cổng</a:t>
-            </a:r>
-            <a:r>
-              <a:rPr lang="en-US" dirty="0">
-                <a:latin typeface="Times New Roman" panose="02020603050405020304" pitchFamily="18" charset="0"/>
-                <a:cs typeface="Times New Roman" panose="02020603050405020304" pitchFamily="18" charset="0"/>
-              </a:rPr>
-              <a:t> </a:t>
-            </a:r>
-            <a:r>
-              <a:rPr lang="en-US" dirty="0" err="1">
-                <a:latin typeface="Times New Roman" panose="02020603050405020304" pitchFamily="18" charset="0"/>
-                <a:cs typeface="Times New Roman" panose="02020603050405020304" pitchFamily="18" charset="0"/>
-              </a:rPr>
-              <a:t>quản</a:t>
-            </a:r>
-            <a:r>
-              <a:rPr lang="en-US" dirty="0">
-                <a:latin typeface="Times New Roman" panose="02020603050405020304" pitchFamily="18" charset="0"/>
-                <a:cs typeface="Times New Roman" panose="02020603050405020304" pitchFamily="18" charset="0"/>
-              </a:rPr>
-              <a:t> </a:t>
-            </a:r>
-            <a:r>
-              <a:rPr lang="en-US" dirty="0" err="1">
-                <a:latin typeface="Times New Roman" panose="02020603050405020304" pitchFamily="18" charset="0"/>
-                <a:cs typeface="Times New Roman" panose="02020603050405020304" pitchFamily="18" charset="0"/>
-              </a:rPr>
-              <a:t>lý</a:t>
-            </a:r>
-            <a:r>
-              <a:rPr lang="en-US" dirty="0">
-                <a:latin typeface="Times New Roman" panose="02020603050405020304" pitchFamily="18" charset="0"/>
-                <a:cs typeface="Times New Roman" panose="02020603050405020304" pitchFamily="18" charset="0"/>
-              </a:rPr>
-              <a:t> </a:t>
-            </a:r>
-            <a:r>
-              <a:rPr lang="en-US" dirty="0" err="1">
-                <a:latin typeface="Times New Roman" panose="02020603050405020304" pitchFamily="18" charset="0"/>
-                <a:cs typeface="Times New Roman" panose="02020603050405020304" pitchFamily="18" charset="0"/>
-              </a:rPr>
-              <a:t>kết</a:t>
-            </a:r>
-            <a:r>
-              <a:rPr lang="en-US" dirty="0">
-                <a:latin typeface="Times New Roman" panose="02020603050405020304" pitchFamily="18" charset="0"/>
-                <a:cs typeface="Times New Roman" panose="02020603050405020304" pitchFamily="18" charset="0"/>
-              </a:rPr>
-              <a:t> </a:t>
-            </a:r>
-            <a:r>
-              <a:rPr lang="en-US" dirty="0" err="1">
-                <a:latin typeface="Times New Roman" panose="02020603050405020304" pitchFamily="18" charset="0"/>
-                <a:cs typeface="Times New Roman" panose="02020603050405020304" pitchFamily="18" charset="0"/>
-              </a:rPr>
-              <a:t>nối</a:t>
-            </a:r>
-            <a:r>
-              <a:rPr lang="en-US" dirty="0">
-                <a:latin typeface="Times New Roman" panose="02020603050405020304" pitchFamily="18" charset="0"/>
-                <a:cs typeface="Times New Roman" panose="02020603050405020304" pitchFamily="18" charset="0"/>
-              </a:rPr>
-              <a:t> </a:t>
-            </a:r>
-            <a:r>
-              <a:rPr lang="en-US" dirty="0" err="1">
-                <a:latin typeface="Times New Roman" panose="02020603050405020304" pitchFamily="18" charset="0"/>
-                <a:cs typeface="Times New Roman" panose="02020603050405020304" pitchFamily="18" charset="0"/>
-              </a:rPr>
-              <a:t>tới</a:t>
-            </a:r>
-            <a:r>
-              <a:rPr lang="en-US" dirty="0">
-                <a:latin typeface="Times New Roman" panose="02020603050405020304" pitchFamily="18" charset="0"/>
-                <a:cs typeface="Times New Roman" panose="02020603050405020304" pitchFamily="18" charset="0"/>
-              </a:rPr>
               <a:t> CSDL</a:t>
             </a:r>
             <a:r>
-              <a:rPr lang="en-VN" dirty="0">
+              <a:rPr lang="x-none" dirty="0">
                 <a:latin typeface="Times New Roman" panose="02020603050405020304" pitchFamily="18" charset="0"/>
                 <a:cs typeface="Times New Roman" panose="02020603050405020304" pitchFamily="18" charset="0"/>
               </a:rPr>
@@ -17331,7 +16631,952 @@
           </a:p>
         </p:txBody>
       </p:sp>
+      <p:pic>
+        <p:nvPicPr>
+          <p:cNvPr id="3" name="Picture 2" descr="Diagram&#10;&#10;Description automatically generated">
+            <a:extLst>
+              <a:ext uri="{FF2B5EF4-FFF2-40B4-BE49-F238E27FC236}">
+                <a16:creationId xmlns:a16="http://schemas.microsoft.com/office/drawing/2014/main" xmlns="" id="{1CE1D4DB-9E50-3F43-B6A6-A4553DE83444}"/>
+              </a:ext>
+            </a:extLst>
+          </p:cNvPr>
+          <p:cNvPicPr>
+            <a:picLocks noChangeAspect="1"/>
+          </p:cNvPicPr>
+          <p:nvPr/>
+        </p:nvPicPr>
+        <p:blipFill>
+          <a:blip r:embed="rId3"/>
+          <a:stretch>
+            <a:fillRect/>
+          </a:stretch>
+        </p:blipFill>
+        <p:spPr>
+          <a:xfrm>
+            <a:off x="1499950" y="3583140"/>
+            <a:ext cx="6144100" cy="2619072"/>
+          </a:xfrm>
+          <a:prstGeom prst="rect">
+            <a:avLst/>
+          </a:prstGeom>
+        </p:spPr>
+      </p:pic>
     </p:spTree>
+  </p:cSld>
+  <p:clrMapOvr>
+    <a:masterClrMapping/>
+  </p:clrMapOvr>
+</p:sld>
+</file>
+
+<file path=ppt/slides/slide15.xml><?xml version="1.0" encoding="utf-8"?>
+<p:sld xmlns:a="http://schemas.openxmlformats.org/drawingml/2006/main" xmlns:r="http://schemas.openxmlformats.org/officeDocument/2006/relationships" xmlns:p="http://schemas.openxmlformats.org/presentationml/2006/main">
+  <p:cSld>
+    <p:spTree>
+      <p:nvGrpSpPr>
+        <p:cNvPr id="1" name=""/>
+        <p:cNvGrpSpPr/>
+        <p:nvPr/>
+      </p:nvGrpSpPr>
+      <p:grpSpPr>
+        <a:xfrm>
+          <a:off x="0" y="0"/>
+          <a:ext cx="0" cy="0"/>
+          <a:chOff x="0" y="0"/>
+          <a:chExt cx="0" cy="0"/>
+        </a:xfrm>
+      </p:grpSpPr>
+      <p:sp>
+        <p:nvSpPr>
+          <p:cNvPr id="2" name="Title 1">
+            <a:extLst>
+              <a:ext uri="{FF2B5EF4-FFF2-40B4-BE49-F238E27FC236}">
+                <a16:creationId xmlns:a16="http://schemas.microsoft.com/office/drawing/2014/main" xmlns="" id="{BB3E4360-1473-D948-89A3-B5E877209C95}"/>
+              </a:ext>
+            </a:extLst>
+          </p:cNvPr>
+          <p:cNvSpPr>
+            <a:spLocks noGrp="1"/>
+          </p:cNvSpPr>
+          <p:nvPr>
+            <p:ph type="title"/>
+          </p:nvPr>
+        </p:nvSpPr>
+        <p:spPr>
+          <a:xfrm>
+            <a:off x="488950" y="-87314"/>
+            <a:ext cx="8026400" cy="871086"/>
+          </a:xfrm>
+        </p:spPr>
+        <p:txBody>
+          <a:bodyPr/>
+          <a:lstStyle/>
+          <a:p>
+            <a:endParaRPr lang="x-none" dirty="0"/>
+          </a:p>
+        </p:txBody>
+      </p:sp>
+      <p:sp>
+        <p:nvSpPr>
+          <p:cNvPr id="3" name="Text Placeholder 2">
+            <a:extLst>
+              <a:ext uri="{FF2B5EF4-FFF2-40B4-BE49-F238E27FC236}">
+                <a16:creationId xmlns:a16="http://schemas.microsoft.com/office/drawing/2014/main" xmlns="" id="{1A0ABF07-CC63-F041-B9A8-296A58C6C72E}"/>
+              </a:ext>
+            </a:extLst>
+          </p:cNvPr>
+          <p:cNvSpPr>
+            <a:spLocks noGrp="1"/>
+          </p:cNvSpPr>
+          <p:nvPr>
+            <p:ph type="body" idx="1"/>
+          </p:nvPr>
+        </p:nvSpPr>
+        <p:spPr>
+          <a:xfrm>
+            <a:off x="488950" y="1045029"/>
+            <a:ext cx="8026400" cy="5203370"/>
+          </a:xfrm>
+        </p:spPr>
+        <p:txBody>
+          <a:bodyPr/>
+          <a:lstStyle/>
+          <a:p>
+            <a:pPr lvl="1"/>
+            <a:r>
+              <a:rPr lang="en-US" dirty="0">
+                <a:latin typeface="Times New Roman" panose="02020603050405020304" pitchFamily="18" charset="0"/>
+                <a:cs typeface="Times New Roman" panose="02020603050405020304" pitchFamily="18" charset="0"/>
+              </a:rPr>
+              <a:t>Data Access Object : </a:t>
+            </a:r>
+            <a:r>
+              <a:rPr lang="en-US" dirty="0" err="1">
+                <a:latin typeface="Times New Roman" panose="02020603050405020304" pitchFamily="18" charset="0"/>
+                <a:cs typeface="Times New Roman" panose="02020603050405020304" pitchFamily="18" charset="0"/>
+              </a:rPr>
+              <a:t>Các</a:t>
+            </a:r>
+            <a:r>
+              <a:rPr lang="en-US" dirty="0">
+                <a:latin typeface="Times New Roman" panose="02020603050405020304" pitchFamily="18" charset="0"/>
+                <a:cs typeface="Times New Roman" panose="02020603050405020304" pitchFamily="18" charset="0"/>
+              </a:rPr>
+              <a:t> </a:t>
+            </a:r>
+            <a:r>
+              <a:rPr lang="en-US" dirty="0" err="1">
+                <a:latin typeface="Times New Roman" panose="02020603050405020304" pitchFamily="18" charset="0"/>
+                <a:cs typeface="Times New Roman" panose="02020603050405020304" pitchFamily="18" charset="0"/>
+              </a:rPr>
+              <a:t>lớp</a:t>
+            </a:r>
+            <a:r>
+              <a:rPr lang="en-US" dirty="0">
+                <a:latin typeface="Times New Roman" panose="02020603050405020304" pitchFamily="18" charset="0"/>
+                <a:cs typeface="Times New Roman" panose="02020603050405020304" pitchFamily="18" charset="0"/>
+              </a:rPr>
+              <a:t> </a:t>
+            </a:r>
+            <a:r>
+              <a:rPr lang="en-US" dirty="0" err="1">
+                <a:latin typeface="Times New Roman" panose="02020603050405020304" pitchFamily="18" charset="0"/>
+                <a:cs typeface="Times New Roman" panose="02020603050405020304" pitchFamily="18" charset="0"/>
+              </a:rPr>
+              <a:t>lấy</a:t>
+            </a:r>
+            <a:r>
+              <a:rPr lang="en-US" dirty="0">
+                <a:latin typeface="Times New Roman" panose="02020603050405020304" pitchFamily="18" charset="0"/>
+                <a:cs typeface="Times New Roman" panose="02020603050405020304" pitchFamily="18" charset="0"/>
+              </a:rPr>
+              <a:t> </a:t>
+            </a:r>
+            <a:r>
+              <a:rPr lang="en-US" dirty="0" err="1">
+                <a:latin typeface="Times New Roman" panose="02020603050405020304" pitchFamily="18" charset="0"/>
+                <a:cs typeface="Times New Roman" panose="02020603050405020304" pitchFamily="18" charset="0"/>
+              </a:rPr>
+              <a:t>dữ</a:t>
+            </a:r>
+            <a:r>
+              <a:rPr lang="en-US" dirty="0">
+                <a:latin typeface="Times New Roman" panose="02020603050405020304" pitchFamily="18" charset="0"/>
+                <a:cs typeface="Times New Roman" panose="02020603050405020304" pitchFamily="18" charset="0"/>
+              </a:rPr>
+              <a:t> </a:t>
+            </a:r>
+            <a:r>
+              <a:rPr lang="en-US" dirty="0" err="1">
+                <a:latin typeface="Times New Roman" panose="02020603050405020304" pitchFamily="18" charset="0"/>
+                <a:cs typeface="Times New Roman" panose="02020603050405020304" pitchFamily="18" charset="0"/>
+              </a:rPr>
+              <a:t>liệu</a:t>
+            </a:r>
+            <a:r>
+              <a:rPr lang="en-US" dirty="0">
+                <a:latin typeface="Times New Roman" panose="02020603050405020304" pitchFamily="18" charset="0"/>
+                <a:cs typeface="Times New Roman" panose="02020603050405020304" pitchFamily="18" charset="0"/>
+              </a:rPr>
+              <a:t> </a:t>
+            </a:r>
+            <a:r>
+              <a:rPr lang="en-US" dirty="0" err="1">
+                <a:latin typeface="Times New Roman" panose="02020603050405020304" pitchFamily="18" charset="0"/>
+                <a:cs typeface="Times New Roman" panose="02020603050405020304" pitchFamily="18" charset="0"/>
+              </a:rPr>
+              <a:t>từ</a:t>
+            </a:r>
+            <a:r>
+              <a:rPr lang="en-US" dirty="0">
+                <a:latin typeface="Times New Roman" panose="02020603050405020304" pitchFamily="18" charset="0"/>
+                <a:cs typeface="Times New Roman" panose="02020603050405020304" pitchFamily="18" charset="0"/>
+              </a:rPr>
+              <a:t> </a:t>
+            </a:r>
+            <a:r>
+              <a:rPr lang="en-US" dirty="0" err="1">
+                <a:latin typeface="Times New Roman" panose="02020603050405020304" pitchFamily="18" charset="0"/>
+                <a:cs typeface="Times New Roman" panose="02020603050405020304" pitchFamily="18" charset="0"/>
+              </a:rPr>
+              <a:t>nguồn</a:t>
+            </a:r>
+            <a:r>
+              <a:rPr lang="en-US" dirty="0">
+                <a:latin typeface="Times New Roman" panose="02020603050405020304" pitchFamily="18" charset="0"/>
+                <a:cs typeface="Times New Roman" panose="02020603050405020304" pitchFamily="18" charset="0"/>
+              </a:rPr>
+              <a:t> </a:t>
+            </a:r>
+            <a:r>
+              <a:rPr lang="en-US" dirty="0" err="1">
+                <a:latin typeface="Times New Roman" panose="02020603050405020304" pitchFamily="18" charset="0"/>
+                <a:cs typeface="Times New Roman" panose="02020603050405020304" pitchFamily="18" charset="0"/>
+              </a:rPr>
+              <a:t>dữ</a:t>
+            </a:r>
+            <a:r>
+              <a:rPr lang="en-US" dirty="0">
+                <a:latin typeface="Times New Roman" panose="02020603050405020304" pitchFamily="18" charset="0"/>
+                <a:cs typeface="Times New Roman" panose="02020603050405020304" pitchFamily="18" charset="0"/>
+              </a:rPr>
+              <a:t> </a:t>
+            </a:r>
+            <a:r>
+              <a:rPr lang="en-US" dirty="0" err="1">
+                <a:latin typeface="Times New Roman" panose="02020603050405020304" pitchFamily="18" charset="0"/>
+                <a:cs typeface="Times New Roman" panose="02020603050405020304" pitchFamily="18" charset="0"/>
+              </a:rPr>
+              <a:t>liệu</a:t>
+            </a:r>
+            <a:r>
+              <a:rPr lang="en-US" dirty="0">
+                <a:latin typeface="Times New Roman" panose="02020603050405020304" pitchFamily="18" charset="0"/>
+                <a:cs typeface="Times New Roman" panose="02020603050405020304" pitchFamily="18" charset="0"/>
+              </a:rPr>
+              <a:t> </a:t>
+            </a:r>
+            <a:r>
+              <a:rPr lang="en-US" dirty="0" err="1">
+                <a:latin typeface="Times New Roman" panose="02020603050405020304" pitchFamily="18" charset="0"/>
+                <a:cs typeface="Times New Roman" panose="02020603050405020304" pitchFamily="18" charset="0"/>
+              </a:rPr>
+              <a:t>đều</a:t>
+            </a:r>
+            <a:r>
+              <a:rPr lang="en-US" dirty="0">
+                <a:latin typeface="Times New Roman" panose="02020603050405020304" pitchFamily="18" charset="0"/>
+                <a:cs typeface="Times New Roman" panose="02020603050405020304" pitchFamily="18" charset="0"/>
+              </a:rPr>
+              <a:t> </a:t>
+            </a:r>
+            <a:r>
+              <a:rPr lang="en-US" dirty="0" err="1">
+                <a:latin typeface="Times New Roman" panose="02020603050405020304" pitchFamily="18" charset="0"/>
+                <a:cs typeface="Times New Roman" panose="02020603050405020304" pitchFamily="18" charset="0"/>
+              </a:rPr>
+              <a:t>có</a:t>
+            </a:r>
+            <a:r>
+              <a:rPr lang="en-US" dirty="0">
+                <a:latin typeface="Times New Roman" panose="02020603050405020304" pitchFamily="18" charset="0"/>
+                <a:cs typeface="Times New Roman" panose="02020603050405020304" pitchFamily="18" charset="0"/>
+              </a:rPr>
+              <a:t> </a:t>
+            </a:r>
+            <a:r>
+              <a:rPr lang="en-US" dirty="0" err="1">
+                <a:latin typeface="Times New Roman" panose="02020603050405020304" pitchFamily="18" charset="0"/>
+                <a:cs typeface="Times New Roman" panose="02020603050405020304" pitchFamily="18" charset="0"/>
+              </a:rPr>
+              <a:t>một</a:t>
+            </a:r>
+            <a:r>
+              <a:rPr lang="en-US" dirty="0">
+                <a:latin typeface="Times New Roman" panose="02020603050405020304" pitchFamily="18" charset="0"/>
+                <a:cs typeface="Times New Roman" panose="02020603050405020304" pitchFamily="18" charset="0"/>
+              </a:rPr>
+              <a:t> </a:t>
+            </a:r>
+            <a:r>
+              <a:rPr lang="en-US" dirty="0" err="1">
+                <a:latin typeface="Times New Roman" panose="02020603050405020304" pitchFamily="18" charset="0"/>
+                <a:cs typeface="Times New Roman" panose="02020603050405020304" pitchFamily="18" charset="0"/>
+              </a:rPr>
+              <a:t>số</a:t>
+            </a:r>
+            <a:r>
+              <a:rPr lang="en-US" dirty="0">
+                <a:latin typeface="Times New Roman" panose="02020603050405020304" pitchFamily="18" charset="0"/>
+                <a:cs typeface="Times New Roman" panose="02020603050405020304" pitchFamily="18" charset="0"/>
+              </a:rPr>
+              <a:t> </a:t>
+            </a:r>
+            <a:r>
+              <a:rPr lang="en-US" dirty="0" err="1">
+                <a:latin typeface="Times New Roman" panose="02020603050405020304" pitchFamily="18" charset="0"/>
+                <a:cs typeface="Times New Roman" panose="02020603050405020304" pitchFamily="18" charset="0"/>
+              </a:rPr>
+              <a:t>đặc</a:t>
+            </a:r>
+            <a:r>
+              <a:rPr lang="en-US" dirty="0">
+                <a:latin typeface="Times New Roman" panose="02020603050405020304" pitchFamily="18" charset="0"/>
+                <a:cs typeface="Times New Roman" panose="02020603050405020304" pitchFamily="18" charset="0"/>
+              </a:rPr>
+              <a:t> </a:t>
+            </a:r>
+            <a:r>
+              <a:rPr lang="en-US" dirty="0" err="1">
+                <a:latin typeface="Times New Roman" panose="02020603050405020304" pitchFamily="18" charset="0"/>
+                <a:cs typeface="Times New Roman" panose="02020603050405020304" pitchFamily="18" charset="0"/>
+              </a:rPr>
+              <a:t>điểm</a:t>
+            </a:r>
+            <a:r>
+              <a:rPr lang="en-US" dirty="0">
+                <a:latin typeface="Times New Roman" panose="02020603050405020304" pitchFamily="18" charset="0"/>
+                <a:cs typeface="Times New Roman" panose="02020603050405020304" pitchFamily="18" charset="0"/>
+              </a:rPr>
+              <a:t> </a:t>
+            </a:r>
+            <a:r>
+              <a:rPr lang="en-US" dirty="0" err="1">
+                <a:latin typeface="Times New Roman" panose="02020603050405020304" pitchFamily="18" charset="0"/>
+                <a:cs typeface="Times New Roman" panose="02020603050405020304" pitchFamily="18" charset="0"/>
+              </a:rPr>
+              <a:t>chung</a:t>
+            </a:r>
+            <a:r>
+              <a:rPr lang="en-US" dirty="0">
+                <a:latin typeface="Times New Roman" panose="02020603050405020304" pitchFamily="18" charset="0"/>
+                <a:cs typeface="Times New Roman" panose="02020603050405020304" pitchFamily="18" charset="0"/>
+              </a:rPr>
+              <a:t>, </a:t>
+            </a:r>
+            <a:r>
+              <a:rPr lang="en-US" dirty="0" err="1">
+                <a:latin typeface="Times New Roman" panose="02020603050405020304" pitchFamily="18" charset="0"/>
+                <a:cs typeface="Times New Roman" panose="02020603050405020304" pitchFamily="18" charset="0"/>
+              </a:rPr>
+              <a:t>nên</a:t>
+            </a:r>
+            <a:r>
+              <a:rPr lang="en-US" dirty="0">
+                <a:latin typeface="Times New Roman" panose="02020603050405020304" pitchFamily="18" charset="0"/>
+                <a:cs typeface="Times New Roman" panose="02020603050405020304" pitchFamily="18" charset="0"/>
+              </a:rPr>
+              <a:t> </a:t>
+            </a:r>
+            <a:r>
+              <a:rPr lang="en-US" dirty="0" err="1">
+                <a:latin typeface="Times New Roman" panose="02020603050405020304" pitchFamily="18" charset="0"/>
+                <a:cs typeface="Times New Roman" panose="02020603050405020304" pitchFamily="18" charset="0"/>
+              </a:rPr>
+              <a:t>với</a:t>
+            </a:r>
+            <a:r>
+              <a:rPr lang="en-US" dirty="0">
+                <a:latin typeface="Times New Roman" panose="02020603050405020304" pitchFamily="18" charset="0"/>
+                <a:cs typeface="Times New Roman" panose="02020603050405020304" pitchFamily="18" charset="0"/>
+              </a:rPr>
+              <a:t> Data Access Object pattern </a:t>
+            </a:r>
+            <a:r>
+              <a:rPr lang="en-US" dirty="0" err="1">
+                <a:latin typeface="Times New Roman" panose="02020603050405020304" pitchFamily="18" charset="0"/>
+                <a:cs typeface="Times New Roman" panose="02020603050405020304" pitchFamily="18" charset="0"/>
+              </a:rPr>
+              <a:t>thì</a:t>
+            </a:r>
+            <a:r>
+              <a:rPr lang="en-US" dirty="0">
+                <a:latin typeface="Times New Roman" panose="02020603050405020304" pitchFamily="18" charset="0"/>
+                <a:cs typeface="Times New Roman" panose="02020603050405020304" pitchFamily="18" charset="0"/>
+              </a:rPr>
+              <a:t> </a:t>
+            </a:r>
+            <a:r>
+              <a:rPr lang="en-US" dirty="0" err="1">
+                <a:latin typeface="Times New Roman" panose="02020603050405020304" pitchFamily="18" charset="0"/>
+                <a:cs typeface="Times New Roman" panose="02020603050405020304" pitchFamily="18" charset="0"/>
+              </a:rPr>
+              <a:t>các</a:t>
+            </a:r>
+            <a:r>
+              <a:rPr lang="en-US" dirty="0">
+                <a:latin typeface="Times New Roman" panose="02020603050405020304" pitchFamily="18" charset="0"/>
+                <a:cs typeface="Times New Roman" panose="02020603050405020304" pitchFamily="18" charset="0"/>
+              </a:rPr>
+              <a:t> </a:t>
+            </a:r>
+            <a:r>
+              <a:rPr lang="en-US" dirty="0" err="1">
+                <a:latin typeface="Times New Roman" panose="02020603050405020304" pitchFamily="18" charset="0"/>
+                <a:cs typeface="Times New Roman" panose="02020603050405020304" pitchFamily="18" charset="0"/>
+              </a:rPr>
+              <a:t>lớp</a:t>
+            </a:r>
+            <a:r>
+              <a:rPr lang="en-US" dirty="0">
+                <a:latin typeface="Times New Roman" panose="02020603050405020304" pitchFamily="18" charset="0"/>
+                <a:cs typeface="Times New Roman" panose="02020603050405020304" pitchFamily="18" charset="0"/>
+              </a:rPr>
+              <a:t> </a:t>
+            </a:r>
+            <a:r>
+              <a:rPr lang="en-US" dirty="0" err="1">
+                <a:latin typeface="Times New Roman" panose="02020603050405020304" pitchFamily="18" charset="0"/>
+                <a:cs typeface="Times New Roman" panose="02020603050405020304" pitchFamily="18" charset="0"/>
+              </a:rPr>
+              <a:t>sử</a:t>
+            </a:r>
+            <a:r>
+              <a:rPr lang="en-US" dirty="0">
+                <a:latin typeface="Times New Roman" panose="02020603050405020304" pitchFamily="18" charset="0"/>
+                <a:cs typeface="Times New Roman" panose="02020603050405020304" pitchFamily="18" charset="0"/>
+              </a:rPr>
+              <a:t> </a:t>
+            </a:r>
+            <a:r>
+              <a:rPr lang="en-US" dirty="0" err="1">
+                <a:latin typeface="Times New Roman" panose="02020603050405020304" pitchFamily="18" charset="0"/>
+                <a:cs typeface="Times New Roman" panose="02020603050405020304" pitchFamily="18" charset="0"/>
+              </a:rPr>
+              <a:t>dụng</a:t>
+            </a:r>
+            <a:r>
+              <a:rPr lang="en-US" dirty="0">
+                <a:latin typeface="Times New Roman" panose="02020603050405020304" pitchFamily="18" charset="0"/>
+                <a:cs typeface="Times New Roman" panose="02020603050405020304" pitchFamily="18" charset="0"/>
+              </a:rPr>
+              <a:t> </a:t>
+            </a:r>
+            <a:r>
+              <a:rPr lang="en-US" dirty="0" err="1">
+                <a:latin typeface="Times New Roman" panose="02020603050405020304" pitchFamily="18" charset="0"/>
+                <a:cs typeface="Times New Roman" panose="02020603050405020304" pitchFamily="18" charset="0"/>
+              </a:rPr>
+              <a:t>sẽ</a:t>
+            </a:r>
+            <a:r>
+              <a:rPr lang="en-US" dirty="0">
+                <a:latin typeface="Times New Roman" panose="02020603050405020304" pitchFamily="18" charset="0"/>
+                <a:cs typeface="Times New Roman" panose="02020603050405020304" pitchFamily="18" charset="0"/>
+              </a:rPr>
+              <a:t> </a:t>
+            </a:r>
+            <a:r>
+              <a:rPr lang="en-US" dirty="0" err="1">
+                <a:latin typeface="Times New Roman" panose="02020603050405020304" pitchFamily="18" charset="0"/>
+                <a:cs typeface="Times New Roman" panose="02020603050405020304" pitchFamily="18" charset="0"/>
+              </a:rPr>
+              <a:t>không</a:t>
+            </a:r>
+            <a:r>
+              <a:rPr lang="en-US" dirty="0">
+                <a:latin typeface="Times New Roman" panose="02020603050405020304" pitchFamily="18" charset="0"/>
+                <a:cs typeface="Times New Roman" panose="02020603050405020304" pitchFamily="18" charset="0"/>
+              </a:rPr>
+              <a:t> </a:t>
+            </a:r>
+            <a:r>
+              <a:rPr lang="en-US" dirty="0" err="1">
+                <a:latin typeface="Times New Roman" panose="02020603050405020304" pitchFamily="18" charset="0"/>
+                <a:cs typeface="Times New Roman" panose="02020603050405020304" pitchFamily="18" charset="0"/>
+              </a:rPr>
+              <a:t>cần</a:t>
+            </a:r>
+            <a:r>
+              <a:rPr lang="en-US" dirty="0">
+                <a:latin typeface="Times New Roman" panose="02020603050405020304" pitchFamily="18" charset="0"/>
+                <a:cs typeface="Times New Roman" panose="02020603050405020304" pitchFamily="18" charset="0"/>
+              </a:rPr>
+              <a:t> </a:t>
+            </a:r>
+            <a:r>
+              <a:rPr lang="en-US" dirty="0" err="1">
+                <a:latin typeface="Times New Roman" panose="02020603050405020304" pitchFamily="18" charset="0"/>
+                <a:cs typeface="Times New Roman" panose="02020603050405020304" pitchFamily="18" charset="0"/>
+              </a:rPr>
+              <a:t>quan</a:t>
+            </a:r>
+            <a:r>
+              <a:rPr lang="en-US" dirty="0">
+                <a:latin typeface="Times New Roman" panose="02020603050405020304" pitchFamily="18" charset="0"/>
+                <a:cs typeface="Times New Roman" panose="02020603050405020304" pitchFamily="18" charset="0"/>
+              </a:rPr>
+              <a:t> </a:t>
+            </a:r>
+            <a:r>
+              <a:rPr lang="en-US" dirty="0" err="1">
+                <a:latin typeface="Times New Roman" panose="02020603050405020304" pitchFamily="18" charset="0"/>
+                <a:cs typeface="Times New Roman" panose="02020603050405020304" pitchFamily="18" charset="0"/>
+              </a:rPr>
+              <a:t>tầm</a:t>
+            </a:r>
+            <a:r>
+              <a:rPr lang="en-US" dirty="0">
+                <a:latin typeface="Times New Roman" panose="02020603050405020304" pitchFamily="18" charset="0"/>
+                <a:cs typeface="Times New Roman" panose="02020603050405020304" pitchFamily="18" charset="0"/>
+              </a:rPr>
+              <a:t> </a:t>
+            </a:r>
+            <a:r>
+              <a:rPr lang="en-US" dirty="0" err="1">
+                <a:latin typeface="Times New Roman" panose="02020603050405020304" pitchFamily="18" charset="0"/>
+                <a:cs typeface="Times New Roman" panose="02020603050405020304" pitchFamily="18" charset="0"/>
+              </a:rPr>
+              <a:t>đến</a:t>
+            </a:r>
+            <a:r>
+              <a:rPr lang="en-US" dirty="0">
+                <a:latin typeface="Times New Roman" panose="02020603050405020304" pitchFamily="18" charset="0"/>
+                <a:cs typeface="Times New Roman" panose="02020603050405020304" pitchFamily="18" charset="0"/>
+              </a:rPr>
+              <a:t> </a:t>
+            </a:r>
+            <a:r>
+              <a:rPr lang="en-US" dirty="0" err="1">
+                <a:latin typeface="Times New Roman" panose="02020603050405020304" pitchFamily="18" charset="0"/>
+                <a:cs typeface="Times New Roman" panose="02020603050405020304" pitchFamily="18" charset="0"/>
+              </a:rPr>
+              <a:t>từng</a:t>
+            </a:r>
+            <a:r>
+              <a:rPr lang="en-US" dirty="0">
+                <a:latin typeface="Times New Roman" panose="02020603050405020304" pitchFamily="18" charset="0"/>
+                <a:cs typeface="Times New Roman" panose="02020603050405020304" pitchFamily="18" charset="0"/>
+              </a:rPr>
+              <a:t> </a:t>
+            </a:r>
+            <a:r>
+              <a:rPr lang="en-US" dirty="0" err="1">
+                <a:latin typeface="Times New Roman" panose="02020603050405020304" pitchFamily="18" charset="0"/>
+                <a:cs typeface="Times New Roman" panose="02020603050405020304" pitchFamily="18" charset="0"/>
+              </a:rPr>
+              <a:t>lớp</a:t>
+            </a:r>
+            <a:r>
+              <a:rPr lang="en-US" dirty="0">
+                <a:latin typeface="Times New Roman" panose="02020603050405020304" pitchFamily="18" charset="0"/>
+                <a:cs typeface="Times New Roman" panose="02020603050405020304" pitchFamily="18" charset="0"/>
+              </a:rPr>
+              <a:t> </a:t>
+            </a:r>
+            <a:r>
+              <a:rPr lang="en-US" dirty="0" err="1">
+                <a:latin typeface="Times New Roman" panose="02020603050405020304" pitchFamily="18" charset="0"/>
+                <a:cs typeface="Times New Roman" panose="02020603050405020304" pitchFamily="18" charset="0"/>
+              </a:rPr>
+              <a:t>lấy</a:t>
+            </a:r>
+            <a:r>
+              <a:rPr lang="en-US" dirty="0">
+                <a:latin typeface="Times New Roman" panose="02020603050405020304" pitchFamily="18" charset="0"/>
+                <a:cs typeface="Times New Roman" panose="02020603050405020304" pitchFamily="18" charset="0"/>
+              </a:rPr>
+              <a:t> </a:t>
+            </a:r>
+            <a:r>
+              <a:rPr lang="en-US" dirty="0" err="1">
+                <a:latin typeface="Times New Roman" panose="02020603050405020304" pitchFamily="18" charset="0"/>
+                <a:cs typeface="Times New Roman" panose="02020603050405020304" pitchFamily="18" charset="0"/>
+              </a:rPr>
+              <a:t>dữ</a:t>
+            </a:r>
+            <a:r>
+              <a:rPr lang="en-US" dirty="0">
+                <a:latin typeface="Times New Roman" panose="02020603050405020304" pitchFamily="18" charset="0"/>
+                <a:cs typeface="Times New Roman" panose="02020603050405020304" pitchFamily="18" charset="0"/>
+              </a:rPr>
+              <a:t> </a:t>
+            </a:r>
+            <a:r>
+              <a:rPr lang="en-US" dirty="0" err="1">
+                <a:latin typeface="Times New Roman" panose="02020603050405020304" pitchFamily="18" charset="0"/>
+                <a:cs typeface="Times New Roman" panose="02020603050405020304" pitchFamily="18" charset="0"/>
+              </a:rPr>
+              <a:t>liệu</a:t>
+            </a:r>
+            <a:r>
+              <a:rPr lang="en-US" dirty="0">
+                <a:latin typeface="Times New Roman" panose="02020603050405020304" pitchFamily="18" charset="0"/>
+                <a:cs typeface="Times New Roman" panose="02020603050405020304" pitchFamily="18" charset="0"/>
+              </a:rPr>
+              <a:t> </a:t>
+            </a:r>
+            <a:r>
+              <a:rPr lang="en-US" dirty="0" err="1">
+                <a:latin typeface="Times New Roman" panose="02020603050405020304" pitchFamily="18" charset="0"/>
+                <a:cs typeface="Times New Roman" panose="02020603050405020304" pitchFamily="18" charset="0"/>
+              </a:rPr>
+              <a:t>cụ</a:t>
+            </a:r>
+            <a:r>
+              <a:rPr lang="en-US" dirty="0">
+                <a:latin typeface="Times New Roman" panose="02020603050405020304" pitchFamily="18" charset="0"/>
+                <a:cs typeface="Times New Roman" panose="02020603050405020304" pitchFamily="18" charset="0"/>
+              </a:rPr>
+              <a:t> </a:t>
+            </a:r>
+            <a:r>
+              <a:rPr lang="en-US" dirty="0" err="1">
+                <a:latin typeface="Times New Roman" panose="02020603050405020304" pitchFamily="18" charset="0"/>
+                <a:cs typeface="Times New Roman" panose="02020603050405020304" pitchFamily="18" charset="0"/>
+              </a:rPr>
+              <a:t>thể</a:t>
+            </a:r>
+            <a:r>
+              <a:rPr lang="en-US" dirty="0">
+                <a:latin typeface="Times New Roman" panose="02020603050405020304" pitchFamily="18" charset="0"/>
+                <a:cs typeface="Times New Roman" panose="02020603050405020304" pitchFamily="18" charset="0"/>
+              </a:rPr>
+              <a:t> </a:t>
+            </a:r>
+            <a:r>
+              <a:rPr lang="en-US" dirty="0" err="1">
+                <a:latin typeface="Times New Roman" panose="02020603050405020304" pitchFamily="18" charset="0"/>
+                <a:cs typeface="Times New Roman" panose="02020603050405020304" pitchFamily="18" charset="0"/>
+              </a:rPr>
+              <a:t>sẽ</a:t>
+            </a:r>
+            <a:r>
+              <a:rPr lang="en-US" dirty="0">
+                <a:latin typeface="Times New Roman" panose="02020603050405020304" pitchFamily="18" charset="0"/>
+                <a:cs typeface="Times New Roman" panose="02020603050405020304" pitchFamily="18" charset="0"/>
+              </a:rPr>
+              <a:t> </a:t>
+            </a:r>
+            <a:r>
+              <a:rPr lang="en-US" dirty="0" err="1">
+                <a:latin typeface="Times New Roman" panose="02020603050405020304" pitchFamily="18" charset="0"/>
+                <a:cs typeface="Times New Roman" panose="02020603050405020304" pitchFamily="18" charset="0"/>
+              </a:rPr>
+              <a:t>có</a:t>
+            </a:r>
+            <a:r>
+              <a:rPr lang="en-US" dirty="0">
+                <a:latin typeface="Times New Roman" panose="02020603050405020304" pitchFamily="18" charset="0"/>
+                <a:cs typeface="Times New Roman" panose="02020603050405020304" pitchFamily="18" charset="0"/>
+              </a:rPr>
+              <a:t> </a:t>
+            </a:r>
+            <a:r>
+              <a:rPr lang="en-US" dirty="0" err="1">
+                <a:latin typeface="Times New Roman" panose="02020603050405020304" pitchFamily="18" charset="0"/>
+                <a:cs typeface="Times New Roman" panose="02020603050405020304" pitchFamily="18" charset="0"/>
+              </a:rPr>
+              <a:t>tên</a:t>
+            </a:r>
+            <a:r>
+              <a:rPr lang="en-US" dirty="0">
+                <a:latin typeface="Times New Roman" panose="02020603050405020304" pitchFamily="18" charset="0"/>
+                <a:cs typeface="Times New Roman" panose="02020603050405020304" pitchFamily="18" charset="0"/>
+              </a:rPr>
+              <a:t> </a:t>
+            </a:r>
+            <a:r>
+              <a:rPr lang="en-US" dirty="0" err="1">
+                <a:latin typeface="Times New Roman" panose="02020603050405020304" pitchFamily="18" charset="0"/>
+                <a:cs typeface="Times New Roman" panose="02020603050405020304" pitchFamily="18" charset="0"/>
+              </a:rPr>
+              <a:t>là</a:t>
+            </a:r>
+            <a:r>
+              <a:rPr lang="en-US" dirty="0">
+                <a:latin typeface="Times New Roman" panose="02020603050405020304" pitchFamily="18" charset="0"/>
+                <a:cs typeface="Times New Roman" panose="02020603050405020304" pitchFamily="18" charset="0"/>
+              </a:rPr>
+              <a:t> </a:t>
+            </a:r>
+            <a:r>
+              <a:rPr lang="en-US" dirty="0" err="1">
+                <a:latin typeface="Times New Roman" panose="02020603050405020304" pitchFamily="18" charset="0"/>
+                <a:cs typeface="Times New Roman" panose="02020603050405020304" pitchFamily="18" charset="0"/>
+              </a:rPr>
+              <a:t>gì</a:t>
+            </a:r>
+            <a:r>
+              <a:rPr lang="en-US" dirty="0">
+                <a:latin typeface="Times New Roman" panose="02020603050405020304" pitchFamily="18" charset="0"/>
+                <a:cs typeface="Times New Roman" panose="02020603050405020304" pitchFamily="18" charset="0"/>
+              </a:rPr>
+              <a:t> </a:t>
+            </a:r>
+            <a:r>
+              <a:rPr lang="en-US" dirty="0" err="1">
+                <a:latin typeface="Times New Roman" panose="02020603050405020304" pitchFamily="18" charset="0"/>
+                <a:cs typeface="Times New Roman" panose="02020603050405020304" pitchFamily="18" charset="0"/>
+              </a:rPr>
+              <a:t>mà</a:t>
+            </a:r>
+            <a:r>
+              <a:rPr lang="en-US" dirty="0">
+                <a:latin typeface="Times New Roman" panose="02020603050405020304" pitchFamily="18" charset="0"/>
+                <a:cs typeface="Times New Roman" panose="02020603050405020304" pitchFamily="18" charset="0"/>
+              </a:rPr>
+              <a:t> </a:t>
+            </a:r>
+            <a:r>
+              <a:rPr lang="en-US" dirty="0" err="1">
+                <a:latin typeface="Times New Roman" panose="02020603050405020304" pitchFamily="18" charset="0"/>
+                <a:cs typeface="Times New Roman" panose="02020603050405020304" pitchFamily="18" charset="0"/>
+              </a:rPr>
+              <a:t>chỉ</a:t>
+            </a:r>
+            <a:r>
+              <a:rPr lang="en-US" dirty="0">
+                <a:latin typeface="Times New Roman" panose="02020603050405020304" pitchFamily="18" charset="0"/>
+                <a:cs typeface="Times New Roman" panose="02020603050405020304" pitchFamily="18" charset="0"/>
+              </a:rPr>
+              <a:t> </a:t>
+            </a:r>
+            <a:r>
+              <a:rPr lang="en-US" dirty="0" err="1">
+                <a:latin typeface="Times New Roman" panose="02020603050405020304" pitchFamily="18" charset="0"/>
+                <a:cs typeface="Times New Roman" panose="02020603050405020304" pitchFamily="18" charset="0"/>
+              </a:rPr>
+              <a:t>cần</a:t>
+            </a:r>
+            <a:r>
+              <a:rPr lang="en-US" dirty="0">
+                <a:latin typeface="Times New Roman" panose="02020603050405020304" pitchFamily="18" charset="0"/>
+                <a:cs typeface="Times New Roman" panose="02020603050405020304" pitchFamily="18" charset="0"/>
+              </a:rPr>
+              <a:t> </a:t>
+            </a:r>
+            <a:r>
+              <a:rPr lang="en-US" dirty="0" err="1">
+                <a:latin typeface="Times New Roman" panose="02020603050405020304" pitchFamily="18" charset="0"/>
+                <a:cs typeface="Times New Roman" panose="02020603050405020304" pitchFamily="18" charset="0"/>
+              </a:rPr>
+              <a:t>biết</a:t>
+            </a:r>
+            <a:r>
+              <a:rPr lang="en-US" dirty="0">
+                <a:latin typeface="Times New Roman" panose="02020603050405020304" pitchFamily="18" charset="0"/>
+                <a:cs typeface="Times New Roman" panose="02020603050405020304" pitchFamily="18" charset="0"/>
+              </a:rPr>
+              <a:t> </a:t>
+            </a:r>
+            <a:r>
+              <a:rPr lang="en-US" dirty="0" err="1">
+                <a:latin typeface="Times New Roman" panose="02020603050405020304" pitchFamily="18" charset="0"/>
+                <a:cs typeface="Times New Roman" panose="02020603050405020304" pitchFamily="18" charset="0"/>
+              </a:rPr>
+              <a:t>đến</a:t>
+            </a:r>
+            <a:r>
+              <a:rPr lang="en-US" dirty="0">
+                <a:latin typeface="Times New Roman" panose="02020603050405020304" pitchFamily="18" charset="0"/>
+                <a:cs typeface="Times New Roman" panose="02020603050405020304" pitchFamily="18" charset="0"/>
+              </a:rPr>
+              <a:t> interface DAO </a:t>
+            </a:r>
+            <a:r>
+              <a:rPr lang="en-US" dirty="0" err="1">
+                <a:latin typeface="Times New Roman" panose="02020603050405020304" pitchFamily="18" charset="0"/>
+                <a:cs typeface="Times New Roman" panose="02020603050405020304" pitchFamily="18" charset="0"/>
+              </a:rPr>
+              <a:t>với</a:t>
+            </a:r>
+            <a:r>
+              <a:rPr lang="en-US" dirty="0">
+                <a:latin typeface="Times New Roman" panose="02020603050405020304" pitchFamily="18" charset="0"/>
+                <a:cs typeface="Times New Roman" panose="02020603050405020304" pitchFamily="18" charset="0"/>
+              </a:rPr>
+              <a:t> </a:t>
+            </a:r>
+            <a:r>
+              <a:rPr lang="en-US" dirty="0" err="1">
+                <a:latin typeface="Times New Roman" panose="02020603050405020304" pitchFamily="18" charset="0"/>
+                <a:cs typeface="Times New Roman" panose="02020603050405020304" pitchFamily="18" charset="0"/>
+              </a:rPr>
+              <a:t>kiểu</a:t>
+            </a:r>
+            <a:r>
+              <a:rPr lang="en-US" dirty="0">
+                <a:latin typeface="Times New Roman" panose="02020603050405020304" pitchFamily="18" charset="0"/>
+                <a:cs typeface="Times New Roman" panose="02020603050405020304" pitchFamily="18" charset="0"/>
+              </a:rPr>
+              <a:t> </a:t>
+            </a:r>
+            <a:r>
+              <a:rPr lang="en-US" dirty="0" err="1">
+                <a:latin typeface="Times New Roman" panose="02020603050405020304" pitchFamily="18" charset="0"/>
+                <a:cs typeface="Times New Roman" panose="02020603050405020304" pitchFamily="18" charset="0"/>
+              </a:rPr>
+              <a:t>dữ</a:t>
+            </a:r>
+            <a:r>
+              <a:rPr lang="en-US" dirty="0">
+                <a:latin typeface="Times New Roman" panose="02020603050405020304" pitchFamily="18" charset="0"/>
+                <a:cs typeface="Times New Roman" panose="02020603050405020304" pitchFamily="18" charset="0"/>
+              </a:rPr>
+              <a:t> </a:t>
+            </a:r>
+            <a:r>
+              <a:rPr lang="en-US" dirty="0" err="1">
+                <a:latin typeface="Times New Roman" panose="02020603050405020304" pitchFamily="18" charset="0"/>
+                <a:cs typeface="Times New Roman" panose="02020603050405020304" pitchFamily="18" charset="0"/>
+              </a:rPr>
+              <a:t>liệu</a:t>
+            </a:r>
+            <a:r>
+              <a:rPr lang="en-US" dirty="0">
+                <a:latin typeface="Times New Roman" panose="02020603050405020304" pitchFamily="18" charset="0"/>
+                <a:cs typeface="Times New Roman" panose="02020603050405020304" pitchFamily="18" charset="0"/>
+              </a:rPr>
+              <a:t> entity </a:t>
+            </a:r>
+            <a:r>
+              <a:rPr lang="en-US" dirty="0" err="1">
+                <a:latin typeface="Times New Roman" panose="02020603050405020304" pitchFamily="18" charset="0"/>
+                <a:cs typeface="Times New Roman" panose="02020603050405020304" pitchFamily="18" charset="0"/>
+              </a:rPr>
+              <a:t>tương</a:t>
+            </a:r>
+            <a:r>
+              <a:rPr lang="en-US" dirty="0">
+                <a:latin typeface="Times New Roman" panose="02020603050405020304" pitchFamily="18" charset="0"/>
+                <a:cs typeface="Times New Roman" panose="02020603050405020304" pitchFamily="18" charset="0"/>
+              </a:rPr>
+              <a:t> </a:t>
+            </a:r>
+            <a:r>
+              <a:rPr lang="en-US" dirty="0" err="1">
+                <a:latin typeface="Times New Roman" panose="02020603050405020304" pitchFamily="18" charset="0"/>
+                <a:cs typeface="Times New Roman" panose="02020603050405020304" pitchFamily="18" charset="0"/>
+              </a:rPr>
+              <a:t>ứng</a:t>
+            </a:r>
+            <a:r>
+              <a:rPr lang="en-US" dirty="0">
+                <a:latin typeface="Times New Roman" panose="02020603050405020304" pitchFamily="18" charset="0"/>
+                <a:cs typeface="Times New Roman" panose="02020603050405020304" pitchFamily="18" charset="0"/>
+              </a:rPr>
+              <a:t> </a:t>
+            </a:r>
+            <a:r>
+              <a:rPr lang="en-US" dirty="0" err="1">
+                <a:latin typeface="Times New Roman" panose="02020603050405020304" pitchFamily="18" charset="0"/>
+                <a:cs typeface="Times New Roman" panose="02020603050405020304" pitchFamily="18" charset="0"/>
+              </a:rPr>
+              <a:t>với</a:t>
+            </a:r>
+            <a:r>
+              <a:rPr lang="en-US" dirty="0">
+                <a:latin typeface="Times New Roman" panose="02020603050405020304" pitchFamily="18" charset="0"/>
+                <a:cs typeface="Times New Roman" panose="02020603050405020304" pitchFamily="18" charset="0"/>
+              </a:rPr>
+              <a:t> </a:t>
+            </a:r>
+            <a:r>
+              <a:rPr lang="en-US" dirty="0" err="1">
+                <a:latin typeface="Times New Roman" panose="02020603050405020304" pitchFamily="18" charset="0"/>
+                <a:cs typeface="Times New Roman" panose="02020603050405020304" pitchFamily="18" charset="0"/>
+              </a:rPr>
+              <a:t>nó</a:t>
+            </a:r>
+            <a:endParaRPr lang="x-none" dirty="0"/>
+          </a:p>
+        </p:txBody>
+      </p:sp>
+      <p:sp>
+        <p:nvSpPr>
+          <p:cNvPr id="4" name="Slide Number Placeholder 3">
+            <a:extLst>
+              <a:ext uri="{FF2B5EF4-FFF2-40B4-BE49-F238E27FC236}">
+                <a16:creationId xmlns:a16="http://schemas.microsoft.com/office/drawing/2014/main" xmlns="" id="{4D4BA178-1050-FF4F-8426-F1CDC59CC580}"/>
+              </a:ext>
+            </a:extLst>
+          </p:cNvPr>
+          <p:cNvSpPr>
+            <a:spLocks noGrp="1"/>
+          </p:cNvSpPr>
+          <p:nvPr>
+            <p:ph type="sldNum" idx="12"/>
+          </p:nvPr>
+        </p:nvSpPr>
+        <p:spPr/>
+        <p:txBody>
+          <a:bodyPr/>
+          <a:lstStyle/>
+          <a:p>
+            <a:pPr marL="0" lvl="0" indent="0" algn="r" rtl="0">
+              <a:spcBef>
+                <a:spcPts val="0"/>
+              </a:spcBef>
+              <a:spcAft>
+                <a:spcPts val="0"/>
+              </a:spcAft>
+              <a:buNone/>
+            </a:pPr>
+            <a:fld id="{00000000-1234-1234-1234-123412341234}" type="slidenum">
+              <a:rPr lang="en-US" smtClean="0"/>
+              <a:t>15</a:t>
+            </a:fld>
+            <a:endParaRPr lang="en-US"/>
+          </a:p>
+        </p:txBody>
+      </p:sp>
+      <p:pic>
+        <p:nvPicPr>
+          <p:cNvPr id="6" name="Picture 5" descr="Diagram&#10;&#10;Description automatically generated">
+            <a:extLst>
+              <a:ext uri="{FF2B5EF4-FFF2-40B4-BE49-F238E27FC236}">
+                <a16:creationId xmlns:a16="http://schemas.microsoft.com/office/drawing/2014/main" xmlns="" id="{3D560A3A-ED48-2A4E-A4D3-652D8E26AA24}"/>
+              </a:ext>
+            </a:extLst>
+          </p:cNvPr>
+          <p:cNvPicPr>
+            <a:picLocks noChangeAspect="1"/>
+          </p:cNvPicPr>
+          <p:nvPr/>
+        </p:nvPicPr>
+        <p:blipFill>
+          <a:blip r:embed="rId3"/>
+          <a:stretch>
+            <a:fillRect/>
+          </a:stretch>
+        </p:blipFill>
+        <p:spPr>
+          <a:xfrm>
+            <a:off x="1998979" y="2149369"/>
+            <a:ext cx="5683613" cy="3785521"/>
+          </a:xfrm>
+          <a:prstGeom prst="rect">
+            <a:avLst/>
+          </a:prstGeom>
+        </p:spPr>
+      </p:pic>
+    </p:spTree>
+    <p:extLst>
+      <p:ext uri="{BB962C8B-B14F-4D97-AF65-F5344CB8AC3E}">
+        <p14:creationId xmlns:p14="http://schemas.microsoft.com/office/powerpoint/2010/main" val="2471900349"/>
+      </p:ext>
+    </p:extLst>
   </p:cSld>
   <p:clrMapOvr>
     <a:masterClrMapping/>
@@ -17526,7 +17771,7 @@
           <a:p>
             <a:pPr lvl="1"/>
             <a:r>
-              <a:rPr lang="en-VN" sz="2000" dirty="0">
+              <a:rPr lang="x-none" sz="2000" dirty="0">
                 <a:latin typeface="Times New Roman" panose="02020603050405020304" pitchFamily="18" charset="0"/>
                 <a:cs typeface="Times New Roman" panose="02020603050405020304" pitchFamily="18" charset="0"/>
               </a:rPr>
@@ -17536,7 +17781,7 @@
           <a:p>
             <a:pPr lvl="1"/>
             <a:r>
-              <a:rPr lang="en-VN" sz="2000" dirty="0">
+              <a:rPr lang="x-none" sz="2000" dirty="0">
                 <a:latin typeface="Times New Roman" panose="02020603050405020304" pitchFamily="18" charset="0"/>
                 <a:cs typeface="Times New Roman" panose="02020603050405020304" pitchFamily="18" charset="0"/>
               </a:rPr>
@@ -17546,7 +17791,7 @@
           <a:p>
             <a:pPr lvl="1"/>
             <a:r>
-              <a:rPr lang="en-VN" sz="2000" dirty="0">
+              <a:rPr lang="x-none" sz="2000" dirty="0">
                 <a:latin typeface="Times New Roman" panose="02020603050405020304" pitchFamily="18" charset="0"/>
                 <a:cs typeface="Times New Roman" panose="02020603050405020304" pitchFamily="18" charset="0"/>
               </a:rPr>
@@ -17563,7 +17808,7 @@
               <a:t>C</a:t>
             </a:r>
             <a:r>
-              <a:rPr lang="en-VN" sz="2000" dirty="0">
+              <a:rPr lang="x-none" sz="2000" dirty="0">
                 <a:latin typeface="Times New Roman" panose="02020603050405020304" pitchFamily="18" charset="0"/>
                 <a:cs typeface="Times New Roman" panose="02020603050405020304" pitchFamily="18" charset="0"/>
               </a:rPr>
@@ -17573,7 +17818,7 @@
           <a:p>
             <a:pPr lvl="0"/>
             <a:r>
-              <a:rPr lang="en-VN" sz="2000" dirty="0">
+              <a:rPr lang="x-none" sz="2000" dirty="0">
                 <a:latin typeface="Times New Roman" panose="02020603050405020304" pitchFamily="18" charset="0"/>
                 <a:cs typeface="Times New Roman" panose="02020603050405020304" pitchFamily="18" charset="0"/>
               </a:rPr>
@@ -17583,7 +17828,7 @@
           <a:p>
             <a:pPr lvl="1"/>
             <a:r>
-              <a:rPr lang="en-VN" sz="2000" dirty="0">
+              <a:rPr lang="x-none" sz="2000" dirty="0">
                 <a:latin typeface="Times New Roman" panose="02020603050405020304" pitchFamily="18" charset="0"/>
                 <a:cs typeface="Times New Roman" panose="02020603050405020304" pitchFamily="18" charset="0"/>
               </a:rPr>
@@ -17593,7 +17838,7 @@
           <a:p>
             <a:pPr lvl="1"/>
             <a:r>
-              <a:rPr lang="en-VN" sz="2000" dirty="0">
+              <a:rPr lang="x-none" sz="2000" dirty="0">
                 <a:latin typeface="Times New Roman" panose="02020603050405020304" pitchFamily="18" charset="0"/>
                 <a:cs typeface="Times New Roman" panose="02020603050405020304" pitchFamily="18" charset="0"/>
               </a:rPr>
@@ -17603,7 +17848,7 @@
           <a:p>
             <a:pPr lvl="1"/>
             <a:r>
-              <a:rPr lang="en-VN" sz="2000" dirty="0">
+              <a:rPr lang="x-none" sz="2000" dirty="0">
                 <a:latin typeface="Times New Roman" panose="02020603050405020304" pitchFamily="18" charset="0"/>
                 <a:cs typeface="Times New Roman" panose="02020603050405020304" pitchFamily="18" charset="0"/>
               </a:rPr>
@@ -17613,7 +17858,7 @@
           <a:p>
             <a:pPr lvl="1"/>
             <a:r>
-              <a:rPr lang="en-VN" sz="2000" dirty="0">
+              <a:rPr lang="x-none" sz="2000" dirty="0">
                 <a:latin typeface="Times New Roman" panose="02020603050405020304" pitchFamily="18" charset="0"/>
                 <a:cs typeface="Times New Roman" panose="02020603050405020304" pitchFamily="18" charset="0"/>
               </a:rPr>
@@ -17623,7 +17868,7 @@
           <a:p>
             <a:pPr lvl="0"/>
             <a:r>
-              <a:rPr lang="en-VN" sz="2000" dirty="0">
+              <a:rPr lang="x-none" sz="2000" dirty="0">
                 <a:latin typeface="Times New Roman" panose="02020603050405020304" pitchFamily="18" charset="0"/>
                 <a:cs typeface="Times New Roman" panose="02020603050405020304" pitchFamily="18" charset="0"/>
               </a:rPr>
@@ -17633,7 +17878,7 @@
           <a:p>
             <a:pPr lvl="1"/>
             <a:r>
-              <a:rPr lang="en-VN" sz="1700" dirty="0">
+              <a:rPr lang="x-none" sz="1700" dirty="0">
                 <a:latin typeface="Times New Roman" panose="02020603050405020304" pitchFamily="18" charset="0"/>
                 <a:cs typeface="Times New Roman" panose="02020603050405020304" pitchFamily="18" charset="0"/>
               </a:rPr>
@@ -17643,7 +17888,7 @@
           <a:p>
             <a:pPr lvl="1"/>
             <a:r>
-              <a:rPr lang="en-VN" sz="1700" dirty="0">
+              <a:rPr lang="x-none" sz="1700" dirty="0">
                 <a:latin typeface="Times New Roman" panose="02020603050405020304" pitchFamily="18" charset="0"/>
                 <a:cs typeface="Times New Roman" panose="02020603050405020304" pitchFamily="18" charset="0"/>
               </a:rPr>
@@ -17653,7 +17898,7 @@
           <a:p>
             <a:pPr lvl="1"/>
             <a:r>
-              <a:rPr lang="en-VN" sz="1700" dirty="0">
+              <a:rPr lang="x-none" sz="1700" dirty="0">
                 <a:latin typeface="Times New Roman" panose="02020603050405020304" pitchFamily="18" charset="0"/>
                 <a:cs typeface="Times New Roman" panose="02020603050405020304" pitchFamily="18" charset="0"/>
               </a:rPr>
@@ -17713,7 +17958,7 @@
           <p:cNvPr id="3" name="TextBox 2">
             <a:extLst>
               <a:ext uri="{FF2B5EF4-FFF2-40B4-BE49-F238E27FC236}">
-                <a16:creationId xmlns:a16="http://schemas.microsoft.com/office/drawing/2014/main" id="{9864BB64-0907-494A-8ACF-01D392F89735}"/>
+                <a16:creationId xmlns:a16="http://schemas.microsoft.com/office/drawing/2014/main" xmlns="" id="{9864BB64-0907-494A-8ACF-01D392F89735}"/>
               </a:ext>
             </a:extLst>
           </p:cNvPr>
@@ -17736,7 +17981,7 @@
           </a:bodyPr>
           <a:lstStyle/>
           <a:p>
-            <a:endParaRPr lang="en-VN" dirty="0"/>
+            <a:endParaRPr lang="x-none" dirty="0"/>
           </a:p>
         </p:txBody>
       </p:sp>
@@ -17934,7 +18179,7 @@
           <p:cNvPr id="8" name="Picture 7" descr="Diagram&#10;&#10;Description automatically generated">
             <a:extLst>
               <a:ext uri="{FF2B5EF4-FFF2-40B4-BE49-F238E27FC236}">
-                <a16:creationId xmlns:a16="http://schemas.microsoft.com/office/drawing/2014/main" id="{DD6DB37F-6A83-D445-A7B0-53200CFD0EDF}"/>
+                <a16:creationId xmlns:a16="http://schemas.microsoft.com/office/drawing/2014/main" xmlns="" id="{DD6DB37F-6A83-D445-A7B0-53200CFD0EDF}"/>
               </a:ext>
             </a:extLst>
           </p:cNvPr>
@@ -17995,7 +18240,7 @@
           <p:cNvPr id="2" name="Title 1">
             <a:extLst>
               <a:ext uri="{FF2B5EF4-FFF2-40B4-BE49-F238E27FC236}">
-                <a16:creationId xmlns:a16="http://schemas.microsoft.com/office/drawing/2014/main" id="{59BBDCA2-8677-AC4C-B539-6419CA888DAE}"/>
+                <a16:creationId xmlns:a16="http://schemas.microsoft.com/office/drawing/2014/main" xmlns="" id="{59BBDCA2-8677-AC4C-B539-6419CA888DAE}"/>
               </a:ext>
             </a:extLst>
           </p:cNvPr>
@@ -18017,7 +18262,7 @@
           <a:lstStyle/>
           <a:p>
             <a:r>
-              <a:rPr lang="en-VN" dirty="0">
+              <a:rPr lang="x-none" dirty="0">
                 <a:latin typeface="Times New Roman" panose="02020603050405020304" pitchFamily="18" charset="0"/>
                 <a:cs typeface="Times New Roman" panose="02020603050405020304" pitchFamily="18" charset="0"/>
               </a:rPr>
@@ -18031,7 +18276,7 @@
           <p:cNvPr id="3" name="Text Placeholder 2">
             <a:extLst>
               <a:ext uri="{FF2B5EF4-FFF2-40B4-BE49-F238E27FC236}">
-                <a16:creationId xmlns:a16="http://schemas.microsoft.com/office/drawing/2014/main" id="{9BDAF2E5-7F96-8848-82D8-B68D7BE33726}"/>
+                <a16:creationId xmlns:a16="http://schemas.microsoft.com/office/drawing/2014/main" xmlns="" id="{9BDAF2E5-7F96-8848-82D8-B68D7BE33726}"/>
               </a:ext>
             </a:extLst>
           </p:cNvPr>
@@ -18069,7 +18314,7 @@
           <p:cNvPr id="4" name="Slide Number Placeholder 3">
             <a:extLst>
               <a:ext uri="{FF2B5EF4-FFF2-40B4-BE49-F238E27FC236}">
-                <a16:creationId xmlns:a16="http://schemas.microsoft.com/office/drawing/2014/main" id="{D11FC423-D7D8-1D49-897A-12A9E10DCF92}"/>
+                <a16:creationId xmlns:a16="http://schemas.microsoft.com/office/drawing/2014/main" xmlns="" id="{D11FC423-D7D8-1D49-897A-12A9E10DCF92}"/>
               </a:ext>
             </a:extLst>
           </p:cNvPr>
@@ -18107,7 +18352,7 @@
           <p:cNvPr id="5" name="Picture 4" descr="Diagram&#10;&#10;Description automatically generated">
             <a:extLst>
               <a:ext uri="{FF2B5EF4-FFF2-40B4-BE49-F238E27FC236}">
-                <a16:creationId xmlns:a16="http://schemas.microsoft.com/office/drawing/2014/main" id="{F22EDE1E-5198-5A44-BC3E-7BCB97DB6788}"/>
+                <a16:creationId xmlns:a16="http://schemas.microsoft.com/office/drawing/2014/main" xmlns="" id="{F22EDE1E-5198-5A44-BC3E-7BCB97DB6788}"/>
               </a:ext>
             </a:extLst>
           </p:cNvPr>
@@ -18344,7 +18589,7 @@
           <p:cNvPr id="5" name="Picture 4" descr="Diagram&#10;&#10;Description automatically generated">
             <a:extLst>
               <a:ext uri="{FF2B5EF4-FFF2-40B4-BE49-F238E27FC236}">
-                <a16:creationId xmlns:a16="http://schemas.microsoft.com/office/drawing/2014/main" id="{32C61849-65ED-9645-84C6-33400D0307E1}"/>
+                <a16:creationId xmlns:a16="http://schemas.microsoft.com/office/drawing/2014/main" xmlns="" id="{32C61849-65ED-9645-84C6-33400D0307E1}"/>
               </a:ext>
             </a:extLst>
           </p:cNvPr>
@@ -18405,7 +18650,7 @@
           <p:cNvPr id="2" name="Title 1">
             <a:extLst>
               <a:ext uri="{FF2B5EF4-FFF2-40B4-BE49-F238E27FC236}">
-                <a16:creationId xmlns:a16="http://schemas.microsoft.com/office/drawing/2014/main" id="{D933AD64-EC9E-E84F-9F41-BE10E3C34D6E}"/>
+                <a16:creationId xmlns:a16="http://schemas.microsoft.com/office/drawing/2014/main" xmlns="" id="{D933AD64-EC9E-E84F-9F41-BE10E3C34D6E}"/>
               </a:ext>
             </a:extLst>
           </p:cNvPr>
@@ -18426,7 +18671,7 @@
           <a:bodyPr/>
           <a:lstStyle/>
           <a:p>
-            <a:endParaRPr lang="en-VN" dirty="0"/>
+            <a:endParaRPr lang="x-none" dirty="0"/>
           </a:p>
         </p:txBody>
       </p:sp>
@@ -18435,7 +18680,7 @@
           <p:cNvPr id="3" name="Text Placeholder 2">
             <a:extLst>
               <a:ext uri="{FF2B5EF4-FFF2-40B4-BE49-F238E27FC236}">
-                <a16:creationId xmlns:a16="http://schemas.microsoft.com/office/drawing/2014/main" id="{D9C24D7B-172B-0542-B793-7A10A3C80AF0}"/>
+                <a16:creationId xmlns:a16="http://schemas.microsoft.com/office/drawing/2014/main" xmlns="" id="{D9C24D7B-172B-0542-B793-7A10A3C80AF0}"/>
               </a:ext>
             </a:extLst>
           </p:cNvPr>
@@ -18457,7 +18702,7 @@
           <a:lstStyle/>
           <a:p>
             <a:r>
-              <a:rPr lang="en-VN" dirty="0">
+              <a:rPr lang="x-none" dirty="0">
                 <a:latin typeface="Times New Roman" panose="02020603050405020304" pitchFamily="18" charset="0"/>
                 <a:cs typeface="Times New Roman" panose="02020603050405020304" pitchFamily="18" charset="0"/>
               </a:rPr>
@@ -18471,7 +18716,7 @@
           <p:cNvPr id="4" name="Slide Number Placeholder 3">
             <a:extLst>
               <a:ext uri="{FF2B5EF4-FFF2-40B4-BE49-F238E27FC236}">
-                <a16:creationId xmlns:a16="http://schemas.microsoft.com/office/drawing/2014/main" id="{3480A6B7-D461-1045-86F9-D0310E0849DF}"/>
+                <a16:creationId xmlns:a16="http://schemas.microsoft.com/office/drawing/2014/main" xmlns="" id="{3480A6B7-D461-1045-86F9-D0310E0849DF}"/>
               </a:ext>
             </a:extLst>
           </p:cNvPr>
@@ -18509,7 +18754,7 @@
           <p:cNvPr id="5" name="Picture 4" descr="Diagram&#10;&#10;Description automatically generated">
             <a:extLst>
               <a:ext uri="{FF2B5EF4-FFF2-40B4-BE49-F238E27FC236}">
-                <a16:creationId xmlns:a16="http://schemas.microsoft.com/office/drawing/2014/main" id="{84C8629F-7840-B84B-93E7-2DF9D1035727}"/>
+                <a16:creationId xmlns:a16="http://schemas.microsoft.com/office/drawing/2014/main" xmlns="" id="{84C8629F-7840-B84B-93E7-2DF9D1035727}"/>
               </a:ext>
             </a:extLst>
           </p:cNvPr>
@@ -18575,7 +18820,7 @@
           <p:cNvPr id="2" name="Title 1">
             <a:extLst>
               <a:ext uri="{FF2B5EF4-FFF2-40B4-BE49-F238E27FC236}">
-                <a16:creationId xmlns:a16="http://schemas.microsoft.com/office/drawing/2014/main" id="{963CD5BC-D9F2-6346-A769-46CBC4EF683B}"/>
+                <a16:creationId xmlns:a16="http://schemas.microsoft.com/office/drawing/2014/main" xmlns="" id="{963CD5BC-D9F2-6346-A769-46CBC4EF683B}"/>
               </a:ext>
             </a:extLst>
           </p:cNvPr>
@@ -18596,7 +18841,7 @@
           <a:bodyPr/>
           <a:lstStyle/>
           <a:p>
-            <a:endParaRPr lang="en-VN" dirty="0"/>
+            <a:endParaRPr lang="x-none" dirty="0"/>
           </a:p>
         </p:txBody>
       </p:sp>
@@ -18605,7 +18850,7 @@
           <p:cNvPr id="3" name="Text Placeholder 2">
             <a:extLst>
               <a:ext uri="{FF2B5EF4-FFF2-40B4-BE49-F238E27FC236}">
-                <a16:creationId xmlns:a16="http://schemas.microsoft.com/office/drawing/2014/main" id="{97D3451C-34A0-EB4A-BBD7-EA73CC5E55BA}"/>
+                <a16:creationId xmlns:a16="http://schemas.microsoft.com/office/drawing/2014/main" xmlns="" id="{97D3451C-34A0-EB4A-BBD7-EA73CC5E55BA}"/>
               </a:ext>
             </a:extLst>
           </p:cNvPr>
@@ -18627,7 +18872,7 @@
           <a:lstStyle/>
           <a:p>
             <a:r>
-              <a:rPr lang="en-VN" dirty="0">
+              <a:rPr lang="x-none" dirty="0">
                 <a:latin typeface="Times New Roman" panose="02020603050405020304" pitchFamily="18" charset="0"/>
                 <a:cs typeface="Times New Roman" panose="02020603050405020304" pitchFamily="18" charset="0"/>
               </a:rPr>
@@ -18641,7 +18886,7 @@
           <p:cNvPr id="4" name="Slide Number Placeholder 3">
             <a:extLst>
               <a:ext uri="{FF2B5EF4-FFF2-40B4-BE49-F238E27FC236}">
-                <a16:creationId xmlns:a16="http://schemas.microsoft.com/office/drawing/2014/main" id="{D17B8D45-7E5F-C64D-8815-80EEE6C3AD1E}"/>
+                <a16:creationId xmlns:a16="http://schemas.microsoft.com/office/drawing/2014/main" xmlns="" id="{D17B8D45-7E5F-C64D-8815-80EEE6C3AD1E}"/>
               </a:ext>
             </a:extLst>
           </p:cNvPr>
@@ -18679,7 +18924,7 @@
           <p:cNvPr id="5" name="Picture 4" descr="Diagram&#10;&#10;Description automatically generated">
             <a:extLst>
               <a:ext uri="{FF2B5EF4-FFF2-40B4-BE49-F238E27FC236}">
-                <a16:creationId xmlns:a16="http://schemas.microsoft.com/office/drawing/2014/main" id="{7B0F3237-D563-8449-AA51-DEF428757344}"/>
+                <a16:creationId xmlns:a16="http://schemas.microsoft.com/office/drawing/2014/main" xmlns="" id="{7B0F3237-D563-8449-AA51-DEF428757344}"/>
               </a:ext>
             </a:extLst>
           </p:cNvPr>
@@ -18745,7 +18990,7 @@
           <p:cNvPr id="2" name="Title 1">
             <a:extLst>
               <a:ext uri="{FF2B5EF4-FFF2-40B4-BE49-F238E27FC236}">
-                <a16:creationId xmlns:a16="http://schemas.microsoft.com/office/drawing/2014/main" id="{735FBF23-314A-D149-A5A2-572B65FACA59}"/>
+                <a16:creationId xmlns:a16="http://schemas.microsoft.com/office/drawing/2014/main" xmlns="" id="{735FBF23-314A-D149-A5A2-572B65FACA59}"/>
               </a:ext>
             </a:extLst>
           </p:cNvPr>
@@ -18766,7 +19011,7 @@
           <a:bodyPr/>
           <a:lstStyle/>
           <a:p>
-            <a:endParaRPr lang="en-VN" dirty="0"/>
+            <a:endParaRPr lang="x-none" dirty="0"/>
           </a:p>
         </p:txBody>
       </p:sp>
@@ -18775,7 +19020,7 @@
           <p:cNvPr id="3" name="Text Placeholder 2">
             <a:extLst>
               <a:ext uri="{FF2B5EF4-FFF2-40B4-BE49-F238E27FC236}">
-                <a16:creationId xmlns:a16="http://schemas.microsoft.com/office/drawing/2014/main" id="{39120519-9E68-9D4C-8389-59D8433E3014}"/>
+                <a16:creationId xmlns:a16="http://schemas.microsoft.com/office/drawing/2014/main" xmlns="" id="{39120519-9E68-9D4C-8389-59D8433E3014}"/>
               </a:ext>
             </a:extLst>
           </p:cNvPr>
@@ -18799,7 +19044,7 @@
           <a:lstStyle/>
           <a:p>
             <a:r>
-              <a:rPr lang="en-VN" dirty="0">
+              <a:rPr lang="x-none" dirty="0">
                 <a:latin typeface="Times New Roman" panose="02020603050405020304" pitchFamily="18" charset="0"/>
                 <a:cs typeface="Times New Roman" panose="02020603050405020304" pitchFamily="18" charset="0"/>
               </a:rPr>
@@ -18813,7 +19058,7 @@
           <p:cNvPr id="4" name="Slide Number Placeholder 3">
             <a:extLst>
               <a:ext uri="{FF2B5EF4-FFF2-40B4-BE49-F238E27FC236}">
-                <a16:creationId xmlns:a16="http://schemas.microsoft.com/office/drawing/2014/main" id="{9461B3B5-B74C-E24D-80D0-DBB2E6C3852D}"/>
+                <a16:creationId xmlns:a16="http://schemas.microsoft.com/office/drawing/2014/main" xmlns="" id="{9461B3B5-B74C-E24D-80D0-DBB2E6C3852D}"/>
               </a:ext>
             </a:extLst>
           </p:cNvPr>
@@ -18851,7 +19096,7 @@
           <p:cNvPr id="6" name="Picture 5" descr="Diagram&#10;&#10;Description automatically generated">
             <a:extLst>
               <a:ext uri="{FF2B5EF4-FFF2-40B4-BE49-F238E27FC236}">
-                <a16:creationId xmlns:a16="http://schemas.microsoft.com/office/drawing/2014/main" id="{4F67EA23-88F1-8B42-BDB3-4527929D364E}"/>
+                <a16:creationId xmlns:a16="http://schemas.microsoft.com/office/drawing/2014/main" xmlns="" id="{4F67EA23-88F1-8B42-BDB3-4527929D364E}"/>
               </a:ext>
             </a:extLst>
           </p:cNvPr>
@@ -18917,7 +19162,7 @@
           <p:cNvPr id="2" name="Title 1">
             <a:extLst>
               <a:ext uri="{FF2B5EF4-FFF2-40B4-BE49-F238E27FC236}">
-                <a16:creationId xmlns:a16="http://schemas.microsoft.com/office/drawing/2014/main" id="{AAEC1A20-3027-9E41-96EA-6D1DCDC93272}"/>
+                <a16:creationId xmlns:a16="http://schemas.microsoft.com/office/drawing/2014/main" xmlns="" id="{AAEC1A20-3027-9E41-96EA-6D1DCDC93272}"/>
               </a:ext>
             </a:extLst>
           </p:cNvPr>
@@ -18933,7 +19178,7 @@
           <a:bodyPr/>
           <a:lstStyle/>
           <a:p>
-            <a:endParaRPr lang="en-VN" dirty="0"/>
+            <a:endParaRPr lang="x-none" dirty="0"/>
           </a:p>
         </p:txBody>
       </p:sp>
@@ -18942,7 +19187,7 @@
           <p:cNvPr id="3" name="Text Placeholder 2">
             <a:extLst>
               <a:ext uri="{FF2B5EF4-FFF2-40B4-BE49-F238E27FC236}">
-                <a16:creationId xmlns:a16="http://schemas.microsoft.com/office/drawing/2014/main" id="{59B45981-345E-AB42-8829-13CEF210BAF2}"/>
+                <a16:creationId xmlns:a16="http://schemas.microsoft.com/office/drawing/2014/main" xmlns="" id="{59B45981-345E-AB42-8829-13CEF210BAF2}"/>
               </a:ext>
             </a:extLst>
           </p:cNvPr>
@@ -18964,7 +19209,7 @@
           <a:lstStyle/>
           <a:p>
             <a:r>
-              <a:rPr lang="en-VN" dirty="0">
+              <a:rPr lang="x-none" dirty="0">
                 <a:latin typeface="Times New Roman" panose="02020603050405020304" pitchFamily="18" charset="0"/>
                 <a:cs typeface="Times New Roman" panose="02020603050405020304" pitchFamily="18" charset="0"/>
               </a:rPr>
@@ -18978,7 +19223,7 @@
           <p:cNvPr id="4" name="Slide Number Placeholder 3">
             <a:extLst>
               <a:ext uri="{FF2B5EF4-FFF2-40B4-BE49-F238E27FC236}">
-                <a16:creationId xmlns:a16="http://schemas.microsoft.com/office/drawing/2014/main" id="{A13BA40B-1464-B44F-B24B-1A3EB0AECC2A}"/>
+                <a16:creationId xmlns:a16="http://schemas.microsoft.com/office/drawing/2014/main" xmlns="" id="{A13BA40B-1464-B44F-B24B-1A3EB0AECC2A}"/>
               </a:ext>
             </a:extLst>
           </p:cNvPr>
@@ -19016,7 +19261,7 @@
           <p:cNvPr id="5" name="Picture 4" descr="Diagram&#10;&#10;Description automatically generated">
             <a:extLst>
               <a:ext uri="{FF2B5EF4-FFF2-40B4-BE49-F238E27FC236}">
-                <a16:creationId xmlns:a16="http://schemas.microsoft.com/office/drawing/2014/main" id="{22E75AA3-6B93-1D44-808E-69FEC616EF3B}"/>
+                <a16:creationId xmlns:a16="http://schemas.microsoft.com/office/drawing/2014/main" xmlns="" id="{22E75AA3-6B93-1D44-808E-69FEC616EF3B}"/>
               </a:ext>
             </a:extLst>
           </p:cNvPr>

--- a/FinalProject/Design/slide.pptx
+++ b/FinalProject/Design/slide.pptx
@@ -5,7 +5,7 @@
     <p:sldMasterId id="2147483648" r:id="rId1"/>
   </p:sldMasterIdLst>
   <p:notesMasterIdLst>
-    <p:notesMasterId r:id="rId17"/>
+    <p:notesMasterId r:id="rId18"/>
   </p:notesMasterIdLst>
   <p:sldIdLst>
     <p:sldId id="256" r:id="rId2"/>
@@ -20,24 +20,25 @@
     <p:sldId id="266" r:id="rId11"/>
     <p:sldId id="267" r:id="rId12"/>
     <p:sldId id="260" r:id="rId13"/>
-    <p:sldId id="269" r:id="rId14"/>
-    <p:sldId id="261" r:id="rId15"/>
-    <p:sldId id="270" r:id="rId16"/>
+    <p:sldId id="271" r:id="rId14"/>
+    <p:sldId id="269" r:id="rId15"/>
+    <p:sldId id="261" r:id="rId16"/>
+    <p:sldId id="270" r:id="rId17"/>
   </p:sldIdLst>
   <p:sldSz cx="9144000" cy="6858000" type="screen4x3"/>
   <p:notesSz cx="6858000" cy="9144000"/>
   <p:embeddedFontLst>
     <p:embeddedFont>
       <p:font typeface="Calibri" panose="020F0502020204030204" pitchFamily="34" charset="0"/>
-      <p:regular r:id="rId18"/>
-      <p:bold r:id="rId19"/>
-      <p:italic r:id="rId20"/>
-      <p:boldItalic r:id="rId21"/>
+      <p:regular r:id="rId19"/>
+      <p:bold r:id="rId20"/>
+      <p:italic r:id="rId21"/>
+      <p:boldItalic r:id="rId22"/>
     </p:embeddedFont>
     <p:embeddedFont>
       <p:font typeface="Tahoma" panose="020B0604030504040204" pitchFamily="34" charset="0"/>
-      <p:regular r:id="rId22"/>
-      <p:bold r:id="rId23"/>
+      <p:regular r:id="rId23"/>
+      <p:bold r:id="rId24"/>
     </p:embeddedFont>
   </p:embeddedFontLst>
   <p:defaultTextStyle>
@@ -271,10 +272,21 @@
   </p:defaultTextStyle>
   <p:extLst>
     <p:ext uri="{EFAFB233-063F-42B5-8137-9DF3F51BA10A}">
-      <p15:sldGuideLst xmlns:p15="http://schemas.microsoft.com/office/powerpoint/2012/main" xmlns=""/>
+      <p15:sldGuideLst xmlns:p15="http://schemas.microsoft.com/office/powerpoint/2012/main">
+        <p15:guide id="1" orient="horz" pos="2160">
+          <p15:clr>
+            <a:srgbClr val="A4A3A4"/>
+          </p15:clr>
+        </p15:guide>
+        <p15:guide id="2" pos="2880">
+          <p15:clr>
+            <a:srgbClr val="A4A3A4"/>
+          </p15:clr>
+        </p15:guide>
+      </p15:sldGuideLst>
     </p:ext>
     <p:ext uri="http://customooxmlschemas.google.com/">
-      <go:slidesCustomData xmlns:go="http://customooxmlschemas.google.com/" xmlns:ahyp="http://schemas.microsoft.com/office/drawing/2018/hyperlinkcolor" xmlns:p15="http://schemas.microsoft.com/office/powerpoint/2012/main" xmlns:p14="http://schemas.microsoft.com/office/powerpoint/2010/main" xmlns:com="http://schemas.openxmlformats.org/drawingml/2006/compatibility" xmlns:pvml="urn:schemas-microsoft-com:office:powerpoint" xmlns:v="urn:schemas-microsoft-com:vml" xmlns:o="urn:schemas-microsoft-com:office:office" xmlns:dgm="http://schemas.openxmlformats.org/drawingml/2006/diagram" xmlns:c="http://schemas.openxmlformats.org/drawingml/2006/chart" xmlns:mv="urn:schemas-microsoft-com:mac:vml" xmlns:mc="http://schemas.openxmlformats.org/markup-compatibility/2006" xmlns="" r:id="rId24" roundtripDataSignature="AMtx7mhThS+/QUg8gGh88W5YQVbRCe36SQ=="/>
+      <go:slidesCustomData xmlns:go="http://customooxmlschemas.google.com/" xmlns:ahyp="http://schemas.microsoft.com/office/drawing/2018/hyperlinkcolor" xmlns:p15="http://schemas.microsoft.com/office/powerpoint/2012/main" xmlns:p14="http://schemas.microsoft.com/office/powerpoint/2010/main" xmlns:com="http://schemas.openxmlformats.org/drawingml/2006/compatibility" xmlns:pvml="urn:schemas-microsoft-com:office:powerpoint" xmlns:v="urn:schemas-microsoft-com:vml" xmlns:o="urn:schemas-microsoft-com:office:office" xmlns:dgm="http://schemas.openxmlformats.org/drawingml/2006/diagram" xmlns:c="http://schemas.openxmlformats.org/drawingml/2006/chart" xmlns:mv="urn:schemas-microsoft-com:mac:vml" xmlns:mc="http://schemas.openxmlformats.org/markup-compatibility/2006" xmlns="" r:id="rId25" roundtripDataSignature="AMtx7mhThS+/QUg8gGh88W5YQVbRCe36SQ=="/>
     </p:ext>
   </p:extLst>
 </p:presentation>
@@ -1986,7 +1998,7 @@
                 <a:cs typeface="Calibri"/>
                 <a:sym typeface="Calibri"/>
               </a:rPr>
-              <a:t>13</a:t>
+              <a:t>14</a:t>
             </a:fld>
             <a:endParaRPr lang="en-US" sz="1200" b="0" i="0" u="none" strike="noStrike" cap="none">
               <a:solidFill>
@@ -2199,7 +2211,7 @@
                 <a:cs typeface="Calibri"/>
                 <a:sym typeface="Calibri"/>
               </a:rPr>
-              <a:t>15</a:t>
+              <a:t>16</a:t>
             </a:fld>
             <a:endParaRPr lang="en-US" sz="1200" b="0" i="0" u="none" strike="noStrike" cap="none">
               <a:solidFill>
@@ -13953,7 +13965,7 @@
           <p:cNvPr id="2" name="Title 1">
             <a:extLst>
               <a:ext uri="{FF2B5EF4-FFF2-40B4-BE49-F238E27FC236}">
-                <a16:creationId xmlns:a16="http://schemas.microsoft.com/office/drawing/2014/main" xmlns="" id="{541CB3EF-6861-A14E-B512-58214DED09D4}"/>
+                <a16:creationId xmlns:a16="http://schemas.microsoft.com/office/drawing/2014/main" id="{541CB3EF-6861-A14E-B512-58214DED09D4}"/>
               </a:ext>
             </a:extLst>
           </p:cNvPr>
@@ -13983,7 +13995,7 @@
           <p:cNvPr id="3" name="Text Placeholder 2">
             <a:extLst>
               <a:ext uri="{FF2B5EF4-FFF2-40B4-BE49-F238E27FC236}">
-                <a16:creationId xmlns:a16="http://schemas.microsoft.com/office/drawing/2014/main" xmlns="" id="{5028D004-C598-974C-B8F7-618B58866CFF}"/>
+                <a16:creationId xmlns:a16="http://schemas.microsoft.com/office/drawing/2014/main" id="{5028D004-C598-974C-B8F7-618B58866CFF}"/>
               </a:ext>
             </a:extLst>
           </p:cNvPr>
@@ -14019,7 +14031,7 @@
           <p:cNvPr id="4" name="Slide Number Placeholder 3">
             <a:extLst>
               <a:ext uri="{FF2B5EF4-FFF2-40B4-BE49-F238E27FC236}">
-                <a16:creationId xmlns:a16="http://schemas.microsoft.com/office/drawing/2014/main" xmlns="" id="{E08C04B6-996D-6C43-828C-97340C14CD68}"/>
+                <a16:creationId xmlns:a16="http://schemas.microsoft.com/office/drawing/2014/main" id="{E08C04B6-996D-6C43-828C-97340C14CD68}"/>
               </a:ext>
             </a:extLst>
           </p:cNvPr>
@@ -14057,7 +14069,7 @@
           <p:cNvPr id="5" name="Picture 4" descr="Diagram&#10;&#10;Description automatically generated">
             <a:extLst>
               <a:ext uri="{FF2B5EF4-FFF2-40B4-BE49-F238E27FC236}">
-                <a16:creationId xmlns:a16="http://schemas.microsoft.com/office/drawing/2014/main" xmlns="" id="{AA46342D-77AD-0741-8D22-5107DB9C0BC1}"/>
+                <a16:creationId xmlns:a16="http://schemas.microsoft.com/office/drawing/2014/main" id="{AA46342D-77AD-0741-8D22-5107DB9C0BC1}"/>
               </a:ext>
             </a:extLst>
           </p:cNvPr>
@@ -14123,7 +14135,7 @@
           <p:cNvPr id="2" name="Title 1">
             <a:extLst>
               <a:ext uri="{FF2B5EF4-FFF2-40B4-BE49-F238E27FC236}">
-                <a16:creationId xmlns:a16="http://schemas.microsoft.com/office/drawing/2014/main" xmlns="" id="{AFB4CB8B-C81E-F441-B36A-9736E25070A2}"/>
+                <a16:creationId xmlns:a16="http://schemas.microsoft.com/office/drawing/2014/main" id="{AFB4CB8B-C81E-F441-B36A-9736E25070A2}"/>
               </a:ext>
             </a:extLst>
           </p:cNvPr>
@@ -14153,7 +14165,7 @@
           <p:cNvPr id="3" name="Text Placeholder 2">
             <a:extLst>
               <a:ext uri="{FF2B5EF4-FFF2-40B4-BE49-F238E27FC236}">
-                <a16:creationId xmlns:a16="http://schemas.microsoft.com/office/drawing/2014/main" xmlns="" id="{9A19AC1E-D4C3-9549-9721-44D549B45468}"/>
+                <a16:creationId xmlns:a16="http://schemas.microsoft.com/office/drawing/2014/main" id="{9A19AC1E-D4C3-9549-9721-44D549B45468}"/>
               </a:ext>
             </a:extLst>
           </p:cNvPr>
@@ -14189,7 +14201,7 @@
           <p:cNvPr id="4" name="Slide Number Placeholder 3">
             <a:extLst>
               <a:ext uri="{FF2B5EF4-FFF2-40B4-BE49-F238E27FC236}">
-                <a16:creationId xmlns:a16="http://schemas.microsoft.com/office/drawing/2014/main" xmlns="" id="{11E13445-923B-6545-AE3A-D8159C24E33F}"/>
+                <a16:creationId xmlns:a16="http://schemas.microsoft.com/office/drawing/2014/main" id="{11E13445-923B-6545-AE3A-D8159C24E33F}"/>
               </a:ext>
             </a:extLst>
           </p:cNvPr>
@@ -14227,7 +14239,7 @@
           <p:cNvPr id="5" name="Picture 4" descr="Diagram&#10;&#10;Description automatically generated">
             <a:extLst>
               <a:ext uri="{FF2B5EF4-FFF2-40B4-BE49-F238E27FC236}">
-                <a16:creationId xmlns:a16="http://schemas.microsoft.com/office/drawing/2014/main" xmlns="" id="{B35B7B1B-3DAD-6D42-91CF-B8D271F34435}"/>
+                <a16:creationId xmlns:a16="http://schemas.microsoft.com/office/drawing/2014/main" id="{B35B7B1B-3DAD-6D42-91CF-B8D271F34435}"/>
               </a:ext>
             </a:extLst>
           </p:cNvPr>
@@ -14406,7 +14418,7 @@
           <p:cNvPr id="2" name="Text Placeholder 1">
             <a:extLst>
               <a:ext uri="{FF2B5EF4-FFF2-40B4-BE49-F238E27FC236}">
-                <a16:creationId xmlns:a16="http://schemas.microsoft.com/office/drawing/2014/main" xmlns="" id="{1A640CD8-6B8F-6B48-AAD3-19B047ED606D}"/>
+                <a16:creationId xmlns:a16="http://schemas.microsoft.com/office/drawing/2014/main" id="{1A640CD8-6B8F-6B48-AAD3-19B047ED606D}"/>
               </a:ext>
             </a:extLst>
           </p:cNvPr>
@@ -14420,7 +14432,7 @@
         <p:spPr>
           <a:xfrm>
             <a:off x="488950" y="1346201"/>
-            <a:ext cx="7387953" cy="3186610"/>
+            <a:ext cx="8446044" cy="4310016"/>
           </a:xfrm>
         </p:spPr>
         <p:txBody>
@@ -14697,25 +14709,135 @@
           <a:p>
             <a:pPr lvl="1"/>
             <a:r>
-              <a:rPr lang="x-none" dirty="0">
-                <a:latin typeface="Times New Roman" panose="02020603050405020304" pitchFamily="18" charset="0"/>
-                <a:cs typeface="Times New Roman" panose="02020603050405020304" pitchFamily="18" charset="0"/>
-              </a:rPr>
-              <a:t>Cohesion : phần lớn các package đều có mức cohesion là functional hoặc logical</a:t>
-            </a:r>
+              <a:rPr lang="x-none" sz="2000" dirty="0">
+                <a:latin typeface="Times New Roman" panose="02020603050405020304" pitchFamily="18" charset="0"/>
+                <a:cs typeface="Times New Roman" panose="02020603050405020304" pitchFamily="18" charset="0"/>
+              </a:rPr>
+              <a:t>Cohesion </a:t>
+            </a:r>
+            <a:r>
+              <a:rPr lang="x-none" sz="2000">
+                <a:latin typeface="Times New Roman" panose="02020603050405020304" pitchFamily="18" charset="0"/>
+                <a:cs typeface="Times New Roman" panose="02020603050405020304" pitchFamily="18" charset="0"/>
+              </a:rPr>
+              <a:t>: </a:t>
+            </a:r>
+            <a:endParaRPr lang="vi-VN" sz="2000" dirty="0">
+              <a:latin typeface="Times New Roman" panose="02020603050405020304" pitchFamily="18" charset="0"/>
+              <a:cs typeface="Times New Roman" panose="02020603050405020304" pitchFamily="18" charset="0"/>
+            </a:endParaRPr>
           </a:p>
           <a:p>
-            <a:pPr lvl="1"/>
-            <a:r>
-              <a:rPr lang="x-none" dirty="0">
-                <a:latin typeface="Times New Roman" panose="02020603050405020304" pitchFamily="18" charset="0"/>
-                <a:cs typeface="Times New Roman" panose="02020603050405020304" pitchFamily="18" charset="0"/>
-              </a:rPr>
-              <a:t>Coupling : phần lớn các package đều có mức coupling là data coupling</a:t>
+            <a:pPr lvl="2"/>
+            <a:r>
+              <a:rPr lang="en-US" sz="2000" dirty="0">
+                <a:latin typeface="Times New Roman" panose="02020603050405020304" pitchFamily="18" charset="0"/>
+                <a:cs typeface="Times New Roman" panose="02020603050405020304" pitchFamily="18" charset="0"/>
+              </a:rPr>
+              <a:t>V</a:t>
+            </a:r>
+            <a:r>
+              <a:rPr lang="en-VN" sz="2000" dirty="0">
+                <a:latin typeface="Times New Roman" panose="02020603050405020304" pitchFamily="18" charset="0"/>
+                <a:cs typeface="Times New Roman" panose="02020603050405020304" pitchFamily="18" charset="0"/>
+              </a:rPr>
+              <a:t>iews package : Functional</a:t>
             </a:r>
           </a:p>
           <a:p>
-            <a:pPr lvl="1"/>
+            <a:pPr lvl="2"/>
+            <a:r>
+              <a:rPr lang="en-VN" sz="2000" dirty="0">
+                <a:latin typeface="Times New Roman" panose="02020603050405020304" pitchFamily="18" charset="0"/>
+                <a:cs typeface="Times New Roman" panose="02020603050405020304" pitchFamily="18" charset="0"/>
+              </a:rPr>
+              <a:t>Controller package : </a:t>
+            </a:r>
+            <a:r>
+              <a:rPr lang="en-US" sz="2000" dirty="0">
+                <a:latin typeface="Times New Roman" panose="02020603050405020304" pitchFamily="18" charset="0"/>
+                <a:cs typeface="Times New Roman" panose="02020603050405020304" pitchFamily="18" charset="0"/>
+              </a:rPr>
+              <a:t>Communicational</a:t>
+            </a:r>
+            <a:r>
+              <a:rPr lang="en-VN" sz="2000" dirty="0">
+                <a:latin typeface="Times New Roman" panose="02020603050405020304" pitchFamily="18" charset="0"/>
+                <a:cs typeface="Times New Roman" panose="02020603050405020304" pitchFamily="18" charset="0"/>
+              </a:rPr>
+              <a:t> </a:t>
+            </a:r>
+          </a:p>
+          <a:p>
+            <a:pPr lvl="2"/>
+            <a:r>
+              <a:rPr lang="en-US" sz="2000" dirty="0">
+                <a:latin typeface="Times New Roman" panose="02020603050405020304" pitchFamily="18" charset="0"/>
+                <a:cs typeface="Times New Roman" panose="02020603050405020304" pitchFamily="18" charset="0"/>
+              </a:rPr>
+              <a:t>A</a:t>
+            </a:r>
+            <a:r>
+              <a:rPr lang="en-VN" sz="2000" dirty="0">
+                <a:latin typeface="Times New Roman" panose="02020603050405020304" pitchFamily="18" charset="0"/>
+                <a:cs typeface="Times New Roman" panose="02020603050405020304" pitchFamily="18" charset="0"/>
+              </a:rPr>
+              <a:t>ccessor package : </a:t>
+            </a:r>
+            <a:r>
+              <a:rPr lang="en-US" sz="2000" dirty="0">
+                <a:latin typeface="Times New Roman" panose="02020603050405020304" pitchFamily="18" charset="0"/>
+                <a:cs typeface="Times New Roman" panose="02020603050405020304" pitchFamily="18" charset="0"/>
+              </a:rPr>
+              <a:t>Communicational</a:t>
+            </a:r>
+            <a:r>
+              <a:rPr lang="en-VN" sz="2000" dirty="0">
+                <a:latin typeface="Times New Roman" panose="02020603050405020304" pitchFamily="18" charset="0"/>
+                <a:cs typeface="Times New Roman" panose="02020603050405020304" pitchFamily="18" charset="0"/>
+              </a:rPr>
+              <a:t> </a:t>
+            </a:r>
+          </a:p>
+          <a:p>
+            <a:pPr lvl="2"/>
+            <a:r>
+              <a:rPr lang="en-VN" sz="2000" dirty="0">
+                <a:latin typeface="Times New Roman" panose="02020603050405020304" pitchFamily="18" charset="0"/>
+                <a:cs typeface="Times New Roman" panose="02020603050405020304" pitchFamily="18" charset="0"/>
+              </a:rPr>
+              <a:t>Barcode package : Functional</a:t>
+            </a:r>
+          </a:p>
+          <a:p>
+            <a:pPr lvl="2"/>
+            <a:r>
+              <a:rPr lang="en-VN" sz="2000" dirty="0">
+                <a:latin typeface="Times New Roman" panose="02020603050405020304" pitchFamily="18" charset="0"/>
+                <a:cs typeface="Times New Roman" panose="02020603050405020304" pitchFamily="18" charset="0"/>
+              </a:rPr>
+              <a:t>Checkout package : </a:t>
+            </a:r>
+            <a:r>
+              <a:rPr lang="en-US" sz="2000" dirty="0">
+                <a:latin typeface="Times New Roman" panose="02020603050405020304" pitchFamily="18" charset="0"/>
+                <a:cs typeface="Times New Roman" panose="02020603050405020304" pitchFamily="18" charset="0"/>
+              </a:rPr>
+              <a:t>Communicational</a:t>
+            </a:r>
+            <a:r>
+              <a:rPr lang="en-VN" sz="2000" dirty="0"/>
+              <a:t> </a:t>
+            </a:r>
+            <a:endParaRPr lang="x-none" sz="2000" dirty="0">
+              <a:latin typeface="Times New Roman" panose="02020603050405020304" pitchFamily="18" charset="0"/>
+              <a:cs typeface="Times New Roman" panose="02020603050405020304" pitchFamily="18" charset="0"/>
+            </a:endParaRPr>
+          </a:p>
+          <a:p>
+            <a:pPr marL="571500" lvl="1" indent="0">
+              <a:buNone/>
+            </a:pPr>
             <a:endParaRPr lang="x-none" dirty="0">
               <a:latin typeface="Times New Roman" panose="02020603050405020304" pitchFamily="18" charset="0"/>
               <a:cs typeface="Times New Roman" panose="02020603050405020304" pitchFamily="18" charset="0"/>
@@ -14753,7 +14875,254 @@
           <p:cNvPr id="2" name="Title 1">
             <a:extLst>
               <a:ext uri="{FF2B5EF4-FFF2-40B4-BE49-F238E27FC236}">
-                <a16:creationId xmlns:a16="http://schemas.microsoft.com/office/drawing/2014/main" xmlns="" id="{E159F066-CE8D-9346-B259-F145A5ED52A2}"/>
+                <a16:creationId xmlns:a16="http://schemas.microsoft.com/office/drawing/2014/main" id="{0630B892-6EBC-7D42-BB34-93E68A6848A7}"/>
+              </a:ext>
+            </a:extLst>
+          </p:cNvPr>
+          <p:cNvSpPr>
+            <a:spLocks noGrp="1"/>
+          </p:cNvSpPr>
+          <p:nvPr>
+            <p:ph type="title"/>
+          </p:nvPr>
+        </p:nvSpPr>
+        <p:spPr/>
+        <p:txBody>
+          <a:bodyPr/>
+          <a:lstStyle/>
+          <a:p>
+            <a:endParaRPr lang="en-VN"/>
+          </a:p>
+        </p:txBody>
+      </p:sp>
+      <p:sp>
+        <p:nvSpPr>
+          <p:cNvPr id="3" name="Text Placeholder 2">
+            <a:extLst>
+              <a:ext uri="{FF2B5EF4-FFF2-40B4-BE49-F238E27FC236}">
+                <a16:creationId xmlns:a16="http://schemas.microsoft.com/office/drawing/2014/main" id="{F7230974-82D5-7C41-8E4D-7FD1D2B2F3BF}"/>
+              </a:ext>
+            </a:extLst>
+          </p:cNvPr>
+          <p:cNvSpPr>
+            <a:spLocks noGrp="1"/>
+          </p:cNvSpPr>
+          <p:nvPr>
+            <p:ph type="body" idx="1"/>
+          </p:nvPr>
+        </p:nvSpPr>
+        <p:spPr/>
+        <p:txBody>
+          <a:bodyPr>
+            <a:normAutofit/>
+          </a:bodyPr>
+          <a:lstStyle/>
+          <a:p>
+            <a:pPr lvl="1"/>
+            <a:r>
+              <a:rPr lang="en-VN" sz="2000" dirty="0">
+                <a:latin typeface="Times New Roman" panose="02020603050405020304" pitchFamily="18" charset="0"/>
+                <a:cs typeface="Times New Roman" panose="02020603050405020304" pitchFamily="18" charset="0"/>
+              </a:rPr>
+              <a:t>Coupling : </a:t>
+            </a:r>
+          </a:p>
+          <a:p>
+            <a:pPr lvl="2"/>
+            <a:r>
+              <a:rPr lang="en-US" sz="2000" dirty="0">
+                <a:latin typeface="Times New Roman" panose="02020603050405020304" pitchFamily="18" charset="0"/>
+                <a:cs typeface="Times New Roman" panose="02020603050405020304" pitchFamily="18" charset="0"/>
+              </a:rPr>
+              <a:t>V</a:t>
+            </a:r>
+            <a:r>
+              <a:rPr lang="en-VN" sz="2000" dirty="0">
+                <a:latin typeface="Times New Roman" panose="02020603050405020304" pitchFamily="18" charset="0"/>
+                <a:cs typeface="Times New Roman" panose="02020603050405020304" pitchFamily="18" charset="0"/>
+              </a:rPr>
+              <a:t>iews package : data coupling</a:t>
+            </a:r>
+          </a:p>
+          <a:p>
+            <a:pPr lvl="2"/>
+            <a:r>
+              <a:rPr lang="en-VN" sz="2000" dirty="0">
+                <a:latin typeface="Times New Roman" panose="02020603050405020304" pitchFamily="18" charset="0"/>
+                <a:cs typeface="Times New Roman" panose="02020603050405020304" pitchFamily="18" charset="0"/>
+              </a:rPr>
+              <a:t>Controller package : </a:t>
+            </a:r>
+            <a:r>
+              <a:rPr lang="en-US" sz="2000" dirty="0">
+                <a:latin typeface="Times New Roman" panose="02020603050405020304" pitchFamily="18" charset="0"/>
+                <a:cs typeface="Times New Roman" panose="02020603050405020304" pitchFamily="18" charset="0"/>
+              </a:rPr>
+              <a:t>data coupling</a:t>
+            </a:r>
+            <a:r>
+              <a:rPr lang="en-VN" sz="2000" dirty="0">
+                <a:latin typeface="Times New Roman" panose="02020603050405020304" pitchFamily="18" charset="0"/>
+                <a:cs typeface="Times New Roman" panose="02020603050405020304" pitchFamily="18" charset="0"/>
+              </a:rPr>
+              <a:t> </a:t>
+            </a:r>
+          </a:p>
+          <a:p>
+            <a:pPr lvl="2"/>
+            <a:r>
+              <a:rPr lang="en-US" sz="2000" dirty="0">
+                <a:latin typeface="Times New Roman" panose="02020603050405020304" pitchFamily="18" charset="0"/>
+                <a:cs typeface="Times New Roman" panose="02020603050405020304" pitchFamily="18" charset="0"/>
+              </a:rPr>
+              <a:t>A</a:t>
+            </a:r>
+            <a:r>
+              <a:rPr lang="en-VN" sz="2000" dirty="0">
+                <a:latin typeface="Times New Roman" panose="02020603050405020304" pitchFamily="18" charset="0"/>
+                <a:cs typeface="Times New Roman" panose="02020603050405020304" pitchFamily="18" charset="0"/>
+              </a:rPr>
+              <a:t>ccessor package : </a:t>
+            </a:r>
+            <a:r>
+              <a:rPr lang="en-US" sz="2000" dirty="0">
+                <a:latin typeface="Times New Roman" panose="02020603050405020304" pitchFamily="18" charset="0"/>
+                <a:cs typeface="Times New Roman" panose="02020603050405020304" pitchFamily="18" charset="0"/>
+              </a:rPr>
+              <a:t>data coupling</a:t>
+            </a:r>
+            <a:r>
+              <a:rPr lang="en-VN" sz="2000" dirty="0">
+                <a:latin typeface="Times New Roman" panose="02020603050405020304" pitchFamily="18" charset="0"/>
+                <a:cs typeface="Times New Roman" panose="02020603050405020304" pitchFamily="18" charset="0"/>
+              </a:rPr>
+              <a:t> </a:t>
+            </a:r>
+          </a:p>
+          <a:p>
+            <a:pPr lvl="2"/>
+            <a:r>
+              <a:rPr lang="en-VN" sz="2000" dirty="0">
+                <a:latin typeface="Times New Roman" panose="02020603050405020304" pitchFamily="18" charset="0"/>
+                <a:cs typeface="Times New Roman" panose="02020603050405020304" pitchFamily="18" charset="0"/>
+              </a:rPr>
+              <a:t>Barcode package : </a:t>
+            </a:r>
+            <a:r>
+              <a:rPr lang="en-US" sz="2000" dirty="0">
+                <a:latin typeface="Times New Roman" panose="02020603050405020304" pitchFamily="18" charset="0"/>
+                <a:cs typeface="Times New Roman" panose="02020603050405020304" pitchFamily="18" charset="0"/>
+              </a:rPr>
+              <a:t>data coupling</a:t>
+            </a:r>
+            <a:r>
+              <a:rPr lang="en-VN" sz="2000" dirty="0">
+                <a:latin typeface="Times New Roman" panose="02020603050405020304" pitchFamily="18" charset="0"/>
+                <a:cs typeface="Times New Roman" panose="02020603050405020304" pitchFamily="18" charset="0"/>
+              </a:rPr>
+              <a:t> </a:t>
+            </a:r>
+          </a:p>
+          <a:p>
+            <a:pPr lvl="2"/>
+            <a:r>
+              <a:rPr lang="en-VN" sz="2000" dirty="0">
+                <a:latin typeface="Times New Roman" panose="02020603050405020304" pitchFamily="18" charset="0"/>
+                <a:cs typeface="Times New Roman" panose="02020603050405020304" pitchFamily="18" charset="0"/>
+              </a:rPr>
+              <a:t>Checkout package : </a:t>
+            </a:r>
+            <a:r>
+              <a:rPr lang="en-US" sz="2000" dirty="0">
+                <a:latin typeface="Times New Roman" panose="02020603050405020304" pitchFamily="18" charset="0"/>
+                <a:cs typeface="Times New Roman" panose="02020603050405020304" pitchFamily="18" charset="0"/>
+              </a:rPr>
+              <a:t>data coupling</a:t>
+            </a:r>
+            <a:r>
+              <a:rPr lang="en-VN" sz="2000" dirty="0">
+                <a:latin typeface="Times New Roman" panose="02020603050405020304" pitchFamily="18" charset="0"/>
+                <a:cs typeface="Times New Roman" panose="02020603050405020304" pitchFamily="18" charset="0"/>
+              </a:rPr>
+              <a:t> </a:t>
+            </a:r>
+          </a:p>
+        </p:txBody>
+      </p:sp>
+      <p:sp>
+        <p:nvSpPr>
+          <p:cNvPr id="4" name="Slide Number Placeholder 3">
+            <a:extLst>
+              <a:ext uri="{FF2B5EF4-FFF2-40B4-BE49-F238E27FC236}">
+                <a16:creationId xmlns:a16="http://schemas.microsoft.com/office/drawing/2014/main" id="{7DD480A1-D8F2-0C45-A5E9-C2C15CC112E4}"/>
+              </a:ext>
+            </a:extLst>
+          </p:cNvPr>
+          <p:cNvSpPr>
+            <a:spLocks noGrp="1"/>
+          </p:cNvSpPr>
+          <p:nvPr>
+            <p:ph type="sldNum" idx="12"/>
+          </p:nvPr>
+        </p:nvSpPr>
+        <p:spPr/>
+        <p:txBody>
+          <a:bodyPr/>
+          <a:lstStyle/>
+          <a:p>
+            <a:pPr marL="0" lvl="0" indent="0" algn="r" rtl="0">
+              <a:spcBef>
+                <a:spcPts val="0"/>
+              </a:spcBef>
+              <a:spcAft>
+                <a:spcPts val="0"/>
+              </a:spcAft>
+              <a:buNone/>
+            </a:pPr>
+            <a:fld id="{00000000-1234-1234-1234-123412341234}" type="slidenum">
+              <a:rPr lang="en-US" smtClean="0"/>
+              <a:t>13</a:t>
+            </a:fld>
+            <a:endParaRPr lang="en-US"/>
+          </a:p>
+        </p:txBody>
+      </p:sp>
+    </p:spTree>
+    <p:extLst>
+      <p:ext uri="{BB962C8B-B14F-4D97-AF65-F5344CB8AC3E}">
+        <p14:creationId xmlns:p14="http://schemas.microsoft.com/office/powerpoint/2010/main" val="3796801185"/>
+      </p:ext>
+    </p:extLst>
+  </p:cSld>
+  <p:clrMapOvr>
+    <a:masterClrMapping/>
+  </p:clrMapOvr>
+</p:sld>
+</file>
+
+<file path=ppt/slides/slide14.xml><?xml version="1.0" encoding="utf-8"?>
+<p:sld xmlns:a="http://schemas.openxmlformats.org/drawingml/2006/main" xmlns:r="http://schemas.openxmlformats.org/officeDocument/2006/relationships" xmlns:p="http://schemas.openxmlformats.org/presentationml/2006/main">
+  <p:cSld>
+    <p:spTree>
+      <p:nvGrpSpPr>
+        <p:cNvPr id="1" name=""/>
+        <p:cNvGrpSpPr/>
+        <p:nvPr/>
+      </p:nvGrpSpPr>
+      <p:grpSpPr>
+        <a:xfrm>
+          <a:off x="0" y="0"/>
+          <a:ext cx="0" cy="0"/>
+          <a:chOff x="0" y="0"/>
+          <a:chExt cx="0" cy="0"/>
+        </a:xfrm>
+      </p:grpSpPr>
+      <p:sp>
+        <p:nvSpPr>
+          <p:cNvPr id="2" name="Title 1">
+            <a:extLst>
+              <a:ext uri="{FF2B5EF4-FFF2-40B4-BE49-F238E27FC236}">
+                <a16:creationId xmlns:a16="http://schemas.microsoft.com/office/drawing/2014/main" id="{E159F066-CE8D-9346-B259-F145A5ED52A2}"/>
               </a:ext>
             </a:extLst>
           </p:cNvPr>
@@ -14778,7 +15147,7 @@
           <p:cNvPr id="3" name="Text Placeholder 2">
             <a:extLst>
               <a:ext uri="{FF2B5EF4-FFF2-40B4-BE49-F238E27FC236}">
-                <a16:creationId xmlns:a16="http://schemas.microsoft.com/office/drawing/2014/main" xmlns="" id="{8FF7BE8F-1204-CE42-A8B3-A8B8CDF84C6A}"/>
+                <a16:creationId xmlns:a16="http://schemas.microsoft.com/office/drawing/2014/main" id="{8FF7BE8F-1204-CE42-A8B3-A8B8CDF84C6A}"/>
               </a:ext>
             </a:extLst>
           </p:cNvPr>
@@ -14819,17 +15188,66 @@
               <a:t>: </a:t>
             </a:r>
             <a:r>
-              <a:rPr lang="en-US" smtClean="0">
-                <a:latin typeface="Times New Roman" panose="02020603050405020304" pitchFamily="18" charset="0"/>
-                <a:cs typeface="Times New Roman" panose="02020603050405020304" pitchFamily="18" charset="0"/>
-              </a:rPr>
-              <a:t>Tất cả các lớp </a:t>
-            </a:r>
-            <a:r>
               <a:rPr lang="en-US" dirty="0" err="1">
                 <a:latin typeface="Times New Roman" panose="02020603050405020304" pitchFamily="18" charset="0"/>
                 <a:cs typeface="Times New Roman" panose="02020603050405020304" pitchFamily="18" charset="0"/>
               </a:rPr>
+              <a:t>Tất</a:t>
+            </a:r>
+            <a:r>
+              <a:rPr lang="en-US" dirty="0">
+                <a:latin typeface="Times New Roman" panose="02020603050405020304" pitchFamily="18" charset="0"/>
+                <a:cs typeface="Times New Roman" panose="02020603050405020304" pitchFamily="18" charset="0"/>
+              </a:rPr>
+              <a:t> </a:t>
+            </a:r>
+            <a:r>
+              <a:rPr lang="en-US" dirty="0" err="1">
+                <a:latin typeface="Times New Roman" panose="02020603050405020304" pitchFamily="18" charset="0"/>
+                <a:cs typeface="Times New Roman" panose="02020603050405020304" pitchFamily="18" charset="0"/>
+              </a:rPr>
+              <a:t>cả</a:t>
+            </a:r>
+            <a:r>
+              <a:rPr lang="en-US" dirty="0">
+                <a:latin typeface="Times New Roman" panose="02020603050405020304" pitchFamily="18" charset="0"/>
+                <a:cs typeface="Times New Roman" panose="02020603050405020304" pitchFamily="18" charset="0"/>
+              </a:rPr>
+              <a:t> </a:t>
+            </a:r>
+            <a:r>
+              <a:rPr lang="en-US" dirty="0" err="1">
+                <a:latin typeface="Times New Roman" panose="02020603050405020304" pitchFamily="18" charset="0"/>
+                <a:cs typeface="Times New Roman" panose="02020603050405020304" pitchFamily="18" charset="0"/>
+              </a:rPr>
+              <a:t>các</a:t>
+            </a:r>
+            <a:r>
+              <a:rPr lang="en-US" dirty="0">
+                <a:latin typeface="Times New Roman" panose="02020603050405020304" pitchFamily="18" charset="0"/>
+                <a:cs typeface="Times New Roman" panose="02020603050405020304" pitchFamily="18" charset="0"/>
+              </a:rPr>
+              <a:t> </a:t>
+            </a:r>
+            <a:r>
+              <a:rPr lang="en-US" dirty="0" err="1">
+                <a:latin typeface="Times New Roman" panose="02020603050405020304" pitchFamily="18" charset="0"/>
+                <a:cs typeface="Times New Roman" panose="02020603050405020304" pitchFamily="18" charset="0"/>
+              </a:rPr>
+              <a:t>lớp</a:t>
+            </a:r>
+            <a:r>
+              <a:rPr lang="en-US" dirty="0">
+                <a:latin typeface="Times New Roman" panose="02020603050405020304" pitchFamily="18" charset="0"/>
+                <a:cs typeface="Times New Roman" panose="02020603050405020304" pitchFamily="18" charset="0"/>
+              </a:rPr>
+              <a:t> </a:t>
+            </a:r>
+            <a:r>
+              <a:rPr lang="en-US" dirty="0" err="1">
+                <a:latin typeface="Times New Roman" panose="02020603050405020304" pitchFamily="18" charset="0"/>
+                <a:cs typeface="Times New Roman" panose="02020603050405020304" pitchFamily="18" charset="0"/>
+              </a:rPr>
               <a:t>trong</a:t>
             </a:r>
             <a:r>
@@ -14873,20 +15291,6 @@
                 <a:cs typeface="Times New Roman" panose="02020603050405020304" pitchFamily="18" charset="0"/>
               </a:rPr>
               <a:t>phần</a:t>
-            </a:r>
-            <a:r>
-              <a:rPr lang="en-US" dirty="0">
-                <a:latin typeface="Times New Roman" panose="02020603050405020304" pitchFamily="18" charset="0"/>
-                <a:cs typeface="Times New Roman" panose="02020603050405020304" pitchFamily="18" charset="0"/>
-              </a:rPr>
-              <a:t> </a:t>
-            </a:r>
-            <a:r>
-              <a:rPr lang="en-US" dirty="0" err="1">
-                <a:latin typeface="Times New Roman" panose="02020603050405020304" pitchFamily="18" charset="0"/>
-                <a:cs typeface="Times New Roman" panose="02020603050405020304" pitchFamily="18" charset="0"/>
-              </a:rPr>
-              <a:t>lớn</a:t>
             </a:r>
             <a:r>
               <a:rPr lang="en-US" dirty="0">
@@ -15043,39 +15447,46 @@
               <a:t> </a:t>
             </a:r>
             <a:r>
-              <a:rPr lang="en-US" err="1">
+              <a:rPr lang="en-US" dirty="0" err="1">
                 <a:latin typeface="Times New Roman" panose="02020603050405020304" pitchFamily="18" charset="0"/>
                 <a:cs typeface="Times New Roman" panose="02020603050405020304" pitchFamily="18" charset="0"/>
               </a:rPr>
               <a:t>hiện</a:t>
             </a:r>
             <a:r>
-              <a:rPr lang="en-US">
+              <a:rPr lang="en-US" dirty="0">
                 <a:latin typeface="Times New Roman" panose="02020603050405020304" pitchFamily="18" charset="0"/>
                 <a:cs typeface="Times New Roman" panose="02020603050405020304" pitchFamily="18" charset="0"/>
               </a:rPr>
               <a:t> </a:t>
             </a:r>
             <a:r>
-              <a:rPr lang="en-US" smtClean="0">
-                <a:latin typeface="Times New Roman" panose="02020603050405020304" pitchFamily="18" charset="0"/>
-                <a:cs typeface="Times New Roman" panose="02020603050405020304" pitchFamily="18" charset="0"/>
-              </a:rPr>
-              <a:t>tính </a:t>
-            </a:r>
-            <a:r>
-              <a:rPr lang="en-US" smtClean="0">
-                <a:latin typeface="Times New Roman" panose="02020603050405020304" pitchFamily="18" charset="0"/>
-                <a:cs typeface="Times New Roman" panose="02020603050405020304" pitchFamily="18" charset="0"/>
-              </a:rPr>
-              <a:t>toán </a:t>
+              <a:rPr lang="en-US" dirty="0" err="1">
+                <a:latin typeface="Times New Roman" panose="02020603050405020304" pitchFamily="18" charset="0"/>
+                <a:cs typeface="Times New Roman" panose="02020603050405020304" pitchFamily="18" charset="0"/>
+              </a:rPr>
+              <a:t>tính</a:t>
             </a:r>
             <a:r>
               <a:rPr lang="en-US" dirty="0">
                 <a:latin typeface="Times New Roman" panose="02020603050405020304" pitchFamily="18" charset="0"/>
                 <a:cs typeface="Times New Roman" panose="02020603050405020304" pitchFamily="18" charset="0"/>
               </a:rPr>
-              <a:t>hay </a:t>
+              <a:t> </a:t>
+            </a:r>
+            <a:r>
+              <a:rPr lang="en-US" dirty="0" err="1">
+                <a:latin typeface="Times New Roman" panose="02020603050405020304" pitchFamily="18" charset="0"/>
+                <a:cs typeface="Times New Roman" panose="02020603050405020304" pitchFamily="18" charset="0"/>
+              </a:rPr>
+              <a:t>toán</a:t>
+            </a:r>
+            <a:r>
+              <a:rPr lang="en-US" dirty="0">
+                <a:latin typeface="Times New Roman" panose="02020603050405020304" pitchFamily="18" charset="0"/>
+                <a:cs typeface="Times New Roman" panose="02020603050405020304" pitchFamily="18" charset="0"/>
+              </a:rPr>
+              <a:t> hay </a:t>
             </a:r>
             <a:r>
               <a:rPr lang="en-US" dirty="0" err="1">
@@ -15801,28 +16212,175 @@
                 <a:latin typeface="Times New Roman" panose="02020603050405020304" pitchFamily="18" charset="0"/>
                 <a:cs typeface="Times New Roman" panose="02020603050405020304" pitchFamily="18" charset="0"/>
               </a:rPr>
+              <a:t> interface</a:t>
+            </a:r>
+            <a:r>
+              <a:rPr lang="x-none">
+                <a:latin typeface="Times New Roman" panose="02020603050405020304" pitchFamily="18" charset="0"/>
+                <a:cs typeface="Times New Roman" panose="02020603050405020304" pitchFamily="18" charset="0"/>
+              </a:rPr>
+              <a:t>.</a:t>
+            </a:r>
+            <a:r>
+              <a:rPr lang="en-US" dirty="0">
+                <a:latin typeface="Times New Roman" panose="02020603050405020304" pitchFamily="18" charset="0"/>
+                <a:cs typeface="Times New Roman" panose="02020603050405020304" pitchFamily="18" charset="0"/>
+              </a:rPr>
               <a:t> </a:t>
             </a:r>
             <a:r>
-              <a:rPr lang="en-US">
-                <a:latin typeface="Times New Roman" panose="02020603050405020304" pitchFamily="18" charset="0"/>
-                <a:cs typeface="Times New Roman" panose="02020603050405020304" pitchFamily="18" charset="0"/>
-              </a:rPr>
-              <a:t>interface</a:t>
-            </a:r>
-            <a:r>
-              <a:rPr lang="x-none" smtClean="0">
+              <a:rPr lang="en-US" dirty="0" err="1">
+                <a:latin typeface="Times New Roman" panose="02020603050405020304" pitchFamily="18" charset="0"/>
+                <a:cs typeface="Times New Roman" panose="02020603050405020304" pitchFamily="18" charset="0"/>
+              </a:rPr>
+              <a:t>Tương</a:t>
+            </a:r>
+            <a:r>
+              <a:rPr lang="en-US" dirty="0">
+                <a:latin typeface="Times New Roman" panose="02020603050405020304" pitchFamily="18" charset="0"/>
+                <a:cs typeface="Times New Roman" panose="02020603050405020304" pitchFamily="18" charset="0"/>
+              </a:rPr>
+              <a:t> </a:t>
+            </a:r>
+            <a:r>
+              <a:rPr lang="en-US" dirty="0" err="1">
+                <a:latin typeface="Times New Roman" panose="02020603050405020304" pitchFamily="18" charset="0"/>
+                <a:cs typeface="Times New Roman" panose="02020603050405020304" pitchFamily="18" charset="0"/>
+              </a:rPr>
+              <a:t>tự</a:t>
+            </a:r>
+            <a:r>
+              <a:rPr lang="en-US" dirty="0">
+                <a:latin typeface="Times New Roman" panose="02020603050405020304" pitchFamily="18" charset="0"/>
+                <a:cs typeface="Times New Roman" panose="02020603050405020304" pitchFamily="18" charset="0"/>
+              </a:rPr>
+              <a:t> </a:t>
+            </a:r>
+            <a:r>
+              <a:rPr lang="en-US" dirty="0" err="1">
+                <a:latin typeface="Times New Roman" panose="02020603050405020304" pitchFamily="18" charset="0"/>
+                <a:cs typeface="Times New Roman" panose="02020603050405020304" pitchFamily="18" charset="0"/>
+              </a:rPr>
+              <a:t>với</a:t>
+            </a:r>
+            <a:r>
+              <a:rPr lang="en-US" dirty="0">
+                <a:latin typeface="Times New Roman" panose="02020603050405020304" pitchFamily="18" charset="0"/>
+                <a:cs typeface="Times New Roman" panose="02020603050405020304" pitchFamily="18" charset="0"/>
+              </a:rPr>
+              <a:t> </a:t>
+            </a:r>
+            <a:r>
+              <a:rPr lang="en-US" dirty="0" err="1">
+                <a:latin typeface="Times New Roman" panose="02020603050405020304" pitchFamily="18" charset="0"/>
+                <a:cs typeface="Times New Roman" panose="02020603050405020304" pitchFamily="18" charset="0"/>
+              </a:rPr>
+              <a:t>lớp</a:t>
+            </a:r>
+            <a:r>
+              <a:rPr lang="en-US" dirty="0">
+                <a:latin typeface="Times New Roman" panose="02020603050405020304" pitchFamily="18" charset="0"/>
+                <a:cs typeface="Times New Roman" panose="02020603050405020304" pitchFamily="18" charset="0"/>
+              </a:rPr>
+              <a:t> </a:t>
+            </a:r>
+            <a:r>
+              <a:rPr lang="en-US" dirty="0" err="1">
+                <a:latin typeface="Times New Roman" panose="02020603050405020304" pitchFamily="18" charset="0"/>
+                <a:cs typeface="Times New Roman" panose="02020603050405020304" pitchFamily="18" charset="0"/>
+              </a:rPr>
+              <a:t>InterbankInterface</a:t>
+            </a:r>
+            <a:r>
+              <a:rPr lang="en-US" dirty="0">
+                <a:latin typeface="Times New Roman" panose="02020603050405020304" pitchFamily="18" charset="0"/>
+                <a:cs typeface="Times New Roman" panose="02020603050405020304" pitchFamily="18" charset="0"/>
+              </a:rPr>
+              <a:t> </a:t>
+            </a:r>
+            <a:r>
+              <a:rPr lang="en-US" dirty="0" err="1">
+                <a:latin typeface="Times New Roman" panose="02020603050405020304" pitchFamily="18" charset="0"/>
+                <a:cs typeface="Times New Roman" panose="02020603050405020304" pitchFamily="18" charset="0"/>
+              </a:rPr>
+              <a:t>có</a:t>
+            </a:r>
+            <a:r>
+              <a:rPr lang="en-US" dirty="0">
+                <a:latin typeface="Times New Roman" panose="02020603050405020304" pitchFamily="18" charset="0"/>
+                <a:cs typeface="Times New Roman" panose="02020603050405020304" pitchFamily="18" charset="0"/>
+              </a:rPr>
+              <a:t> 2 </a:t>
+            </a:r>
+            <a:r>
+              <a:rPr lang="en-US" dirty="0" err="1">
+                <a:latin typeface="Times New Roman" panose="02020603050405020304" pitchFamily="18" charset="0"/>
+                <a:cs typeface="Times New Roman" panose="02020603050405020304" pitchFamily="18" charset="0"/>
+              </a:rPr>
+              <a:t>phương</a:t>
+            </a:r>
+            <a:r>
+              <a:rPr lang="en-US" dirty="0">
+                <a:latin typeface="Times New Roman" panose="02020603050405020304" pitchFamily="18" charset="0"/>
+                <a:cs typeface="Times New Roman" panose="02020603050405020304" pitchFamily="18" charset="0"/>
+              </a:rPr>
+              <a:t> </a:t>
+            </a:r>
+            <a:r>
+              <a:rPr lang="en-US" dirty="0" err="1">
+                <a:latin typeface="Times New Roman" panose="02020603050405020304" pitchFamily="18" charset="0"/>
+                <a:cs typeface="Times New Roman" panose="02020603050405020304" pitchFamily="18" charset="0"/>
+              </a:rPr>
+              <a:t>thức</a:t>
+            </a:r>
+            <a:r>
+              <a:rPr lang="en-US" dirty="0">
+                <a:latin typeface="Times New Roman" panose="02020603050405020304" pitchFamily="18" charset="0"/>
+                <a:cs typeface="Times New Roman" panose="02020603050405020304" pitchFamily="18" charset="0"/>
+              </a:rPr>
+              <a:t> </a:t>
+            </a:r>
+            <a:r>
+              <a:rPr lang="en-US" dirty="0" err="1">
+                <a:latin typeface="Times New Roman" panose="02020603050405020304" pitchFamily="18" charset="0"/>
+                <a:cs typeface="Times New Roman" panose="02020603050405020304" pitchFamily="18" charset="0"/>
+              </a:rPr>
+              <a:t>là</a:t>
+            </a:r>
+            <a:r>
+              <a:rPr lang="en-US" dirty="0">
+                <a:latin typeface="Times New Roman" panose="02020603050405020304" pitchFamily="18" charset="0"/>
+                <a:cs typeface="Times New Roman" panose="02020603050405020304" pitchFamily="18" charset="0"/>
+              </a:rPr>
+              <a:t> refund </a:t>
+            </a:r>
+            <a:r>
+              <a:rPr lang="en-US" dirty="0" err="1">
+                <a:latin typeface="Times New Roman" panose="02020603050405020304" pitchFamily="18" charset="0"/>
+                <a:cs typeface="Times New Roman" panose="02020603050405020304" pitchFamily="18" charset="0"/>
+              </a:rPr>
+              <a:t>và</a:t>
+            </a:r>
+            <a:r>
+              <a:rPr lang="en-US" dirty="0">
+                <a:latin typeface="Times New Roman" panose="02020603050405020304" pitchFamily="18" charset="0"/>
+                <a:cs typeface="Times New Roman" panose="02020603050405020304" pitchFamily="18" charset="0"/>
+              </a:rPr>
+              <a:t> </a:t>
+            </a:r>
+            <a:r>
+              <a:rPr lang="en-US" dirty="0" err="1">
+                <a:latin typeface="Times New Roman" panose="02020603050405020304" pitchFamily="18" charset="0"/>
+                <a:cs typeface="Times New Roman" panose="02020603050405020304" pitchFamily="18" charset="0"/>
+              </a:rPr>
+              <a:t>payRental</a:t>
+            </a:r>
+            <a:r>
+              <a:rPr lang="en-US" dirty="0">
                 <a:latin typeface="Times New Roman" panose="02020603050405020304" pitchFamily="18" charset="0"/>
                 <a:cs typeface="Times New Roman" panose="02020603050405020304" pitchFamily="18" charset="0"/>
               </a:rPr>
               <a:t>.</a:t>
-            </a:r>
-            <a:r>
-              <a:rPr lang="en-US" smtClean="0">
-                <a:latin typeface="Times New Roman" panose="02020603050405020304" pitchFamily="18" charset="0"/>
-                <a:cs typeface="Times New Roman" panose="02020603050405020304" pitchFamily="18" charset="0"/>
-              </a:rPr>
-              <a:t> Tương tự với lớp InterbankInterface có 2 phương thức là refund và payRental.</a:t>
             </a:r>
             <a:endParaRPr lang="x-none" dirty="0">
               <a:latin typeface="Times New Roman" panose="02020603050405020304" pitchFamily="18" charset="0"/>
@@ -16055,7 +16613,7 @@
           <p:cNvPr id="4" name="Slide Number Placeholder 3">
             <a:extLst>
               <a:ext uri="{FF2B5EF4-FFF2-40B4-BE49-F238E27FC236}">
-                <a16:creationId xmlns:a16="http://schemas.microsoft.com/office/drawing/2014/main" xmlns="" id="{3AE14BB9-A09B-D94B-8E37-59733A26EC31}"/>
+                <a16:creationId xmlns:a16="http://schemas.microsoft.com/office/drawing/2014/main" id="{3AE14BB9-A09B-D94B-8E37-59733A26EC31}"/>
               </a:ext>
             </a:extLst>
           </p:cNvPr>
@@ -16082,7 +16640,7 @@
             </a:pPr>
             <a:fld id="{00000000-1234-1234-1234-123412341234}" type="slidenum">
               <a:rPr lang="en-US" smtClean="0"/>
-              <a:t>13</a:t>
+              <a:t>14</a:t>
             </a:fld>
             <a:endParaRPr lang="en-US"/>
           </a:p>
@@ -16101,7 +16659,7 @@
 </p:sld>
 </file>
 
-<file path=ppt/slides/slide14.xml><?xml version="1.0" encoding="utf-8"?>
+<file path=ppt/slides/slide15.xml><?xml version="1.0" encoding="utf-8"?>
 <p:sld xmlns:a="http://schemas.openxmlformats.org/drawingml/2006/main" xmlns:r="http://schemas.openxmlformats.org/officeDocument/2006/relationships" xmlns:p="http://schemas.openxmlformats.org/presentationml/2006/main">
   <p:cSld>
     <p:spTree>
@@ -16625,7 +17183,7 @@
             </a:pPr>
             <a:fld id="{00000000-1234-1234-1234-123412341234}" type="slidenum">
               <a:rPr lang="en-US"/>
-              <a:t>14</a:t>
+              <a:t>15</a:t>
             </a:fld>
             <a:endParaRPr/>
           </a:p>
@@ -16636,7 +17194,7 @@
           <p:cNvPr id="3" name="Picture 2" descr="Diagram&#10;&#10;Description automatically generated">
             <a:extLst>
               <a:ext uri="{FF2B5EF4-FFF2-40B4-BE49-F238E27FC236}">
-                <a16:creationId xmlns:a16="http://schemas.microsoft.com/office/drawing/2014/main" xmlns="" id="{1CE1D4DB-9E50-3F43-B6A6-A4553DE83444}"/>
+                <a16:creationId xmlns:a16="http://schemas.microsoft.com/office/drawing/2014/main" id="{1CE1D4DB-9E50-3F43-B6A6-A4553DE83444}"/>
               </a:ext>
             </a:extLst>
           </p:cNvPr>
@@ -16669,7 +17227,7 @@
 </p:sld>
 </file>
 
-<file path=ppt/slides/slide15.xml><?xml version="1.0" encoding="utf-8"?>
+<file path=ppt/slides/slide16.xml><?xml version="1.0" encoding="utf-8"?>
 <p:sld xmlns:a="http://schemas.openxmlformats.org/drawingml/2006/main" xmlns:r="http://schemas.openxmlformats.org/officeDocument/2006/relationships" xmlns:p="http://schemas.openxmlformats.org/presentationml/2006/main">
   <p:cSld>
     <p:spTree>
@@ -16691,7 +17249,7 @@
           <p:cNvPr id="2" name="Title 1">
             <a:extLst>
               <a:ext uri="{FF2B5EF4-FFF2-40B4-BE49-F238E27FC236}">
-                <a16:creationId xmlns:a16="http://schemas.microsoft.com/office/drawing/2014/main" xmlns="" id="{BB3E4360-1473-D948-89A3-B5E877209C95}"/>
+                <a16:creationId xmlns:a16="http://schemas.microsoft.com/office/drawing/2014/main" id="{BB3E4360-1473-D948-89A3-B5E877209C95}"/>
               </a:ext>
             </a:extLst>
           </p:cNvPr>
@@ -16721,7 +17279,7 @@
           <p:cNvPr id="3" name="Text Placeholder 2">
             <a:extLst>
               <a:ext uri="{FF2B5EF4-FFF2-40B4-BE49-F238E27FC236}">
-                <a16:creationId xmlns:a16="http://schemas.microsoft.com/office/drawing/2014/main" xmlns="" id="{1A0ABF07-CC63-F041-B9A8-296A58C6C72E}"/>
+                <a16:creationId xmlns:a16="http://schemas.microsoft.com/office/drawing/2014/main" id="{1A0ABF07-CC63-F041-B9A8-296A58C6C72E}"/>
               </a:ext>
             </a:extLst>
           </p:cNvPr>
@@ -17508,7 +18066,7 @@
           <p:cNvPr id="4" name="Slide Number Placeholder 3">
             <a:extLst>
               <a:ext uri="{FF2B5EF4-FFF2-40B4-BE49-F238E27FC236}">
-                <a16:creationId xmlns:a16="http://schemas.microsoft.com/office/drawing/2014/main" xmlns="" id="{4D4BA178-1050-FF4F-8426-F1CDC59CC580}"/>
+                <a16:creationId xmlns:a16="http://schemas.microsoft.com/office/drawing/2014/main" id="{4D4BA178-1050-FF4F-8426-F1CDC59CC580}"/>
               </a:ext>
             </a:extLst>
           </p:cNvPr>
@@ -17535,7 +18093,7 @@
             </a:pPr>
             <a:fld id="{00000000-1234-1234-1234-123412341234}" type="slidenum">
               <a:rPr lang="en-US" smtClean="0"/>
-              <a:t>15</a:t>
+              <a:t>16</a:t>
             </a:fld>
             <a:endParaRPr lang="en-US"/>
           </a:p>
@@ -17546,7 +18104,7 @@
           <p:cNvPr id="6" name="Picture 5" descr="Diagram&#10;&#10;Description automatically generated">
             <a:extLst>
               <a:ext uri="{FF2B5EF4-FFF2-40B4-BE49-F238E27FC236}">
-                <a16:creationId xmlns:a16="http://schemas.microsoft.com/office/drawing/2014/main" xmlns="" id="{3D560A3A-ED48-2A4E-A4D3-652D8E26AA24}"/>
+                <a16:creationId xmlns:a16="http://schemas.microsoft.com/office/drawing/2014/main" id="{3D560A3A-ED48-2A4E-A4D3-652D8E26AA24}"/>
               </a:ext>
             </a:extLst>
           </p:cNvPr>
@@ -17715,8 +18273,8 @@
         </p:nvSpPr>
         <p:spPr>
           <a:xfrm>
-            <a:off x="488950" y="1346200"/>
-            <a:ext cx="8026400" cy="4902199"/>
+            <a:off x="488950" y="1045030"/>
+            <a:ext cx="8026400" cy="5203370"/>
           </a:xfrm>
           <a:prstGeom prst="rect">
             <a:avLst/>
@@ -17872,13 +18430,31 @@
                 <a:latin typeface="Times New Roman" panose="02020603050405020304" pitchFamily="18" charset="0"/>
                 <a:cs typeface="Times New Roman" panose="02020603050405020304" pitchFamily="18" charset="0"/>
               </a:rPr>
-              <a:t>Bùi Đức Tuấn Dũng : </a:t>
-            </a:r>
+              <a:t>Bùi Đức Tuấn Dũng </a:t>
+            </a:r>
+            <a:r>
+              <a:rPr lang="x-none" sz="2000">
+                <a:latin typeface="Times New Roman" panose="02020603050405020304" pitchFamily="18" charset="0"/>
+                <a:cs typeface="Times New Roman" panose="02020603050405020304" pitchFamily="18" charset="0"/>
+              </a:rPr>
+              <a:t>: </a:t>
+            </a:r>
+            <a:r>
+              <a:rPr lang="vi-VN" sz="2000" dirty="0">
+                <a:latin typeface="Times New Roman" panose="02020603050405020304" pitchFamily="18" charset="0"/>
+                <a:cs typeface="Times New Roman" panose="02020603050405020304" pitchFamily="18" charset="0"/>
+              </a:rPr>
+              <a:t>30%</a:t>
+            </a:r>
+            <a:endParaRPr lang="x-none" sz="2000" dirty="0">
+              <a:latin typeface="Times New Roman" panose="02020603050405020304" pitchFamily="18" charset="0"/>
+              <a:cs typeface="Times New Roman" panose="02020603050405020304" pitchFamily="18" charset="0"/>
+            </a:endParaRPr>
           </a:p>
           <a:p>
             <a:pPr lvl="1"/>
             <a:r>
-              <a:rPr lang="x-none" sz="1700" dirty="0">
+              <a:rPr lang="x-none" sz="2000" dirty="0">
                 <a:latin typeface="Times New Roman" panose="02020603050405020304" pitchFamily="18" charset="0"/>
                 <a:cs typeface="Times New Roman" panose="02020603050405020304" pitchFamily="18" charset="0"/>
               </a:rPr>
@@ -17888,7 +18464,7 @@
           <a:p>
             <a:pPr lvl="1"/>
             <a:r>
-              <a:rPr lang="x-none" sz="1700" dirty="0">
+              <a:rPr lang="x-none" sz="2000" dirty="0">
                 <a:latin typeface="Times New Roman" panose="02020603050405020304" pitchFamily="18" charset="0"/>
                 <a:cs typeface="Times New Roman" panose="02020603050405020304" pitchFamily="18" charset="0"/>
               </a:rPr>
@@ -17898,7 +18474,7 @@
           <a:p>
             <a:pPr lvl="1"/>
             <a:r>
-              <a:rPr lang="x-none" sz="1700" dirty="0">
+              <a:rPr lang="x-none" sz="2000" dirty="0">
                 <a:latin typeface="Times New Roman" panose="02020603050405020304" pitchFamily="18" charset="0"/>
                 <a:cs typeface="Times New Roman" panose="02020603050405020304" pitchFamily="18" charset="0"/>
               </a:rPr>
@@ -17958,7 +18534,7 @@
           <p:cNvPr id="3" name="TextBox 2">
             <a:extLst>
               <a:ext uri="{FF2B5EF4-FFF2-40B4-BE49-F238E27FC236}">
-                <a16:creationId xmlns:a16="http://schemas.microsoft.com/office/drawing/2014/main" xmlns="" id="{9864BB64-0907-494A-8ACF-01D392F89735}"/>
+                <a16:creationId xmlns:a16="http://schemas.microsoft.com/office/drawing/2014/main" id="{9864BB64-0907-494A-8ACF-01D392F89735}"/>
               </a:ext>
             </a:extLst>
           </p:cNvPr>
@@ -18179,7 +18755,7 @@
           <p:cNvPr id="8" name="Picture 7" descr="Diagram&#10;&#10;Description automatically generated">
             <a:extLst>
               <a:ext uri="{FF2B5EF4-FFF2-40B4-BE49-F238E27FC236}">
-                <a16:creationId xmlns:a16="http://schemas.microsoft.com/office/drawing/2014/main" xmlns="" id="{DD6DB37F-6A83-D445-A7B0-53200CFD0EDF}"/>
+                <a16:creationId xmlns:a16="http://schemas.microsoft.com/office/drawing/2014/main" id="{DD6DB37F-6A83-D445-A7B0-53200CFD0EDF}"/>
               </a:ext>
             </a:extLst>
           </p:cNvPr>
@@ -18240,7 +18816,7 @@
           <p:cNvPr id="2" name="Title 1">
             <a:extLst>
               <a:ext uri="{FF2B5EF4-FFF2-40B4-BE49-F238E27FC236}">
-                <a16:creationId xmlns:a16="http://schemas.microsoft.com/office/drawing/2014/main" xmlns="" id="{59BBDCA2-8677-AC4C-B539-6419CA888DAE}"/>
+                <a16:creationId xmlns:a16="http://schemas.microsoft.com/office/drawing/2014/main" id="{59BBDCA2-8677-AC4C-B539-6419CA888DAE}"/>
               </a:ext>
             </a:extLst>
           </p:cNvPr>
@@ -18276,7 +18852,7 @@
           <p:cNvPr id="3" name="Text Placeholder 2">
             <a:extLst>
               <a:ext uri="{FF2B5EF4-FFF2-40B4-BE49-F238E27FC236}">
-                <a16:creationId xmlns:a16="http://schemas.microsoft.com/office/drawing/2014/main" xmlns="" id="{9BDAF2E5-7F96-8848-82D8-B68D7BE33726}"/>
+                <a16:creationId xmlns:a16="http://schemas.microsoft.com/office/drawing/2014/main" id="{9BDAF2E5-7F96-8848-82D8-B68D7BE33726}"/>
               </a:ext>
             </a:extLst>
           </p:cNvPr>
@@ -18314,7 +18890,7 @@
           <p:cNvPr id="4" name="Slide Number Placeholder 3">
             <a:extLst>
               <a:ext uri="{FF2B5EF4-FFF2-40B4-BE49-F238E27FC236}">
-                <a16:creationId xmlns:a16="http://schemas.microsoft.com/office/drawing/2014/main" xmlns="" id="{D11FC423-D7D8-1D49-897A-12A9E10DCF92}"/>
+                <a16:creationId xmlns:a16="http://schemas.microsoft.com/office/drawing/2014/main" id="{D11FC423-D7D8-1D49-897A-12A9E10DCF92}"/>
               </a:ext>
             </a:extLst>
           </p:cNvPr>
@@ -18352,7 +18928,7 @@
           <p:cNvPr id="5" name="Picture 4" descr="Diagram&#10;&#10;Description automatically generated">
             <a:extLst>
               <a:ext uri="{FF2B5EF4-FFF2-40B4-BE49-F238E27FC236}">
-                <a16:creationId xmlns:a16="http://schemas.microsoft.com/office/drawing/2014/main" xmlns="" id="{F22EDE1E-5198-5A44-BC3E-7BCB97DB6788}"/>
+                <a16:creationId xmlns:a16="http://schemas.microsoft.com/office/drawing/2014/main" id="{F22EDE1E-5198-5A44-BC3E-7BCB97DB6788}"/>
               </a:ext>
             </a:extLst>
           </p:cNvPr>
@@ -18589,7 +19165,7 @@
           <p:cNvPr id="5" name="Picture 4" descr="Diagram&#10;&#10;Description automatically generated">
             <a:extLst>
               <a:ext uri="{FF2B5EF4-FFF2-40B4-BE49-F238E27FC236}">
-                <a16:creationId xmlns:a16="http://schemas.microsoft.com/office/drawing/2014/main" xmlns="" id="{32C61849-65ED-9645-84C6-33400D0307E1}"/>
+                <a16:creationId xmlns:a16="http://schemas.microsoft.com/office/drawing/2014/main" id="{32C61849-65ED-9645-84C6-33400D0307E1}"/>
               </a:ext>
             </a:extLst>
           </p:cNvPr>
@@ -18650,7 +19226,7 @@
           <p:cNvPr id="2" name="Title 1">
             <a:extLst>
               <a:ext uri="{FF2B5EF4-FFF2-40B4-BE49-F238E27FC236}">
-                <a16:creationId xmlns:a16="http://schemas.microsoft.com/office/drawing/2014/main" xmlns="" id="{D933AD64-EC9E-E84F-9F41-BE10E3C34D6E}"/>
+                <a16:creationId xmlns:a16="http://schemas.microsoft.com/office/drawing/2014/main" id="{D933AD64-EC9E-E84F-9F41-BE10E3C34D6E}"/>
               </a:ext>
             </a:extLst>
           </p:cNvPr>
@@ -18680,7 +19256,7 @@
           <p:cNvPr id="3" name="Text Placeholder 2">
             <a:extLst>
               <a:ext uri="{FF2B5EF4-FFF2-40B4-BE49-F238E27FC236}">
-                <a16:creationId xmlns:a16="http://schemas.microsoft.com/office/drawing/2014/main" xmlns="" id="{D9C24D7B-172B-0542-B793-7A10A3C80AF0}"/>
+                <a16:creationId xmlns:a16="http://schemas.microsoft.com/office/drawing/2014/main" id="{D9C24D7B-172B-0542-B793-7A10A3C80AF0}"/>
               </a:ext>
             </a:extLst>
           </p:cNvPr>
@@ -18716,7 +19292,7 @@
           <p:cNvPr id="4" name="Slide Number Placeholder 3">
             <a:extLst>
               <a:ext uri="{FF2B5EF4-FFF2-40B4-BE49-F238E27FC236}">
-                <a16:creationId xmlns:a16="http://schemas.microsoft.com/office/drawing/2014/main" xmlns="" id="{3480A6B7-D461-1045-86F9-D0310E0849DF}"/>
+                <a16:creationId xmlns:a16="http://schemas.microsoft.com/office/drawing/2014/main" id="{3480A6B7-D461-1045-86F9-D0310E0849DF}"/>
               </a:ext>
             </a:extLst>
           </p:cNvPr>
@@ -18754,7 +19330,7 @@
           <p:cNvPr id="5" name="Picture 4" descr="Diagram&#10;&#10;Description automatically generated">
             <a:extLst>
               <a:ext uri="{FF2B5EF4-FFF2-40B4-BE49-F238E27FC236}">
-                <a16:creationId xmlns:a16="http://schemas.microsoft.com/office/drawing/2014/main" xmlns="" id="{84C8629F-7840-B84B-93E7-2DF9D1035727}"/>
+                <a16:creationId xmlns:a16="http://schemas.microsoft.com/office/drawing/2014/main" id="{84C8629F-7840-B84B-93E7-2DF9D1035727}"/>
               </a:ext>
             </a:extLst>
           </p:cNvPr>
@@ -18820,7 +19396,7 @@
           <p:cNvPr id="2" name="Title 1">
             <a:extLst>
               <a:ext uri="{FF2B5EF4-FFF2-40B4-BE49-F238E27FC236}">
-                <a16:creationId xmlns:a16="http://schemas.microsoft.com/office/drawing/2014/main" xmlns="" id="{963CD5BC-D9F2-6346-A769-46CBC4EF683B}"/>
+                <a16:creationId xmlns:a16="http://schemas.microsoft.com/office/drawing/2014/main" id="{963CD5BC-D9F2-6346-A769-46CBC4EF683B}"/>
               </a:ext>
             </a:extLst>
           </p:cNvPr>
@@ -18850,7 +19426,7 @@
           <p:cNvPr id="3" name="Text Placeholder 2">
             <a:extLst>
               <a:ext uri="{FF2B5EF4-FFF2-40B4-BE49-F238E27FC236}">
-                <a16:creationId xmlns:a16="http://schemas.microsoft.com/office/drawing/2014/main" xmlns="" id="{97D3451C-34A0-EB4A-BBD7-EA73CC5E55BA}"/>
+                <a16:creationId xmlns:a16="http://schemas.microsoft.com/office/drawing/2014/main" id="{97D3451C-34A0-EB4A-BBD7-EA73CC5E55BA}"/>
               </a:ext>
             </a:extLst>
           </p:cNvPr>
@@ -18886,7 +19462,7 @@
           <p:cNvPr id="4" name="Slide Number Placeholder 3">
             <a:extLst>
               <a:ext uri="{FF2B5EF4-FFF2-40B4-BE49-F238E27FC236}">
-                <a16:creationId xmlns:a16="http://schemas.microsoft.com/office/drawing/2014/main" xmlns="" id="{D17B8D45-7E5F-C64D-8815-80EEE6C3AD1E}"/>
+                <a16:creationId xmlns:a16="http://schemas.microsoft.com/office/drawing/2014/main" id="{D17B8D45-7E5F-C64D-8815-80EEE6C3AD1E}"/>
               </a:ext>
             </a:extLst>
           </p:cNvPr>
@@ -18924,7 +19500,7 @@
           <p:cNvPr id="5" name="Picture 4" descr="Diagram&#10;&#10;Description automatically generated">
             <a:extLst>
               <a:ext uri="{FF2B5EF4-FFF2-40B4-BE49-F238E27FC236}">
-                <a16:creationId xmlns:a16="http://schemas.microsoft.com/office/drawing/2014/main" xmlns="" id="{7B0F3237-D563-8449-AA51-DEF428757344}"/>
+                <a16:creationId xmlns:a16="http://schemas.microsoft.com/office/drawing/2014/main" id="{7B0F3237-D563-8449-AA51-DEF428757344}"/>
               </a:ext>
             </a:extLst>
           </p:cNvPr>
@@ -18990,7 +19566,7 @@
           <p:cNvPr id="2" name="Title 1">
             <a:extLst>
               <a:ext uri="{FF2B5EF4-FFF2-40B4-BE49-F238E27FC236}">
-                <a16:creationId xmlns:a16="http://schemas.microsoft.com/office/drawing/2014/main" xmlns="" id="{735FBF23-314A-D149-A5A2-572B65FACA59}"/>
+                <a16:creationId xmlns:a16="http://schemas.microsoft.com/office/drawing/2014/main" id="{735FBF23-314A-D149-A5A2-572B65FACA59}"/>
               </a:ext>
             </a:extLst>
           </p:cNvPr>
@@ -19020,7 +19596,7 @@
           <p:cNvPr id="3" name="Text Placeholder 2">
             <a:extLst>
               <a:ext uri="{FF2B5EF4-FFF2-40B4-BE49-F238E27FC236}">
-                <a16:creationId xmlns:a16="http://schemas.microsoft.com/office/drawing/2014/main" xmlns="" id="{39120519-9E68-9D4C-8389-59D8433E3014}"/>
+                <a16:creationId xmlns:a16="http://schemas.microsoft.com/office/drawing/2014/main" id="{39120519-9E68-9D4C-8389-59D8433E3014}"/>
               </a:ext>
             </a:extLst>
           </p:cNvPr>
@@ -19058,7 +19634,7 @@
           <p:cNvPr id="4" name="Slide Number Placeholder 3">
             <a:extLst>
               <a:ext uri="{FF2B5EF4-FFF2-40B4-BE49-F238E27FC236}">
-                <a16:creationId xmlns:a16="http://schemas.microsoft.com/office/drawing/2014/main" xmlns="" id="{9461B3B5-B74C-E24D-80D0-DBB2E6C3852D}"/>
+                <a16:creationId xmlns:a16="http://schemas.microsoft.com/office/drawing/2014/main" id="{9461B3B5-B74C-E24D-80D0-DBB2E6C3852D}"/>
               </a:ext>
             </a:extLst>
           </p:cNvPr>
@@ -19096,7 +19672,7 @@
           <p:cNvPr id="6" name="Picture 5" descr="Diagram&#10;&#10;Description automatically generated">
             <a:extLst>
               <a:ext uri="{FF2B5EF4-FFF2-40B4-BE49-F238E27FC236}">
-                <a16:creationId xmlns:a16="http://schemas.microsoft.com/office/drawing/2014/main" xmlns="" id="{4F67EA23-88F1-8B42-BDB3-4527929D364E}"/>
+                <a16:creationId xmlns:a16="http://schemas.microsoft.com/office/drawing/2014/main" id="{4F67EA23-88F1-8B42-BDB3-4527929D364E}"/>
               </a:ext>
             </a:extLst>
           </p:cNvPr>
@@ -19162,7 +19738,7 @@
           <p:cNvPr id="2" name="Title 1">
             <a:extLst>
               <a:ext uri="{FF2B5EF4-FFF2-40B4-BE49-F238E27FC236}">
-                <a16:creationId xmlns:a16="http://schemas.microsoft.com/office/drawing/2014/main" xmlns="" id="{AAEC1A20-3027-9E41-96EA-6D1DCDC93272}"/>
+                <a16:creationId xmlns:a16="http://schemas.microsoft.com/office/drawing/2014/main" id="{AAEC1A20-3027-9E41-96EA-6D1DCDC93272}"/>
               </a:ext>
             </a:extLst>
           </p:cNvPr>
@@ -19187,7 +19763,7 @@
           <p:cNvPr id="3" name="Text Placeholder 2">
             <a:extLst>
               <a:ext uri="{FF2B5EF4-FFF2-40B4-BE49-F238E27FC236}">
-                <a16:creationId xmlns:a16="http://schemas.microsoft.com/office/drawing/2014/main" xmlns="" id="{59B45981-345E-AB42-8829-13CEF210BAF2}"/>
+                <a16:creationId xmlns:a16="http://schemas.microsoft.com/office/drawing/2014/main" id="{59B45981-345E-AB42-8829-13CEF210BAF2}"/>
               </a:ext>
             </a:extLst>
           </p:cNvPr>
@@ -19223,7 +19799,7 @@
           <p:cNvPr id="4" name="Slide Number Placeholder 3">
             <a:extLst>
               <a:ext uri="{FF2B5EF4-FFF2-40B4-BE49-F238E27FC236}">
-                <a16:creationId xmlns:a16="http://schemas.microsoft.com/office/drawing/2014/main" xmlns="" id="{A13BA40B-1464-B44F-B24B-1A3EB0AECC2A}"/>
+                <a16:creationId xmlns:a16="http://schemas.microsoft.com/office/drawing/2014/main" id="{A13BA40B-1464-B44F-B24B-1A3EB0AECC2A}"/>
               </a:ext>
             </a:extLst>
           </p:cNvPr>
@@ -19261,7 +19837,7 @@
           <p:cNvPr id="5" name="Picture 4" descr="Diagram&#10;&#10;Description automatically generated">
             <a:extLst>
               <a:ext uri="{FF2B5EF4-FFF2-40B4-BE49-F238E27FC236}">
-                <a16:creationId xmlns:a16="http://schemas.microsoft.com/office/drawing/2014/main" xmlns="" id="{22E75AA3-6B93-1D44-808E-69FEC616EF3B}"/>
+                <a16:creationId xmlns:a16="http://schemas.microsoft.com/office/drawing/2014/main" id="{22E75AA3-6B93-1D44-808E-69FEC616EF3B}"/>
               </a:ext>
             </a:extLst>
           </p:cNvPr>

--- a/FinalProject/Design/slide.pptx
+++ b/FinalProject/Design/slide.pptx
@@ -5,40 +5,41 @@
     <p:sldMasterId id="2147483648" r:id="rId1"/>
   </p:sldMasterIdLst>
   <p:notesMasterIdLst>
-    <p:notesMasterId r:id="rId18"/>
+    <p:notesMasterId r:id="rId19"/>
   </p:notesMasterIdLst>
   <p:sldIdLst>
     <p:sldId id="256" r:id="rId2"/>
-    <p:sldId id="257" r:id="rId3"/>
-    <p:sldId id="258" r:id="rId4"/>
-    <p:sldId id="262" r:id="rId5"/>
-    <p:sldId id="259" r:id="rId6"/>
-    <p:sldId id="263" r:id="rId7"/>
-    <p:sldId id="264" r:id="rId8"/>
-    <p:sldId id="265" r:id="rId9"/>
-    <p:sldId id="268" r:id="rId10"/>
-    <p:sldId id="266" r:id="rId11"/>
-    <p:sldId id="267" r:id="rId12"/>
-    <p:sldId id="260" r:id="rId13"/>
-    <p:sldId id="271" r:id="rId14"/>
-    <p:sldId id="269" r:id="rId15"/>
-    <p:sldId id="261" r:id="rId16"/>
-    <p:sldId id="270" r:id="rId17"/>
+    <p:sldId id="272" r:id="rId3"/>
+    <p:sldId id="257" r:id="rId4"/>
+    <p:sldId id="258" r:id="rId5"/>
+    <p:sldId id="262" r:id="rId6"/>
+    <p:sldId id="259" r:id="rId7"/>
+    <p:sldId id="263" r:id="rId8"/>
+    <p:sldId id="264" r:id="rId9"/>
+    <p:sldId id="265" r:id="rId10"/>
+    <p:sldId id="268" r:id="rId11"/>
+    <p:sldId id="266" r:id="rId12"/>
+    <p:sldId id="267" r:id="rId13"/>
+    <p:sldId id="260" r:id="rId14"/>
+    <p:sldId id="271" r:id="rId15"/>
+    <p:sldId id="269" r:id="rId16"/>
+    <p:sldId id="261" r:id="rId17"/>
+    <p:sldId id="270" r:id="rId18"/>
   </p:sldIdLst>
   <p:sldSz cx="9144000" cy="6858000" type="screen4x3"/>
   <p:notesSz cx="6858000" cy="9144000"/>
   <p:embeddedFontLst>
     <p:embeddedFont>
       <p:font typeface="Calibri" panose="020F0502020204030204" pitchFamily="34" charset="0"/>
-      <p:regular r:id="rId19"/>
-      <p:bold r:id="rId20"/>
-      <p:italic r:id="rId21"/>
-      <p:boldItalic r:id="rId22"/>
+      <p:regular r:id="rId20"/>
+      <p:bold r:id="rId21"/>
+      <p:italic r:id="rId22"/>
+      <p:boldItalic r:id="rId23"/>
     </p:embeddedFont>
     <p:embeddedFont>
       <p:font typeface="Tahoma" panose="020B0604030504040204" pitchFamily="34" charset="0"/>
-      <p:regular r:id="rId23"/>
-      <p:bold r:id="rId24"/>
+      <p:regular r:id="rId24"/>
+      <p:bold r:id="rId25"/>
     </p:embeddedFont>
   </p:embeddedFontLst>
   <p:defaultTextStyle>
@@ -286,7 +287,7 @@
       </p15:sldGuideLst>
     </p:ext>
     <p:ext uri="http://customooxmlschemas.google.com/">
-      <go:slidesCustomData xmlns:go="http://customooxmlschemas.google.com/" xmlns:ahyp="http://schemas.microsoft.com/office/drawing/2018/hyperlinkcolor" xmlns:p15="http://schemas.microsoft.com/office/powerpoint/2012/main" xmlns:p14="http://schemas.microsoft.com/office/powerpoint/2010/main" xmlns:com="http://schemas.openxmlformats.org/drawingml/2006/compatibility" xmlns:pvml="urn:schemas-microsoft-com:office:powerpoint" xmlns:v="urn:schemas-microsoft-com:vml" xmlns:o="urn:schemas-microsoft-com:office:office" xmlns:dgm="http://schemas.openxmlformats.org/drawingml/2006/diagram" xmlns:c="http://schemas.openxmlformats.org/drawingml/2006/chart" xmlns:mv="urn:schemas-microsoft-com:mac:vml" xmlns:mc="http://schemas.openxmlformats.org/markup-compatibility/2006" xmlns="" r:id="rId25" roundtripDataSignature="AMtx7mhThS+/QUg8gGh88W5YQVbRCe36SQ=="/>
+      <go:slidesCustomData xmlns="" xmlns:mc="http://schemas.openxmlformats.org/markup-compatibility/2006" xmlns:mv="urn:schemas-microsoft-com:mac:vml" xmlns:c="http://schemas.openxmlformats.org/drawingml/2006/chart" xmlns:dgm="http://schemas.openxmlformats.org/drawingml/2006/diagram" xmlns:o="urn:schemas-microsoft-com:office:office" xmlns:v="urn:schemas-microsoft-com:vml" xmlns:pvml="urn:schemas-microsoft-com:office:powerpoint" xmlns:com="http://schemas.openxmlformats.org/drawingml/2006/compatibility" xmlns:p14="http://schemas.microsoft.com/office/powerpoint/2010/main" xmlns:p15="http://schemas.microsoft.com/office/powerpoint/2012/main" xmlns:ahyp="http://schemas.microsoft.com/office/drawing/2018/hyperlinkcolor" xmlns:go="http://customooxmlschemas.google.com/" r:id="rId26" roundtripDataSignature="AMtx7mhThS+/QUg8gGh88W5YQVbRCe36SQ=="/>
     </p:ext>
   </p:extLst>
 </p:presentation>
@@ -1676,7 +1677,7 @@
                 <a:cs typeface="Calibri"/>
                 <a:sym typeface="Calibri"/>
               </a:rPr>
-              <a:t>10</a:t>
+              <a:t>11</a:t>
             </a:fld>
             <a:endParaRPr lang="en-US" sz="1200" b="0" i="0" u="none" strike="noStrike" cap="none">
               <a:solidFill>
@@ -1785,7 +1786,7 @@
                 <a:cs typeface="Calibri"/>
                 <a:sym typeface="Calibri"/>
               </a:rPr>
-              <a:t>11</a:t>
+              <a:t>12</a:t>
             </a:fld>
             <a:endParaRPr lang="en-US" sz="1200" b="0" i="0" u="none" strike="noStrike" cap="none">
               <a:solidFill>
@@ -1998,7 +1999,7 @@
                 <a:cs typeface="Calibri"/>
                 <a:sym typeface="Calibri"/>
               </a:rPr>
-              <a:t>14</a:t>
+              <a:t>15</a:t>
             </a:fld>
             <a:endParaRPr lang="en-US" sz="1200" b="0" i="0" u="none" strike="noStrike" cap="none">
               <a:solidFill>
@@ -2211,7 +2212,7 @@
                 <a:cs typeface="Calibri"/>
                 <a:sym typeface="Calibri"/>
               </a:rPr>
-              <a:t>16</a:t>
+              <a:t>17</a:t>
             </a:fld>
             <a:endParaRPr lang="en-US" sz="1200" b="0" i="0" u="none" strike="noStrike" cap="none">
               <a:solidFill>
@@ -2528,7 +2529,7 @@
                 <a:cs typeface="Calibri"/>
                 <a:sym typeface="Calibri"/>
               </a:rPr>
-              <a:t>4</a:t>
+              <a:t>5</a:t>
             </a:fld>
             <a:endParaRPr lang="en-US" sz="1200" b="0" i="0" u="none" strike="noStrike" cap="none">
               <a:solidFill>
@@ -2741,7 +2742,7 @@
                 <a:cs typeface="Calibri"/>
                 <a:sym typeface="Calibri"/>
               </a:rPr>
-              <a:t>6</a:t>
+              <a:t>7</a:t>
             </a:fld>
             <a:endParaRPr lang="en-US" sz="1200" b="0" i="0" u="none" strike="noStrike" cap="none">
               <a:solidFill>
@@ -2850,7 +2851,7 @@
                 <a:cs typeface="Calibri"/>
                 <a:sym typeface="Calibri"/>
               </a:rPr>
-              <a:t>7</a:t>
+              <a:t>8</a:t>
             </a:fld>
             <a:endParaRPr lang="en-US" sz="1200" b="0" i="0" u="none" strike="noStrike" cap="none">
               <a:solidFill>
@@ -2959,7 +2960,7 @@
                 <a:cs typeface="Calibri"/>
                 <a:sym typeface="Calibri"/>
               </a:rPr>
-              <a:t>8</a:t>
+              <a:t>9</a:t>
             </a:fld>
             <a:endParaRPr lang="en-US" sz="1200" b="0" i="0" u="none" strike="noStrike" cap="none">
               <a:solidFill>
@@ -3068,7 +3069,7 @@
                 <a:cs typeface="Calibri"/>
                 <a:sym typeface="Calibri"/>
               </a:rPr>
-              <a:t>9</a:t>
+              <a:t>10</a:t>
             </a:fld>
             <a:endParaRPr lang="en-US" sz="1200" b="0" i="0" u="none" strike="noStrike" cap="none">
               <a:solidFill>
@@ -13965,6 +13966,171 @@
           <p:cNvPr id="2" name="Title 1">
             <a:extLst>
               <a:ext uri="{FF2B5EF4-FFF2-40B4-BE49-F238E27FC236}">
+                <a16:creationId xmlns:a16="http://schemas.microsoft.com/office/drawing/2014/main" id="{AAEC1A20-3027-9E41-96EA-6D1DCDC93272}"/>
+              </a:ext>
+            </a:extLst>
+          </p:cNvPr>
+          <p:cNvSpPr>
+            <a:spLocks noGrp="1"/>
+          </p:cNvSpPr>
+          <p:nvPr>
+            <p:ph type="title"/>
+          </p:nvPr>
+        </p:nvSpPr>
+        <p:spPr/>
+        <p:txBody>
+          <a:bodyPr/>
+          <a:lstStyle/>
+          <a:p>
+            <a:endParaRPr lang="x-none" dirty="0"/>
+          </a:p>
+        </p:txBody>
+      </p:sp>
+      <p:sp>
+        <p:nvSpPr>
+          <p:cNvPr id="3" name="Text Placeholder 2">
+            <a:extLst>
+              <a:ext uri="{FF2B5EF4-FFF2-40B4-BE49-F238E27FC236}">
+                <a16:creationId xmlns:a16="http://schemas.microsoft.com/office/drawing/2014/main" id="{59B45981-345E-AB42-8829-13CEF210BAF2}"/>
+              </a:ext>
+            </a:extLst>
+          </p:cNvPr>
+          <p:cNvSpPr>
+            <a:spLocks noGrp="1"/>
+          </p:cNvSpPr>
+          <p:nvPr>
+            <p:ph type="body" idx="1"/>
+          </p:nvPr>
+        </p:nvSpPr>
+        <p:spPr>
+          <a:xfrm>
+            <a:off x="488950" y="1346200"/>
+            <a:ext cx="8026400" cy="769983"/>
+          </a:xfrm>
+        </p:spPr>
+        <p:txBody>
+          <a:bodyPr/>
+          <a:lstStyle/>
+          <a:p>
+            <a:r>
+              <a:rPr lang="x-none" dirty="0">
+                <a:latin typeface="Times New Roman" panose="02020603050405020304" pitchFamily="18" charset="0"/>
+                <a:cs typeface="Times New Roman" panose="02020603050405020304" pitchFamily="18" charset="0"/>
+              </a:rPr>
+              <a:t>Entity package Class Diagram</a:t>
+            </a:r>
+          </a:p>
+        </p:txBody>
+      </p:sp>
+      <p:sp>
+        <p:nvSpPr>
+          <p:cNvPr id="4" name="Slide Number Placeholder 3">
+            <a:extLst>
+              <a:ext uri="{FF2B5EF4-FFF2-40B4-BE49-F238E27FC236}">
+                <a16:creationId xmlns:a16="http://schemas.microsoft.com/office/drawing/2014/main" id="{A13BA40B-1464-B44F-B24B-1A3EB0AECC2A}"/>
+              </a:ext>
+            </a:extLst>
+          </p:cNvPr>
+          <p:cNvSpPr>
+            <a:spLocks noGrp="1"/>
+          </p:cNvSpPr>
+          <p:nvPr>
+            <p:ph type="sldNum" idx="12"/>
+          </p:nvPr>
+        </p:nvSpPr>
+        <p:spPr/>
+        <p:txBody>
+          <a:bodyPr/>
+          <a:lstStyle/>
+          <a:p>
+            <a:pPr marL="0" lvl="0" indent="0" algn="r" rtl="0">
+              <a:spcBef>
+                <a:spcPts val="0"/>
+              </a:spcBef>
+              <a:spcAft>
+                <a:spcPts val="0"/>
+              </a:spcAft>
+              <a:buNone/>
+            </a:pPr>
+            <a:fld id="{00000000-1234-1234-1234-123412341234}" type="slidenum">
+              <a:rPr lang="en-US" smtClean="0"/>
+              <a:t>10</a:t>
+            </a:fld>
+            <a:endParaRPr lang="en-US"/>
+          </a:p>
+        </p:txBody>
+      </p:sp>
+      <p:pic>
+        <p:nvPicPr>
+          <p:cNvPr id="5" name="Picture 4" descr="Diagram&#10;&#10;Description automatically generated">
+            <a:extLst>
+              <a:ext uri="{FF2B5EF4-FFF2-40B4-BE49-F238E27FC236}">
+                <a16:creationId xmlns:a16="http://schemas.microsoft.com/office/drawing/2014/main" id="{22E75AA3-6B93-1D44-808E-69FEC616EF3B}"/>
+              </a:ext>
+            </a:extLst>
+          </p:cNvPr>
+          <p:cNvPicPr>
+            <a:picLocks noChangeAspect="1"/>
+          </p:cNvPicPr>
+          <p:nvPr/>
+        </p:nvPicPr>
+        <p:blipFill>
+          <a:blip r:embed="rId3">
+            <a:extLst>
+              <a:ext uri="{28A0092B-C50C-407E-A947-70E740481C1C}">
+                <a14:useLocalDpi xmlns:a14="http://schemas.microsoft.com/office/drawing/2010/main" val="0"/>
+              </a:ext>
+            </a:extLst>
+          </a:blip>
+          <a:stretch>
+            <a:fillRect/>
+          </a:stretch>
+        </p:blipFill>
+        <p:spPr>
+          <a:xfrm>
+            <a:off x="1788340" y="2117725"/>
+            <a:ext cx="5948245" cy="3617504"/>
+          </a:xfrm>
+          <a:prstGeom prst="rect">
+            <a:avLst/>
+          </a:prstGeom>
+        </p:spPr>
+      </p:pic>
+    </p:spTree>
+    <p:extLst>
+      <p:ext uri="{BB962C8B-B14F-4D97-AF65-F5344CB8AC3E}">
+        <p14:creationId xmlns:p14="http://schemas.microsoft.com/office/powerpoint/2010/main" val="1018028430"/>
+      </p:ext>
+    </p:extLst>
+  </p:cSld>
+  <p:clrMapOvr>
+    <a:masterClrMapping/>
+  </p:clrMapOvr>
+</p:sld>
+</file>
+
+<file path=ppt/slides/slide11.xml><?xml version="1.0" encoding="utf-8"?>
+<p:sld xmlns:a="http://schemas.openxmlformats.org/drawingml/2006/main" xmlns:r="http://schemas.openxmlformats.org/officeDocument/2006/relationships" xmlns:p="http://schemas.openxmlformats.org/presentationml/2006/main">
+  <p:cSld>
+    <p:spTree>
+      <p:nvGrpSpPr>
+        <p:cNvPr id="1" name=""/>
+        <p:cNvGrpSpPr/>
+        <p:nvPr/>
+      </p:nvGrpSpPr>
+      <p:grpSpPr>
+        <a:xfrm>
+          <a:off x="0" y="0"/>
+          <a:ext cx="0" cy="0"/>
+          <a:chOff x="0" y="0"/>
+          <a:chExt cx="0" cy="0"/>
+        </a:xfrm>
+      </p:grpSpPr>
+      <p:sp>
+        <p:nvSpPr>
+          <p:cNvPr id="2" name="Title 1">
+            <a:extLst>
+              <a:ext uri="{FF2B5EF4-FFF2-40B4-BE49-F238E27FC236}">
                 <a16:creationId xmlns:a16="http://schemas.microsoft.com/office/drawing/2014/main" id="{541CB3EF-6861-A14E-B512-58214DED09D4}"/>
               </a:ext>
             </a:extLst>
@@ -14058,7 +14224,7 @@
             </a:pPr>
             <a:fld id="{00000000-1234-1234-1234-123412341234}" type="slidenum">
               <a:rPr lang="en-US" smtClean="0"/>
-              <a:t>10</a:t>
+              <a:t>11</a:t>
             </a:fld>
             <a:endParaRPr lang="en-US"/>
           </a:p>
@@ -14113,7 +14279,7 @@
 </p:sld>
 </file>
 
-<file path=ppt/slides/slide11.xml><?xml version="1.0" encoding="utf-8"?>
+<file path=ppt/slides/slide12.xml><?xml version="1.0" encoding="utf-8"?>
 <p:sld xmlns:a="http://schemas.openxmlformats.org/drawingml/2006/main" xmlns:r="http://schemas.openxmlformats.org/officeDocument/2006/relationships" xmlns:p="http://schemas.openxmlformats.org/presentationml/2006/main">
   <p:cSld>
     <p:spTree>
@@ -14228,7 +14394,7 @@
             </a:pPr>
             <a:fld id="{00000000-1234-1234-1234-123412341234}" type="slidenum">
               <a:rPr lang="en-US" smtClean="0"/>
-              <a:t>11</a:t>
+              <a:t>12</a:t>
             </a:fld>
             <a:endParaRPr lang="en-US"/>
           </a:p>
@@ -14283,7 +14449,7 @@
 </p:sld>
 </file>
 
-<file path=ppt/slides/slide12.xml><?xml version="1.0" encoding="utf-8"?>
+<file path=ppt/slides/slide13.xml><?xml version="1.0" encoding="utf-8"?>
 <p:sld xmlns:a="http://schemas.openxmlformats.org/drawingml/2006/main" xmlns:r="http://schemas.openxmlformats.org/officeDocument/2006/relationships" xmlns:p="http://schemas.openxmlformats.org/presentationml/2006/main">
   <p:cSld>
     <p:spTree>
@@ -14407,7 +14573,7 @@
             </a:pPr>
             <a:fld id="{00000000-1234-1234-1234-123412341234}" type="slidenum">
               <a:rPr lang="en-US"/>
-              <a:t>12</a:t>
+              <a:t>13</a:t>
             </a:fld>
             <a:endParaRPr/>
           </a:p>
@@ -14639,6 +14805,27 @@
               <a:t>thống</a:t>
             </a:r>
             <a:r>
+              <a:rPr lang="en-US" dirty="0">
+                <a:latin typeface="Times New Roman" panose="02020603050405020304" pitchFamily="18" charset="0"/>
+                <a:cs typeface="Times New Roman" panose="02020603050405020304" pitchFamily="18" charset="0"/>
+              </a:rPr>
+              <a:t> </a:t>
+            </a:r>
+            <a:r>
+              <a:rPr lang="en-US" dirty="0" err="1">
+                <a:latin typeface="Times New Roman" panose="02020603050405020304" pitchFamily="18" charset="0"/>
+                <a:cs typeface="Times New Roman" panose="02020603050405020304" pitchFamily="18" charset="0"/>
+              </a:rPr>
+              <a:t>có</a:t>
+            </a:r>
+            <a:r>
+              <a:rPr lang="en-US" dirty="0">
+                <a:latin typeface="Times New Roman" panose="02020603050405020304" pitchFamily="18" charset="0"/>
+                <a:cs typeface="Times New Roman" panose="02020603050405020304" pitchFamily="18" charset="0"/>
+              </a:rPr>
+              <a:t> </a:t>
+            </a:r>
+            <a:r>
               <a:rPr lang="en-US" sz="2100" b="0" i="0" u="none" strike="noStrike" cap="none" dirty="0">
                 <a:solidFill>
                   <a:srgbClr val="3F3F3F"/>
@@ -14648,7 +14835,7 @@
                 <a:cs typeface="Times New Roman" panose="02020603050405020304" pitchFamily="18" charset="0"/>
                 <a:sym typeface="Calibri"/>
               </a:rPr>
-              <a:t> </a:t>
+              <a:t>coupling </a:t>
             </a:r>
             <a:r>
               <a:rPr lang="en-US" sz="2100" b="0" i="0" u="none" strike="noStrike" cap="none" dirty="0" err="1">
@@ -14660,7 +14847,7 @@
                 <a:cs typeface="Times New Roman" panose="02020603050405020304" pitchFamily="18" charset="0"/>
                 <a:sym typeface="Calibri"/>
               </a:rPr>
-              <a:t>là</a:t>
+              <a:t>và</a:t>
             </a:r>
             <a:r>
               <a:rPr lang="en-US" sz="2100" b="0" i="0" u="none" strike="noStrike" cap="none" dirty="0">
@@ -14672,7 +14859,7 @@
                 <a:cs typeface="Times New Roman" panose="02020603050405020304" pitchFamily="18" charset="0"/>
                 <a:sym typeface="Calibri"/>
               </a:rPr>
-              <a:t> low coupling </a:t>
+              <a:t> cohesion </a:t>
             </a:r>
             <a:r>
               <a:rPr lang="en-US" sz="2100" b="0" i="0" u="none" strike="noStrike" cap="none" dirty="0" err="1">
@@ -14684,7 +14871,7 @@
                 <a:cs typeface="Times New Roman" panose="02020603050405020304" pitchFamily="18" charset="0"/>
                 <a:sym typeface="Calibri"/>
               </a:rPr>
-              <a:t>và</a:t>
+              <a:t>đều</a:t>
             </a:r>
             <a:r>
               <a:rPr lang="en-US" sz="2100" b="0" i="0" u="none" strike="noStrike" cap="none" dirty="0">
@@ -14696,15 +14883,127 @@
                 <a:cs typeface="Times New Roman" panose="02020603050405020304" pitchFamily="18" charset="0"/>
                 <a:sym typeface="Calibri"/>
               </a:rPr>
-              <a:t> high cohesion</a:t>
-            </a:r>
-            <a:r>
-              <a:rPr lang="x-none" dirty="0">
+              <a:t> </a:t>
+            </a:r>
+            <a:r>
+              <a:rPr lang="en-US" sz="2100" b="0" i="0" u="none" strike="noStrike" cap="none" dirty="0" err="1">
+                <a:solidFill>
+                  <a:srgbClr val="3F3F3F"/>
+                </a:solidFill>
+                <a:effectLst/>
+                <a:latin typeface="Times New Roman" panose="02020603050405020304" pitchFamily="18" charset="0"/>
+                <a:cs typeface="Times New Roman" panose="02020603050405020304" pitchFamily="18" charset="0"/>
+                <a:sym typeface="Calibri"/>
+              </a:rPr>
+              <a:t>ở</a:t>
+            </a:r>
+            <a:r>
+              <a:rPr lang="en-US" sz="2100" b="0" i="0" u="none" strike="noStrike" cap="none" dirty="0">
+                <a:solidFill>
+                  <a:srgbClr val="3F3F3F"/>
+                </a:solidFill>
+                <a:effectLst/>
+                <a:latin typeface="Times New Roman" panose="02020603050405020304" pitchFamily="18" charset="0"/>
+                <a:cs typeface="Times New Roman" panose="02020603050405020304" pitchFamily="18" charset="0"/>
+                <a:sym typeface="Calibri"/>
+              </a:rPr>
+              <a:t> </a:t>
+            </a:r>
+            <a:r>
+              <a:rPr lang="en-US" sz="2100" b="0" i="0" u="none" strike="noStrike" cap="none" dirty="0" err="1">
+                <a:solidFill>
+                  <a:srgbClr val="3F3F3F"/>
+                </a:solidFill>
+                <a:effectLst/>
+                <a:latin typeface="Times New Roman" panose="02020603050405020304" pitchFamily="18" charset="0"/>
+                <a:cs typeface="Times New Roman" panose="02020603050405020304" pitchFamily="18" charset="0"/>
+                <a:sym typeface="Calibri"/>
+              </a:rPr>
+              <a:t>mức</a:t>
+            </a:r>
+            <a:r>
+              <a:rPr lang="en-US" sz="2100" b="0" i="0" u="none" strike="noStrike" cap="none" dirty="0">
+                <a:solidFill>
+                  <a:srgbClr val="3F3F3F"/>
+                </a:solidFill>
+                <a:effectLst/>
+                <a:latin typeface="Times New Roman" panose="02020603050405020304" pitchFamily="18" charset="0"/>
+                <a:cs typeface="Times New Roman" panose="02020603050405020304" pitchFamily="18" charset="0"/>
+                <a:sym typeface="Calibri"/>
+              </a:rPr>
+              <a:t> </a:t>
+            </a:r>
+            <a:r>
+              <a:rPr lang="en-US" sz="2100" b="0" i="0" u="none" strike="noStrike" cap="none" dirty="0" err="1">
+                <a:solidFill>
+                  <a:srgbClr val="3F3F3F"/>
+                </a:solidFill>
+                <a:effectLst/>
+                <a:latin typeface="Times New Roman" panose="02020603050405020304" pitchFamily="18" charset="0"/>
+                <a:cs typeface="Times New Roman" panose="02020603050405020304" pitchFamily="18" charset="0"/>
+                <a:sym typeface="Calibri"/>
+              </a:rPr>
+              <a:t>chấp</a:t>
+            </a:r>
+            <a:r>
+              <a:rPr lang="en-US" sz="2100" b="0" i="0" u="none" strike="noStrike" cap="none" dirty="0">
+                <a:solidFill>
+                  <a:srgbClr val="3F3F3F"/>
+                </a:solidFill>
+                <a:effectLst/>
+                <a:latin typeface="Times New Roman" panose="02020603050405020304" pitchFamily="18" charset="0"/>
+                <a:cs typeface="Times New Roman" panose="02020603050405020304" pitchFamily="18" charset="0"/>
+                <a:sym typeface="Calibri"/>
+              </a:rPr>
+              <a:t> </a:t>
+            </a:r>
+            <a:r>
+              <a:rPr lang="en-US" sz="2100" b="0" i="0" u="none" strike="noStrike" cap="none" dirty="0" err="1">
+                <a:solidFill>
+                  <a:srgbClr val="3F3F3F"/>
+                </a:solidFill>
+                <a:effectLst/>
+                <a:latin typeface="Times New Roman" panose="02020603050405020304" pitchFamily="18" charset="0"/>
+                <a:cs typeface="Times New Roman" panose="02020603050405020304" pitchFamily="18" charset="0"/>
+                <a:sym typeface="Calibri"/>
+              </a:rPr>
+              <a:t>nhận</a:t>
+            </a:r>
+            <a:r>
+              <a:rPr lang="en-US" sz="2100" b="0" i="0" u="none" strike="noStrike" cap="none" dirty="0">
+                <a:solidFill>
+                  <a:srgbClr val="3F3F3F"/>
+                </a:solidFill>
+                <a:effectLst/>
+                <a:latin typeface="Times New Roman" panose="02020603050405020304" pitchFamily="18" charset="0"/>
+                <a:cs typeface="Times New Roman" panose="02020603050405020304" pitchFamily="18" charset="0"/>
+                <a:sym typeface="Calibri"/>
+              </a:rPr>
+              <a:t> </a:t>
+            </a:r>
+            <a:r>
+              <a:rPr lang="en-US" sz="2100" b="0" i="0" u="none" strike="noStrike" cap="none" dirty="0" err="1">
+                <a:solidFill>
+                  <a:srgbClr val="3F3F3F"/>
+                </a:solidFill>
+                <a:effectLst/>
+                <a:latin typeface="Times New Roman" panose="02020603050405020304" pitchFamily="18" charset="0"/>
+                <a:cs typeface="Times New Roman" panose="02020603050405020304" pitchFamily="18" charset="0"/>
+                <a:sym typeface="Calibri"/>
+              </a:rPr>
+              <a:t>được</a:t>
+            </a:r>
+            <a:r>
+              <a:rPr lang="x-none">
                 <a:latin typeface="Times New Roman" panose="02020603050405020304" pitchFamily="18" charset="0"/>
                 <a:cs typeface="Times New Roman" panose="02020603050405020304" pitchFamily="18" charset="0"/>
               </a:rPr>
               <a:t>.</a:t>
             </a:r>
+            <a:endParaRPr lang="x-none" dirty="0">
+              <a:latin typeface="Times New Roman" panose="02020603050405020304" pitchFamily="18" charset="0"/>
+              <a:cs typeface="Times New Roman" panose="02020603050405020304" pitchFamily="18" charset="0"/>
+            </a:endParaRPr>
           </a:p>
           <a:p>
             <a:pPr lvl="1"/>
@@ -14853,7 +15152,7 @@
 </p:sld>
 </file>
 
-<file path=ppt/slides/slide13.xml><?xml version="1.0" encoding="utf-8"?>
+<file path=ppt/slides/slide14.xml><?xml version="1.0" encoding="utf-8"?>
 <p:sld xmlns:a="http://schemas.openxmlformats.org/drawingml/2006/main" xmlns:r="http://schemas.openxmlformats.org/officeDocument/2006/relationships" xmlns:p="http://schemas.openxmlformats.org/presentationml/2006/main">
   <p:cSld>
     <p:spTree>
@@ -14941,7 +15240,7 @@
                 <a:latin typeface="Times New Roman" panose="02020603050405020304" pitchFamily="18" charset="0"/>
                 <a:cs typeface="Times New Roman" panose="02020603050405020304" pitchFamily="18" charset="0"/>
               </a:rPr>
-              <a:t>iews package : data coupling</a:t>
+              <a:t>iews package : control coupling</a:t>
             </a:r>
           </a:p>
           <a:p>
@@ -14958,7 +15257,7 @@
                 <a:latin typeface="Times New Roman" panose="02020603050405020304" pitchFamily="18" charset="0"/>
                 <a:cs typeface="Times New Roman" panose="02020603050405020304" pitchFamily="18" charset="0"/>
               </a:rPr>
-              <a:t>data coupling</a:t>
+              <a:t>stamp coupling</a:t>
             </a:r>
             <a:r>
               <a:rPr lang="en-VN" sz="2000" dirty="0">
@@ -15081,7 +15380,7 @@
             </a:pPr>
             <a:fld id="{00000000-1234-1234-1234-123412341234}" type="slidenum">
               <a:rPr lang="en-US" smtClean="0"/>
-              <a:t>13</a:t>
+              <a:t>14</a:t>
             </a:fld>
             <a:endParaRPr lang="en-US"/>
           </a:p>
@@ -15100,7 +15399,7 @@
 </p:sld>
 </file>
 
-<file path=ppt/slides/slide14.xml><?xml version="1.0" encoding="utf-8"?>
+<file path=ppt/slides/slide15.xml><?xml version="1.0" encoding="utf-8"?>
 <p:sld xmlns:a="http://schemas.openxmlformats.org/drawingml/2006/main" xmlns:r="http://schemas.openxmlformats.org/officeDocument/2006/relationships" xmlns:p="http://schemas.openxmlformats.org/presentationml/2006/main">
   <p:cSld>
     <p:spTree>
@@ -15402,424 +15701,360 @@
                 <a:latin typeface="Times New Roman" panose="02020603050405020304" pitchFamily="18" charset="0"/>
                 <a:cs typeface="Times New Roman" panose="02020603050405020304" pitchFamily="18" charset="0"/>
               </a:rPr>
-              <a:t> closed for modification : </a:t>
-            </a:r>
-            <a:r>
-              <a:rPr lang="en-US" dirty="0" err="1">
-                <a:latin typeface="Times New Roman" panose="02020603050405020304" pitchFamily="18" charset="0"/>
-                <a:cs typeface="Times New Roman" panose="02020603050405020304" pitchFamily="18" charset="0"/>
-              </a:rPr>
-              <a:t>Các</a:t>
-            </a:r>
-            <a:r>
-              <a:rPr lang="en-US" dirty="0">
+              <a:t> closed for modification </a:t>
+            </a:r>
+            <a:r>
+              <a:rPr lang="x-none" baseline="0">
+                <a:latin typeface="Times New Roman" panose="02020603050405020304" pitchFamily="18" charset="0"/>
+                <a:cs typeface="Times New Roman" panose="02020603050405020304" pitchFamily="18" charset="0"/>
+              </a:rPr>
+              <a:t>: </a:t>
+            </a:r>
+            <a:r>
+              <a:rPr lang="en-US" baseline="0" dirty="0" err="1">
+                <a:latin typeface="Times New Roman" panose="02020603050405020304" pitchFamily="18" charset="0"/>
+                <a:cs typeface="Times New Roman" panose="02020603050405020304" pitchFamily="18" charset="0"/>
+              </a:rPr>
+              <a:t>Không</a:t>
+            </a:r>
+            <a:r>
+              <a:rPr lang="en-US" baseline="0" dirty="0">
                 <a:latin typeface="Times New Roman" panose="02020603050405020304" pitchFamily="18" charset="0"/>
                 <a:cs typeface="Times New Roman" panose="02020603050405020304" pitchFamily="18" charset="0"/>
               </a:rPr>
               <a:t> </a:t>
             </a:r>
             <a:r>
-              <a:rPr lang="en-US" dirty="0" err="1">
-                <a:latin typeface="Times New Roman" panose="02020603050405020304" pitchFamily="18" charset="0"/>
-                <a:cs typeface="Times New Roman" panose="02020603050405020304" pitchFamily="18" charset="0"/>
-              </a:rPr>
-              <a:t>lớp</a:t>
-            </a:r>
-            <a:r>
-              <a:rPr lang="en-US" dirty="0">
+              <a:rPr lang="en-US" baseline="0" dirty="0" err="1">
+                <a:latin typeface="Times New Roman" panose="02020603050405020304" pitchFamily="18" charset="0"/>
+                <a:cs typeface="Times New Roman" panose="02020603050405020304" pitchFamily="18" charset="0"/>
+              </a:rPr>
+              <a:t>đáp</a:t>
+            </a:r>
+            <a:r>
+              <a:rPr lang="en-US" baseline="0" dirty="0">
                 <a:latin typeface="Times New Roman" panose="02020603050405020304" pitchFamily="18" charset="0"/>
                 <a:cs typeface="Times New Roman" panose="02020603050405020304" pitchFamily="18" charset="0"/>
               </a:rPr>
               <a:t> </a:t>
             </a:r>
             <a:r>
-              <a:rPr lang="en-US" dirty="0" err="1">
-                <a:latin typeface="Times New Roman" panose="02020603050405020304" pitchFamily="18" charset="0"/>
-                <a:cs typeface="Times New Roman" panose="02020603050405020304" pitchFamily="18" charset="0"/>
-              </a:rPr>
-              <a:t>thực</a:t>
-            </a:r>
-            <a:r>
-              <a:rPr lang="en-US" dirty="0">
+              <a:rPr lang="en-US" baseline="0" dirty="0" err="1">
+                <a:latin typeface="Times New Roman" panose="02020603050405020304" pitchFamily="18" charset="0"/>
+                <a:cs typeface="Times New Roman" panose="02020603050405020304" pitchFamily="18" charset="0"/>
+              </a:rPr>
+              <a:t>ứng</a:t>
+            </a:r>
+            <a:r>
+              <a:rPr lang="en-US" baseline="0" dirty="0">
                 <a:latin typeface="Times New Roman" panose="02020603050405020304" pitchFamily="18" charset="0"/>
                 <a:cs typeface="Times New Roman" panose="02020603050405020304" pitchFamily="18" charset="0"/>
               </a:rPr>
               <a:t> </a:t>
             </a:r>
             <a:r>
-              <a:rPr lang="en-US" dirty="0" err="1">
-                <a:latin typeface="Times New Roman" panose="02020603050405020304" pitchFamily="18" charset="0"/>
-                <a:cs typeface="Times New Roman" panose="02020603050405020304" pitchFamily="18" charset="0"/>
-              </a:rPr>
-              <a:t>hiện</a:t>
-            </a:r>
-            <a:r>
-              <a:rPr lang="en-US" dirty="0">
+              <a:rPr lang="en-US" baseline="0" dirty="0" err="1">
+                <a:latin typeface="Times New Roman" panose="02020603050405020304" pitchFamily="18" charset="0"/>
+                <a:cs typeface="Times New Roman" panose="02020603050405020304" pitchFamily="18" charset="0"/>
+              </a:rPr>
+              <a:t>được</a:t>
+            </a:r>
+            <a:r>
+              <a:rPr lang="en-US" baseline="0" dirty="0">
                 <a:latin typeface="Times New Roman" panose="02020603050405020304" pitchFamily="18" charset="0"/>
                 <a:cs typeface="Times New Roman" panose="02020603050405020304" pitchFamily="18" charset="0"/>
               </a:rPr>
               <a:t> </a:t>
             </a:r>
             <a:r>
-              <a:rPr lang="en-US" dirty="0" err="1">
-                <a:latin typeface="Times New Roman" panose="02020603050405020304" pitchFamily="18" charset="0"/>
-                <a:cs typeface="Times New Roman" panose="02020603050405020304" pitchFamily="18" charset="0"/>
-              </a:rPr>
-              <a:t>tính</a:t>
-            </a:r>
-            <a:r>
-              <a:rPr lang="en-US" dirty="0">
+              <a:rPr lang="en-US" baseline="0" dirty="0" err="1">
+                <a:latin typeface="Times New Roman" panose="02020603050405020304" pitchFamily="18" charset="0"/>
+                <a:cs typeface="Times New Roman" panose="02020603050405020304" pitchFamily="18" charset="0"/>
+              </a:rPr>
+              <a:t>ở</a:t>
+            </a:r>
+            <a:r>
+              <a:rPr lang="en-US" baseline="0" dirty="0">
                 <a:latin typeface="Times New Roman" panose="02020603050405020304" pitchFamily="18" charset="0"/>
                 <a:cs typeface="Times New Roman" panose="02020603050405020304" pitchFamily="18" charset="0"/>
               </a:rPr>
               <a:t> </a:t>
             </a:r>
             <a:r>
-              <a:rPr lang="en-US" dirty="0" err="1">
+              <a:rPr lang="en-US" baseline="0" dirty="0" err="1">
+                <a:latin typeface="Times New Roman" panose="02020603050405020304" pitchFamily="18" charset="0"/>
+                <a:cs typeface="Times New Roman" panose="02020603050405020304" pitchFamily="18" charset="0"/>
+              </a:rPr>
+              <a:t>PaymentTransaction</a:t>
+            </a:r>
+            <a:r>
+              <a:rPr lang="en-US" baseline="0" dirty="0">
+                <a:latin typeface="Times New Roman" panose="02020603050405020304" pitchFamily="18" charset="0"/>
+                <a:cs typeface="Times New Roman" panose="02020603050405020304" pitchFamily="18" charset="0"/>
+              </a:rPr>
+              <a:t> </a:t>
+            </a:r>
+            <a:r>
+              <a:rPr lang="en-US" baseline="0" dirty="0" err="1">
+                <a:latin typeface="Times New Roman" panose="02020603050405020304" pitchFamily="18" charset="0"/>
+                <a:cs typeface="Times New Roman" panose="02020603050405020304" pitchFamily="18" charset="0"/>
+              </a:rPr>
+              <a:t>và</a:t>
+            </a:r>
+            <a:r>
+              <a:rPr lang="en-US" baseline="0" dirty="0">
+                <a:latin typeface="Times New Roman" panose="02020603050405020304" pitchFamily="18" charset="0"/>
+                <a:cs typeface="Times New Roman" panose="02020603050405020304" pitchFamily="18" charset="0"/>
+              </a:rPr>
+              <a:t> Card do </a:t>
+            </a:r>
+            <a:r>
+              <a:rPr lang="en-US" baseline="0" dirty="0" err="1">
+                <a:latin typeface="Times New Roman" panose="02020603050405020304" pitchFamily="18" charset="0"/>
+                <a:cs typeface="Times New Roman" panose="02020603050405020304" pitchFamily="18" charset="0"/>
+              </a:rPr>
+              <a:t>chúng</a:t>
+            </a:r>
+            <a:r>
+              <a:rPr lang="en-US" baseline="0" dirty="0">
+                <a:latin typeface="Times New Roman" panose="02020603050405020304" pitchFamily="18" charset="0"/>
+                <a:cs typeface="Times New Roman" panose="02020603050405020304" pitchFamily="18" charset="0"/>
+              </a:rPr>
+              <a:t> </a:t>
+            </a:r>
+            <a:r>
+              <a:rPr lang="en-US" baseline="0" dirty="0" err="1">
+                <a:latin typeface="Times New Roman" panose="02020603050405020304" pitchFamily="18" charset="0"/>
+                <a:cs typeface="Times New Roman" panose="02020603050405020304" pitchFamily="18" charset="0"/>
+              </a:rPr>
+              <a:t>đang</a:t>
+            </a:r>
+            <a:r>
+              <a:rPr lang="en-US" baseline="0" dirty="0">
+                <a:latin typeface="Times New Roman" panose="02020603050405020304" pitchFamily="18" charset="0"/>
+                <a:cs typeface="Times New Roman" panose="02020603050405020304" pitchFamily="18" charset="0"/>
+              </a:rPr>
+              <a:t> </a:t>
+            </a:r>
+            <a:r>
+              <a:rPr lang="en-US" baseline="0" dirty="0" err="1">
+                <a:latin typeface="Times New Roman" panose="02020603050405020304" pitchFamily="18" charset="0"/>
+                <a:cs typeface="Times New Roman" panose="02020603050405020304" pitchFamily="18" charset="0"/>
+              </a:rPr>
+              <a:t>phụ</a:t>
+            </a:r>
+            <a:r>
+              <a:rPr lang="en-US" baseline="0" dirty="0">
+                <a:latin typeface="Times New Roman" panose="02020603050405020304" pitchFamily="18" charset="0"/>
+                <a:cs typeface="Times New Roman" panose="02020603050405020304" pitchFamily="18" charset="0"/>
+              </a:rPr>
+              <a:t> </a:t>
+            </a:r>
+            <a:r>
+              <a:rPr lang="en-US" baseline="0" dirty="0" err="1">
+                <a:latin typeface="Times New Roman" panose="02020603050405020304" pitchFamily="18" charset="0"/>
+                <a:cs typeface="Times New Roman" panose="02020603050405020304" pitchFamily="18" charset="0"/>
+              </a:rPr>
+              <a:t>thuộc</a:t>
+            </a:r>
+            <a:r>
+              <a:rPr lang="en-US" baseline="0" dirty="0">
+                <a:latin typeface="Times New Roman" panose="02020603050405020304" pitchFamily="18" charset="0"/>
+                <a:cs typeface="Times New Roman" panose="02020603050405020304" pitchFamily="18" charset="0"/>
+              </a:rPr>
+              <a:t> </a:t>
+            </a:r>
+            <a:r>
+              <a:rPr lang="en-US" baseline="0" dirty="0" err="1">
+                <a:latin typeface="Times New Roman" panose="02020603050405020304" pitchFamily="18" charset="0"/>
+                <a:cs typeface="Times New Roman" panose="02020603050405020304" pitchFamily="18" charset="0"/>
+              </a:rPr>
+              <a:t>chặt</a:t>
+            </a:r>
+            <a:r>
+              <a:rPr lang="en-US" baseline="0" dirty="0">
+                <a:latin typeface="Times New Roman" panose="02020603050405020304" pitchFamily="18" charset="0"/>
+                <a:cs typeface="Times New Roman" panose="02020603050405020304" pitchFamily="18" charset="0"/>
+              </a:rPr>
+              <a:t> </a:t>
+            </a:r>
+            <a:r>
+              <a:rPr lang="en-US" baseline="0" dirty="0" err="1">
+                <a:latin typeface="Times New Roman" panose="02020603050405020304" pitchFamily="18" charset="0"/>
+                <a:cs typeface="Times New Roman" panose="02020603050405020304" pitchFamily="18" charset="0"/>
+              </a:rPr>
+              <a:t>chẽ</a:t>
+            </a:r>
+            <a:r>
+              <a:rPr lang="en-US" baseline="0" dirty="0">
+                <a:latin typeface="Times New Roman" panose="02020603050405020304" pitchFamily="18" charset="0"/>
+                <a:cs typeface="Times New Roman" panose="02020603050405020304" pitchFamily="18" charset="0"/>
+              </a:rPr>
+              <a:t> </a:t>
+            </a:r>
+            <a:r>
+              <a:rPr lang="en-US" baseline="0" dirty="0" err="1">
+                <a:latin typeface="Times New Roman" panose="02020603050405020304" pitchFamily="18" charset="0"/>
+                <a:cs typeface="Times New Roman" panose="02020603050405020304" pitchFamily="18" charset="0"/>
+              </a:rPr>
+              <a:t>vào</a:t>
+            </a:r>
+            <a:r>
+              <a:rPr lang="en-US" baseline="0" dirty="0">
+                <a:latin typeface="Times New Roman" panose="02020603050405020304" pitchFamily="18" charset="0"/>
+                <a:cs typeface="Times New Roman" panose="02020603050405020304" pitchFamily="18" charset="0"/>
+              </a:rPr>
+              <a:t> </a:t>
+            </a:r>
+            <a:r>
+              <a:rPr lang="en-US" baseline="0" dirty="0" err="1">
+                <a:latin typeface="Times New Roman" panose="02020603050405020304" pitchFamily="18" charset="0"/>
+                <a:cs typeface="Times New Roman" panose="02020603050405020304" pitchFamily="18" charset="0"/>
+              </a:rPr>
+              <a:t>nhau,khó</a:t>
+            </a:r>
+            <a:r>
+              <a:rPr lang="en-US" baseline="0" dirty="0">
+                <a:latin typeface="Times New Roman" panose="02020603050405020304" pitchFamily="18" charset="0"/>
+                <a:cs typeface="Times New Roman" panose="02020603050405020304" pitchFamily="18" charset="0"/>
+              </a:rPr>
+              <a:t> </a:t>
+            </a:r>
+            <a:r>
+              <a:rPr lang="en-US" baseline="0" dirty="0" err="1">
+                <a:latin typeface="Times New Roman" panose="02020603050405020304" pitchFamily="18" charset="0"/>
+                <a:cs typeface="Times New Roman" panose="02020603050405020304" pitchFamily="18" charset="0"/>
+              </a:rPr>
+              <a:t>mở</a:t>
+            </a:r>
+            <a:r>
+              <a:rPr lang="en-US" baseline="0" dirty="0">
+                <a:latin typeface="Times New Roman" panose="02020603050405020304" pitchFamily="18" charset="0"/>
+                <a:cs typeface="Times New Roman" panose="02020603050405020304" pitchFamily="18" charset="0"/>
+              </a:rPr>
+              <a:t> </a:t>
+            </a:r>
+            <a:r>
+              <a:rPr lang="en-US" baseline="0" dirty="0" err="1">
+                <a:latin typeface="Times New Roman" panose="02020603050405020304" pitchFamily="18" charset="0"/>
+                <a:cs typeface="Times New Roman" panose="02020603050405020304" pitchFamily="18" charset="0"/>
+              </a:rPr>
+              <a:t>rộng</a:t>
+            </a:r>
+            <a:r>
+              <a:rPr lang="en-US" baseline="0" dirty="0">
+                <a:latin typeface="Times New Roman" panose="02020603050405020304" pitchFamily="18" charset="0"/>
+                <a:cs typeface="Times New Roman" panose="02020603050405020304" pitchFamily="18" charset="0"/>
+              </a:rPr>
+              <a:t> </a:t>
+            </a:r>
+            <a:r>
+              <a:rPr lang="en-US" baseline="0" dirty="0" err="1">
+                <a:latin typeface="Times New Roman" panose="02020603050405020304" pitchFamily="18" charset="0"/>
+                <a:cs typeface="Times New Roman" panose="02020603050405020304" pitchFamily="18" charset="0"/>
+              </a:rPr>
+              <a:t>khi</a:t>
+            </a:r>
+            <a:r>
+              <a:rPr lang="en-US" baseline="0" dirty="0">
+                <a:latin typeface="Times New Roman" panose="02020603050405020304" pitchFamily="18" charset="0"/>
+                <a:cs typeface="Times New Roman" panose="02020603050405020304" pitchFamily="18" charset="0"/>
+              </a:rPr>
+              <a:t> </a:t>
+            </a:r>
+            <a:r>
+              <a:rPr lang="en-US" baseline="0" dirty="0" err="1">
+                <a:latin typeface="Times New Roman" panose="02020603050405020304" pitchFamily="18" charset="0"/>
+                <a:cs typeface="Times New Roman" panose="02020603050405020304" pitchFamily="18" charset="0"/>
+              </a:rPr>
+              <a:t>thêm</a:t>
+            </a:r>
+            <a:r>
+              <a:rPr lang="en-US" baseline="0" dirty="0">
+                <a:latin typeface="Times New Roman" panose="02020603050405020304" pitchFamily="18" charset="0"/>
+                <a:cs typeface="Times New Roman" panose="02020603050405020304" pitchFamily="18" charset="0"/>
+              </a:rPr>
+              <a:t> </a:t>
+            </a:r>
+            <a:r>
+              <a:rPr lang="en-US" baseline="0" dirty="0" err="1">
+                <a:latin typeface="Times New Roman" panose="02020603050405020304" pitchFamily="18" charset="0"/>
+                <a:cs typeface="Times New Roman" panose="02020603050405020304" pitchFamily="18" charset="0"/>
+              </a:rPr>
+              <a:t>nhiều</a:t>
+            </a:r>
+            <a:r>
+              <a:rPr lang="en-US" baseline="0" dirty="0">
+                <a:latin typeface="Times New Roman" panose="02020603050405020304" pitchFamily="18" charset="0"/>
+                <a:cs typeface="Times New Roman" panose="02020603050405020304" pitchFamily="18" charset="0"/>
+              </a:rPr>
+              <a:t> </a:t>
+            </a:r>
+            <a:r>
+              <a:rPr lang="en-US" baseline="0" dirty="0" err="1">
+                <a:latin typeface="Times New Roman" panose="02020603050405020304" pitchFamily="18" charset="0"/>
+                <a:cs typeface="Times New Roman" panose="02020603050405020304" pitchFamily="18" charset="0"/>
+              </a:rPr>
+              <a:t>phương</a:t>
+            </a:r>
+            <a:r>
+              <a:rPr lang="en-US" baseline="0" dirty="0">
+                <a:latin typeface="Times New Roman" panose="02020603050405020304" pitchFamily="18" charset="0"/>
+                <a:cs typeface="Times New Roman" panose="02020603050405020304" pitchFamily="18" charset="0"/>
+              </a:rPr>
+              <a:t> </a:t>
+            </a:r>
+            <a:r>
+              <a:rPr lang="en-US" baseline="0" dirty="0" err="1">
+                <a:latin typeface="Times New Roman" panose="02020603050405020304" pitchFamily="18" charset="0"/>
+                <a:cs typeface="Times New Roman" panose="02020603050405020304" pitchFamily="18" charset="0"/>
+              </a:rPr>
+              <a:t>thức</a:t>
+            </a:r>
+            <a:r>
+              <a:rPr lang="en-US" baseline="0" dirty="0">
+                <a:latin typeface="Times New Roman" panose="02020603050405020304" pitchFamily="18" charset="0"/>
+                <a:cs typeface="Times New Roman" panose="02020603050405020304" pitchFamily="18" charset="0"/>
+              </a:rPr>
+              <a:t> </a:t>
+            </a:r>
+            <a:r>
+              <a:rPr lang="en-US" baseline="0" dirty="0" err="1">
+                <a:latin typeface="Times New Roman" panose="02020603050405020304" pitchFamily="18" charset="0"/>
+                <a:cs typeface="Times New Roman" panose="02020603050405020304" pitchFamily="18" charset="0"/>
+              </a:rPr>
+              <a:t>thanh</a:t>
+            </a:r>
+            <a:r>
+              <a:rPr lang="en-US" baseline="0" dirty="0">
+                <a:latin typeface="Times New Roman" panose="02020603050405020304" pitchFamily="18" charset="0"/>
+                <a:cs typeface="Times New Roman" panose="02020603050405020304" pitchFamily="18" charset="0"/>
+              </a:rPr>
+              <a:t> </a:t>
+            </a:r>
+            <a:r>
+              <a:rPr lang="en-US" baseline="0" dirty="0" err="1">
                 <a:latin typeface="Times New Roman" panose="02020603050405020304" pitchFamily="18" charset="0"/>
                 <a:cs typeface="Times New Roman" panose="02020603050405020304" pitchFamily="18" charset="0"/>
               </a:rPr>
               <a:t>toán</a:t>
             </a:r>
             <a:r>
-              <a:rPr lang="en-US" dirty="0">
-                <a:latin typeface="Times New Roman" panose="02020603050405020304" pitchFamily="18" charset="0"/>
-                <a:cs typeface="Times New Roman" panose="02020603050405020304" pitchFamily="18" charset="0"/>
-              </a:rPr>
-              <a:t> hay </a:t>
-            </a:r>
-            <a:r>
-              <a:rPr lang="en-US" dirty="0" err="1">
-                <a:latin typeface="Times New Roman" panose="02020603050405020304" pitchFamily="18" charset="0"/>
-                <a:cs typeface="Times New Roman" panose="02020603050405020304" pitchFamily="18" charset="0"/>
-              </a:rPr>
-              <a:t>lớp</a:t>
-            </a:r>
-            <a:r>
-              <a:rPr lang="en-US" dirty="0">
-                <a:latin typeface="Times New Roman" panose="02020603050405020304" pitchFamily="18" charset="0"/>
-                <a:cs typeface="Times New Roman" panose="02020603050405020304" pitchFamily="18" charset="0"/>
-              </a:rPr>
-              <a:t> </a:t>
-            </a:r>
-            <a:r>
-              <a:rPr lang="en-US" dirty="0" err="1">
-                <a:latin typeface="Times New Roman" panose="02020603050405020304" pitchFamily="18" charset="0"/>
-                <a:cs typeface="Times New Roman" panose="02020603050405020304" pitchFamily="18" charset="0"/>
-              </a:rPr>
-              <a:t>thực</a:t>
-            </a:r>
-            <a:r>
-              <a:rPr lang="en-US" dirty="0">
-                <a:latin typeface="Times New Roman" panose="02020603050405020304" pitchFamily="18" charset="0"/>
-                <a:cs typeface="Times New Roman" panose="02020603050405020304" pitchFamily="18" charset="0"/>
-              </a:rPr>
-              <a:t> </a:t>
-            </a:r>
-            <a:r>
-              <a:rPr lang="en-US" dirty="0" err="1">
-                <a:latin typeface="Times New Roman" panose="02020603050405020304" pitchFamily="18" charset="0"/>
-                <a:cs typeface="Times New Roman" panose="02020603050405020304" pitchFamily="18" charset="0"/>
-              </a:rPr>
-              <a:t>hiện</a:t>
-            </a:r>
-            <a:r>
-              <a:rPr lang="en-US" dirty="0">
-                <a:latin typeface="Times New Roman" panose="02020603050405020304" pitchFamily="18" charset="0"/>
-                <a:cs typeface="Times New Roman" panose="02020603050405020304" pitchFamily="18" charset="0"/>
-              </a:rPr>
-              <a:t> </a:t>
-            </a:r>
-            <a:r>
-              <a:rPr lang="en-US" dirty="0" err="1">
-                <a:latin typeface="Times New Roman" panose="02020603050405020304" pitchFamily="18" charset="0"/>
-                <a:cs typeface="Times New Roman" panose="02020603050405020304" pitchFamily="18" charset="0"/>
-              </a:rPr>
-              <a:t>quy</a:t>
-            </a:r>
-            <a:r>
-              <a:rPr lang="en-US" dirty="0">
-                <a:latin typeface="Times New Roman" panose="02020603050405020304" pitchFamily="18" charset="0"/>
-                <a:cs typeface="Times New Roman" panose="02020603050405020304" pitchFamily="18" charset="0"/>
-              </a:rPr>
-              <a:t> </a:t>
-            </a:r>
-            <a:r>
-              <a:rPr lang="en-US" dirty="0" err="1">
-                <a:latin typeface="Times New Roman" panose="02020603050405020304" pitchFamily="18" charset="0"/>
-                <a:cs typeface="Times New Roman" panose="02020603050405020304" pitchFamily="18" charset="0"/>
-              </a:rPr>
-              <a:t>trình</a:t>
-            </a:r>
-            <a:r>
-              <a:rPr lang="en-US" dirty="0">
-                <a:latin typeface="Times New Roman" panose="02020603050405020304" pitchFamily="18" charset="0"/>
-                <a:cs typeface="Times New Roman" panose="02020603050405020304" pitchFamily="18" charset="0"/>
-              </a:rPr>
-              <a:t> </a:t>
-            </a:r>
-            <a:r>
-              <a:rPr lang="en-US" dirty="0" err="1">
-                <a:latin typeface="Times New Roman" panose="02020603050405020304" pitchFamily="18" charset="0"/>
-                <a:cs typeface="Times New Roman" panose="02020603050405020304" pitchFamily="18" charset="0"/>
-              </a:rPr>
-              <a:t>lấy</a:t>
-            </a:r>
-            <a:r>
-              <a:rPr lang="en-US" dirty="0">
-                <a:latin typeface="Times New Roman" panose="02020603050405020304" pitchFamily="18" charset="0"/>
-                <a:cs typeface="Times New Roman" panose="02020603050405020304" pitchFamily="18" charset="0"/>
-              </a:rPr>
-              <a:t> </a:t>
-            </a:r>
-            <a:r>
-              <a:rPr lang="en-US" dirty="0" err="1">
-                <a:latin typeface="Times New Roman" panose="02020603050405020304" pitchFamily="18" charset="0"/>
-                <a:cs typeface="Times New Roman" panose="02020603050405020304" pitchFamily="18" charset="0"/>
-              </a:rPr>
-              <a:t>dữ</a:t>
-            </a:r>
-            <a:r>
-              <a:rPr lang="en-US" dirty="0">
-                <a:latin typeface="Times New Roman" panose="02020603050405020304" pitchFamily="18" charset="0"/>
-                <a:cs typeface="Times New Roman" panose="02020603050405020304" pitchFamily="18" charset="0"/>
-              </a:rPr>
-              <a:t> </a:t>
-            </a:r>
-            <a:r>
-              <a:rPr lang="en-US" dirty="0" err="1">
-                <a:latin typeface="Times New Roman" panose="02020603050405020304" pitchFamily="18" charset="0"/>
-                <a:cs typeface="Times New Roman" panose="02020603050405020304" pitchFamily="18" charset="0"/>
-              </a:rPr>
-              <a:t>liệu</a:t>
-            </a:r>
-            <a:r>
-              <a:rPr lang="en-US" dirty="0">
-                <a:latin typeface="Times New Roman" panose="02020603050405020304" pitchFamily="18" charset="0"/>
-                <a:cs typeface="Times New Roman" panose="02020603050405020304" pitchFamily="18" charset="0"/>
-              </a:rPr>
-              <a:t> </a:t>
-            </a:r>
-            <a:r>
-              <a:rPr lang="en-US" dirty="0" err="1">
-                <a:latin typeface="Times New Roman" panose="02020603050405020304" pitchFamily="18" charset="0"/>
-                <a:cs typeface="Times New Roman" panose="02020603050405020304" pitchFamily="18" charset="0"/>
-              </a:rPr>
-              <a:t>đều</a:t>
-            </a:r>
-            <a:r>
-              <a:rPr lang="en-US" dirty="0">
-                <a:latin typeface="Times New Roman" panose="02020603050405020304" pitchFamily="18" charset="0"/>
-                <a:cs typeface="Times New Roman" panose="02020603050405020304" pitchFamily="18" charset="0"/>
-              </a:rPr>
-              <a:t> </a:t>
-            </a:r>
-            <a:r>
-              <a:rPr lang="en-US" dirty="0" err="1">
-                <a:latin typeface="Times New Roman" panose="02020603050405020304" pitchFamily="18" charset="0"/>
-                <a:cs typeface="Times New Roman" panose="02020603050405020304" pitchFamily="18" charset="0"/>
-              </a:rPr>
-              <a:t>là</a:t>
-            </a:r>
-            <a:r>
-              <a:rPr lang="en-US" dirty="0">
-                <a:latin typeface="Times New Roman" panose="02020603050405020304" pitchFamily="18" charset="0"/>
-                <a:cs typeface="Times New Roman" panose="02020603050405020304" pitchFamily="18" charset="0"/>
-              </a:rPr>
-              <a:t> abstraction, </a:t>
-            </a:r>
-            <a:r>
-              <a:rPr lang="en-US" dirty="0" err="1">
-                <a:latin typeface="Times New Roman" panose="02020603050405020304" pitchFamily="18" charset="0"/>
-                <a:cs typeface="Times New Roman" panose="02020603050405020304" pitchFamily="18" charset="0"/>
-              </a:rPr>
-              <a:t>nên</a:t>
-            </a:r>
-            <a:r>
-              <a:rPr lang="en-US" dirty="0">
-                <a:latin typeface="Times New Roman" panose="02020603050405020304" pitchFamily="18" charset="0"/>
-                <a:cs typeface="Times New Roman" panose="02020603050405020304" pitchFamily="18" charset="0"/>
-              </a:rPr>
-              <a:t> </a:t>
-            </a:r>
-            <a:r>
-              <a:rPr lang="en-US" dirty="0" err="1">
-                <a:latin typeface="Times New Roman" panose="02020603050405020304" pitchFamily="18" charset="0"/>
-                <a:cs typeface="Times New Roman" panose="02020603050405020304" pitchFamily="18" charset="0"/>
-              </a:rPr>
-              <a:t>khi</a:t>
-            </a:r>
-            <a:r>
-              <a:rPr lang="en-US" dirty="0">
-                <a:latin typeface="Times New Roman" panose="02020603050405020304" pitchFamily="18" charset="0"/>
-                <a:cs typeface="Times New Roman" panose="02020603050405020304" pitchFamily="18" charset="0"/>
-              </a:rPr>
-              <a:t> </a:t>
-            </a:r>
-            <a:r>
-              <a:rPr lang="en-US" dirty="0" err="1">
-                <a:latin typeface="Times New Roman" panose="02020603050405020304" pitchFamily="18" charset="0"/>
-                <a:cs typeface="Times New Roman" panose="02020603050405020304" pitchFamily="18" charset="0"/>
-              </a:rPr>
-              <a:t>muốn</a:t>
-            </a:r>
-            <a:r>
-              <a:rPr lang="en-US" dirty="0">
-                <a:latin typeface="Times New Roman" panose="02020603050405020304" pitchFamily="18" charset="0"/>
-                <a:cs typeface="Times New Roman" panose="02020603050405020304" pitchFamily="18" charset="0"/>
-              </a:rPr>
-              <a:t> </a:t>
-            </a:r>
-            <a:r>
-              <a:rPr lang="en-US" dirty="0" err="1">
-                <a:latin typeface="Times New Roman" panose="02020603050405020304" pitchFamily="18" charset="0"/>
-                <a:cs typeface="Times New Roman" panose="02020603050405020304" pitchFamily="18" charset="0"/>
-              </a:rPr>
-              <a:t>thay</a:t>
-            </a:r>
-            <a:r>
-              <a:rPr lang="en-US" dirty="0">
-                <a:latin typeface="Times New Roman" panose="02020603050405020304" pitchFamily="18" charset="0"/>
-                <a:cs typeface="Times New Roman" panose="02020603050405020304" pitchFamily="18" charset="0"/>
-              </a:rPr>
-              <a:t> </a:t>
-            </a:r>
-            <a:r>
-              <a:rPr lang="en-US" dirty="0" err="1">
-                <a:latin typeface="Times New Roman" panose="02020603050405020304" pitchFamily="18" charset="0"/>
-                <a:cs typeface="Times New Roman" panose="02020603050405020304" pitchFamily="18" charset="0"/>
-              </a:rPr>
-              <a:t>đổi</a:t>
-            </a:r>
-            <a:r>
-              <a:rPr lang="en-US" dirty="0">
-                <a:latin typeface="Times New Roman" panose="02020603050405020304" pitchFamily="18" charset="0"/>
-                <a:cs typeface="Times New Roman" panose="02020603050405020304" pitchFamily="18" charset="0"/>
-              </a:rPr>
-              <a:t> </a:t>
-            </a:r>
-            <a:r>
-              <a:rPr lang="en-US" dirty="0" err="1">
-                <a:latin typeface="Times New Roman" panose="02020603050405020304" pitchFamily="18" charset="0"/>
-                <a:cs typeface="Times New Roman" panose="02020603050405020304" pitchFamily="18" charset="0"/>
-              </a:rPr>
-              <a:t>thì</a:t>
-            </a:r>
-            <a:r>
-              <a:rPr lang="en-US" dirty="0">
-                <a:latin typeface="Times New Roman" panose="02020603050405020304" pitchFamily="18" charset="0"/>
-                <a:cs typeface="Times New Roman" panose="02020603050405020304" pitchFamily="18" charset="0"/>
-              </a:rPr>
-              <a:t> ta </a:t>
-            </a:r>
-            <a:r>
-              <a:rPr lang="en-US" dirty="0" err="1">
-                <a:latin typeface="Times New Roman" panose="02020603050405020304" pitchFamily="18" charset="0"/>
-                <a:cs typeface="Times New Roman" panose="02020603050405020304" pitchFamily="18" charset="0"/>
-              </a:rPr>
-              <a:t>chỉ</a:t>
-            </a:r>
-            <a:r>
-              <a:rPr lang="en-US" dirty="0">
-                <a:latin typeface="Times New Roman" panose="02020603050405020304" pitchFamily="18" charset="0"/>
-                <a:cs typeface="Times New Roman" panose="02020603050405020304" pitchFamily="18" charset="0"/>
-              </a:rPr>
-              <a:t> </a:t>
-            </a:r>
-            <a:r>
-              <a:rPr lang="en-US" dirty="0" err="1">
-                <a:latin typeface="Times New Roman" panose="02020603050405020304" pitchFamily="18" charset="0"/>
-                <a:cs typeface="Times New Roman" panose="02020603050405020304" pitchFamily="18" charset="0"/>
-              </a:rPr>
-              <a:t>cần</a:t>
-            </a:r>
-            <a:r>
-              <a:rPr lang="en-US" dirty="0">
-                <a:latin typeface="Times New Roman" panose="02020603050405020304" pitchFamily="18" charset="0"/>
-                <a:cs typeface="Times New Roman" panose="02020603050405020304" pitchFamily="18" charset="0"/>
-              </a:rPr>
-              <a:t> </a:t>
-            </a:r>
-            <a:r>
-              <a:rPr lang="en-US" dirty="0" err="1">
-                <a:latin typeface="Times New Roman" panose="02020603050405020304" pitchFamily="18" charset="0"/>
-                <a:cs typeface="Times New Roman" panose="02020603050405020304" pitchFamily="18" charset="0"/>
-              </a:rPr>
-              <a:t>thêm</a:t>
-            </a:r>
-            <a:r>
-              <a:rPr lang="en-US" dirty="0">
-                <a:latin typeface="Times New Roman" panose="02020603050405020304" pitchFamily="18" charset="0"/>
-                <a:cs typeface="Times New Roman" panose="02020603050405020304" pitchFamily="18" charset="0"/>
-              </a:rPr>
-              <a:t> </a:t>
-            </a:r>
-            <a:r>
-              <a:rPr lang="en-US" dirty="0" err="1">
-                <a:latin typeface="Times New Roman" panose="02020603050405020304" pitchFamily="18" charset="0"/>
-                <a:cs typeface="Times New Roman" panose="02020603050405020304" pitchFamily="18" charset="0"/>
-              </a:rPr>
-              <a:t>một</a:t>
-            </a:r>
-            <a:r>
-              <a:rPr lang="en-US" dirty="0">
-                <a:latin typeface="Times New Roman" panose="02020603050405020304" pitchFamily="18" charset="0"/>
-                <a:cs typeface="Times New Roman" panose="02020603050405020304" pitchFamily="18" charset="0"/>
-              </a:rPr>
-              <a:t> </a:t>
-            </a:r>
-            <a:r>
-              <a:rPr lang="en-US" dirty="0" err="1">
-                <a:latin typeface="Times New Roman" panose="02020603050405020304" pitchFamily="18" charset="0"/>
-                <a:cs typeface="Times New Roman" panose="02020603050405020304" pitchFamily="18" charset="0"/>
-              </a:rPr>
-              <a:t>lớp</a:t>
-            </a:r>
-            <a:r>
-              <a:rPr lang="en-US" dirty="0">
-                <a:latin typeface="Times New Roman" panose="02020603050405020304" pitchFamily="18" charset="0"/>
-                <a:cs typeface="Times New Roman" panose="02020603050405020304" pitchFamily="18" charset="0"/>
-              </a:rPr>
-              <a:t> </a:t>
-            </a:r>
-            <a:r>
-              <a:rPr lang="en-US" dirty="0" err="1">
-                <a:latin typeface="Times New Roman" panose="02020603050405020304" pitchFamily="18" charset="0"/>
-                <a:cs typeface="Times New Roman" panose="02020603050405020304" pitchFamily="18" charset="0"/>
-              </a:rPr>
-              <a:t>dẫn</a:t>
-            </a:r>
-            <a:r>
-              <a:rPr lang="en-US" dirty="0">
-                <a:latin typeface="Times New Roman" panose="02020603050405020304" pitchFamily="18" charset="0"/>
-                <a:cs typeface="Times New Roman" panose="02020603050405020304" pitchFamily="18" charset="0"/>
-              </a:rPr>
-              <a:t> </a:t>
-            </a:r>
-            <a:r>
-              <a:rPr lang="en-US" dirty="0" err="1">
-                <a:latin typeface="Times New Roman" panose="02020603050405020304" pitchFamily="18" charset="0"/>
-                <a:cs typeface="Times New Roman" panose="02020603050405020304" pitchFamily="18" charset="0"/>
-              </a:rPr>
-              <a:t>suất</a:t>
-            </a:r>
-            <a:r>
-              <a:rPr lang="en-US" dirty="0">
-                <a:latin typeface="Times New Roman" panose="02020603050405020304" pitchFamily="18" charset="0"/>
-                <a:cs typeface="Times New Roman" panose="02020603050405020304" pitchFamily="18" charset="0"/>
-              </a:rPr>
-              <a:t> </a:t>
-            </a:r>
-            <a:r>
-              <a:rPr lang="en-US" dirty="0" err="1">
-                <a:latin typeface="Times New Roman" panose="02020603050405020304" pitchFamily="18" charset="0"/>
-                <a:cs typeface="Times New Roman" panose="02020603050405020304" pitchFamily="18" charset="0"/>
-              </a:rPr>
-              <a:t>mới</a:t>
-            </a:r>
-            <a:r>
-              <a:rPr lang="x-none" dirty="0"/>
+              <a:rPr lang="x-none"/>
               <a:t>.</a:t>
+            </a:r>
+            <a:endParaRPr lang="vi-VN" dirty="0"/>
+          </a:p>
+          <a:p>
+            <a:pPr marL="571500" lvl="1" indent="0">
+              <a:buNone/>
+            </a:pPr>
+            <a:r>
+              <a:rPr lang="vi-VN" baseline="0" dirty="0">
+                <a:latin typeface="Times New Roman" panose="02020603050405020304" pitchFamily="18" charset="0"/>
+                <a:cs typeface="Times New Roman" panose="02020603050405020304" pitchFamily="18" charset="0"/>
+              </a:rPr>
+              <a:t>	Có thể khắc phục bằng cách tạo 1 lớp abstract PaymentCard và để cho 	lớp CreditCard (và các lớp liên quan về thẻ thanh toán) kế thừa.</a:t>
             </a:r>
             <a:endParaRPr lang="x-none" baseline="0" dirty="0">
               <a:latin typeface="Times New Roman" panose="02020603050405020304" pitchFamily="18" charset="0"/>
@@ -16565,21 +16800,14 @@
               <a:t>các</a:t>
             </a:r>
             <a:r>
-              <a:rPr lang="en-US" dirty="0">
+              <a:rPr lang="en-US">
                 <a:latin typeface="Times New Roman" panose="02020603050405020304" pitchFamily="18" charset="0"/>
                 <a:cs typeface="Times New Roman" panose="02020603050405020304" pitchFamily="18" charset="0"/>
               </a:rPr>
               <a:t> interface</a:t>
             </a:r>
             <a:r>
-              <a:rPr lang="x-none" dirty="0">
-                <a:latin typeface="Times New Roman" panose="02020603050405020304" pitchFamily="18" charset="0"/>
-                <a:cs typeface="Times New Roman" panose="02020603050405020304" pitchFamily="18" charset="0"/>
-              </a:rPr>
-              <a:t> </a:t>
-            </a:r>
-            <a:r>
-              <a:rPr lang="x-none" dirty="0"/>
+              <a:rPr lang="x-none"/>
               <a:t>.</a:t>
             </a:r>
             <a:endParaRPr lang="x-none" dirty="0">
@@ -16640,7 +16868,7 @@
             </a:pPr>
             <a:fld id="{00000000-1234-1234-1234-123412341234}" type="slidenum">
               <a:rPr lang="en-US" smtClean="0"/>
-              <a:t>14</a:t>
+              <a:t>15</a:t>
             </a:fld>
             <a:endParaRPr lang="en-US"/>
           </a:p>
@@ -16659,7 +16887,7 @@
 </p:sld>
 </file>
 
-<file path=ppt/slides/slide15.xml><?xml version="1.0" encoding="utf-8"?>
+<file path=ppt/slides/slide16.xml><?xml version="1.0" encoding="utf-8"?>
 <p:sld xmlns:a="http://schemas.openxmlformats.org/drawingml/2006/main" xmlns:r="http://schemas.openxmlformats.org/officeDocument/2006/relationships" xmlns:p="http://schemas.openxmlformats.org/presentationml/2006/main">
   <p:cSld>
     <p:spTree>
@@ -17183,7 +17411,7 @@
             </a:pPr>
             <a:fld id="{00000000-1234-1234-1234-123412341234}" type="slidenum">
               <a:rPr lang="en-US"/>
-              <a:t>15</a:t>
+              <a:t>16</a:t>
             </a:fld>
             <a:endParaRPr/>
           </a:p>
@@ -17227,7 +17455,7 @@
 </p:sld>
 </file>
 
-<file path=ppt/slides/slide16.xml><?xml version="1.0" encoding="utf-8"?>
+<file path=ppt/slides/slide17.xml><?xml version="1.0" encoding="utf-8"?>
 <p:sld xmlns:a="http://schemas.openxmlformats.org/drawingml/2006/main" xmlns:r="http://schemas.openxmlformats.org/officeDocument/2006/relationships" xmlns:p="http://schemas.openxmlformats.org/presentationml/2006/main">
   <p:cSld>
     <p:spTree>
@@ -18093,7 +18321,7 @@
             </a:pPr>
             <a:fld id="{00000000-1234-1234-1234-123412341234}" type="slidenum">
               <a:rPr lang="en-US" smtClean="0"/>
-              <a:t>16</a:t>
+              <a:t>17</a:t>
             </a:fld>
             <a:endParaRPr lang="en-US"/>
           </a:p>
@@ -18147,6 +18375,165 @@
   <p:cSld>
     <p:spTree>
       <p:nvGrpSpPr>
+        <p:cNvPr id="1" name=""/>
+        <p:cNvGrpSpPr/>
+        <p:nvPr/>
+      </p:nvGrpSpPr>
+      <p:grpSpPr>
+        <a:xfrm>
+          <a:off x="0" y="0"/>
+          <a:ext cx="0" cy="0"/>
+          <a:chOff x="0" y="0"/>
+          <a:chExt cx="0" cy="0"/>
+        </a:xfrm>
+      </p:grpSpPr>
+      <p:sp>
+        <p:nvSpPr>
+          <p:cNvPr id="2" name="Title 1">
+            <a:extLst>
+              <a:ext uri="{FF2B5EF4-FFF2-40B4-BE49-F238E27FC236}">
+                <a16:creationId xmlns:a16="http://schemas.microsoft.com/office/drawing/2014/main" id="{4B26F820-85CE-A947-8546-EE3A93E1A95B}"/>
+              </a:ext>
+            </a:extLst>
+          </p:cNvPr>
+          <p:cNvSpPr>
+            <a:spLocks noGrp="1"/>
+          </p:cNvSpPr>
+          <p:nvPr>
+            <p:ph type="title"/>
+          </p:nvPr>
+        </p:nvSpPr>
+        <p:spPr>
+          <a:xfrm>
+            <a:off x="488950" y="-87315"/>
+            <a:ext cx="8026400" cy="1067029"/>
+          </a:xfrm>
+        </p:spPr>
+        <p:txBody>
+          <a:bodyPr/>
+          <a:lstStyle/>
+          <a:p>
+            <a:r>
+              <a:rPr lang="en-VN" dirty="0"/>
+              <a:t>Mục lục</a:t>
+            </a:r>
+          </a:p>
+        </p:txBody>
+      </p:sp>
+      <p:sp>
+        <p:nvSpPr>
+          <p:cNvPr id="3" name="Text Placeholder 2">
+            <a:extLst>
+              <a:ext uri="{FF2B5EF4-FFF2-40B4-BE49-F238E27FC236}">
+                <a16:creationId xmlns:a16="http://schemas.microsoft.com/office/drawing/2014/main" id="{64B18B72-6FCB-8A4E-A10E-EC6BCF5F2247}"/>
+              </a:ext>
+            </a:extLst>
+          </p:cNvPr>
+          <p:cNvSpPr>
+            <a:spLocks noGrp="1"/>
+          </p:cNvSpPr>
+          <p:nvPr>
+            <p:ph type="body" idx="1"/>
+          </p:nvPr>
+        </p:nvSpPr>
+        <p:spPr/>
+        <p:txBody>
+          <a:bodyPr/>
+          <a:lstStyle/>
+          <a:p>
+            <a:r>
+              <a:rPr lang="en-VN" dirty="0">
+                <a:latin typeface="Times New Roman" panose="02020603050405020304" pitchFamily="18" charset="0"/>
+                <a:cs typeface="Times New Roman" panose="02020603050405020304" pitchFamily="18" charset="0"/>
+              </a:rPr>
+              <a:t>1. Phân công công việc</a:t>
+            </a:r>
+          </a:p>
+          <a:p>
+            <a:r>
+              <a:rPr lang="en-VN" dirty="0">
+                <a:latin typeface="Times New Roman" panose="02020603050405020304" pitchFamily="18" charset="0"/>
+                <a:cs typeface="Times New Roman" panose="02020603050405020304" pitchFamily="18" charset="0"/>
+              </a:rPr>
+              <a:t>2. Sequence diagrams</a:t>
+            </a:r>
+          </a:p>
+          <a:p>
+            <a:r>
+              <a:rPr lang="en-VN" dirty="0">
+                <a:latin typeface="Times New Roman" panose="02020603050405020304" pitchFamily="18" charset="0"/>
+                <a:cs typeface="Times New Roman" panose="02020603050405020304" pitchFamily="18" charset="0"/>
+              </a:rPr>
+              <a:t>3. Class diagrams</a:t>
+            </a:r>
+          </a:p>
+          <a:p>
+            <a:r>
+              <a:rPr lang="en-VN" dirty="0">
+                <a:latin typeface="Times New Roman" panose="02020603050405020304" pitchFamily="18" charset="0"/>
+                <a:cs typeface="Times New Roman" panose="02020603050405020304" pitchFamily="18" charset="0"/>
+              </a:rPr>
+              <a:t>4. Design considerations</a:t>
+            </a:r>
+          </a:p>
+        </p:txBody>
+      </p:sp>
+      <p:sp>
+        <p:nvSpPr>
+          <p:cNvPr id="4" name="Slide Number Placeholder 3">
+            <a:extLst>
+              <a:ext uri="{FF2B5EF4-FFF2-40B4-BE49-F238E27FC236}">
+                <a16:creationId xmlns:a16="http://schemas.microsoft.com/office/drawing/2014/main" id="{AFEAEB82-ADA8-4F4E-B7C5-3C7834FD2A40}"/>
+              </a:ext>
+            </a:extLst>
+          </p:cNvPr>
+          <p:cNvSpPr>
+            <a:spLocks noGrp="1"/>
+          </p:cNvSpPr>
+          <p:nvPr>
+            <p:ph type="sldNum" idx="12"/>
+          </p:nvPr>
+        </p:nvSpPr>
+        <p:spPr/>
+        <p:txBody>
+          <a:bodyPr/>
+          <a:lstStyle/>
+          <a:p>
+            <a:pPr marL="0" lvl="0" indent="0" algn="r" rtl="0">
+              <a:spcBef>
+                <a:spcPts val="0"/>
+              </a:spcBef>
+              <a:spcAft>
+                <a:spcPts val="0"/>
+              </a:spcAft>
+              <a:buNone/>
+            </a:pPr>
+            <a:fld id="{00000000-1234-1234-1234-123412341234}" type="slidenum">
+              <a:rPr lang="en-US" smtClean="0"/>
+              <a:t>2</a:t>
+            </a:fld>
+            <a:endParaRPr lang="en-US"/>
+          </a:p>
+        </p:txBody>
+      </p:sp>
+    </p:spTree>
+    <p:extLst>
+      <p:ext uri="{BB962C8B-B14F-4D97-AF65-F5344CB8AC3E}">
+        <p14:creationId xmlns:p14="http://schemas.microsoft.com/office/powerpoint/2010/main" val="3941337568"/>
+      </p:ext>
+    </p:extLst>
+  </p:cSld>
+  <p:clrMapOvr>
+    <a:masterClrMapping/>
+  </p:clrMapOvr>
+</p:sld>
+</file>
+
+<file path=ppt/slides/slide3.xml><?xml version="1.0" encoding="utf-8"?>
+<p:sld xmlns:a="http://schemas.openxmlformats.org/drawingml/2006/main" xmlns:r="http://schemas.openxmlformats.org/officeDocument/2006/relationships" xmlns:p="http://schemas.openxmlformats.org/presentationml/2006/main">
+  <p:cSld>
+    <p:spTree>
+      <p:nvGrpSpPr>
         <p:cNvPr id="1" name="Shape 93"/>
         <p:cNvGrpSpPr/>
         <p:nvPr/>
@@ -18523,7 +18910,7 @@
             </a:pPr>
             <a:fld id="{00000000-1234-1234-1234-123412341234}" type="slidenum">
               <a:rPr lang="en-US"/>
-              <a:t>2</a:t>
+              <a:t>3</a:t>
             </a:fld>
             <a:endParaRPr/>
           </a:p>
@@ -18569,7 +18956,7 @@
 </p:sld>
 </file>
 
-<file path=ppt/slides/slide3.xml><?xml version="1.0" encoding="utf-8"?>
+<file path=ppt/slides/slide4.xml><?xml version="1.0" encoding="utf-8"?>
 <p:sld xmlns:a="http://schemas.openxmlformats.org/drawingml/2006/main" xmlns:r="http://schemas.openxmlformats.org/officeDocument/2006/relationships" xmlns:p="http://schemas.openxmlformats.org/presentationml/2006/main">
   <p:cSld>
     <p:spTree>
@@ -18744,7 +19131,7 @@
             </a:pPr>
             <a:fld id="{00000000-1234-1234-1234-123412341234}" type="slidenum">
               <a:rPr lang="en-US"/>
-              <a:t>3</a:t>
+              <a:t>4</a:t>
             </a:fld>
             <a:endParaRPr/>
           </a:p>
@@ -18794,7 +19181,7 @@
 </p:sld>
 </file>
 
-<file path=ppt/slides/slide4.xml><?xml version="1.0" encoding="utf-8"?>
+<file path=ppt/slides/slide5.xml><?xml version="1.0" encoding="utf-8"?>
 <p:sld xmlns:a="http://schemas.openxmlformats.org/drawingml/2006/main" xmlns:r="http://schemas.openxmlformats.org/officeDocument/2006/relationships" xmlns:p="http://schemas.openxmlformats.org/presentationml/2006/main">
   <p:cSld>
     <p:spTree>
@@ -18917,7 +19304,7 @@
             </a:pPr>
             <a:fld id="{00000000-1234-1234-1234-123412341234}" type="slidenum">
               <a:rPr lang="en-US" smtClean="0"/>
-              <a:t>4</a:t>
+              <a:t>5</a:t>
             </a:fld>
             <a:endParaRPr lang="en-US"/>
           </a:p>
@@ -18972,7 +19359,7 @@
 </p:sld>
 </file>
 
-<file path=ppt/slides/slide5.xml><?xml version="1.0" encoding="utf-8"?>
+<file path=ppt/slides/slide6.xml><?xml version="1.0" encoding="utf-8"?>
 <p:sld xmlns:a="http://schemas.openxmlformats.org/drawingml/2006/main" xmlns:r="http://schemas.openxmlformats.org/officeDocument/2006/relationships" xmlns:p="http://schemas.openxmlformats.org/presentationml/2006/main">
   <p:cSld>
     <p:spTree>
@@ -19154,7 +19541,7 @@
             </a:pPr>
             <a:fld id="{00000000-1234-1234-1234-123412341234}" type="slidenum">
               <a:rPr lang="en-US"/>
-              <a:t>5</a:t>
+              <a:t>6</a:t>
             </a:fld>
             <a:endParaRPr/>
           </a:p>
@@ -19204,7 +19591,7 @@
 </p:sld>
 </file>
 
-<file path=ppt/slides/slide6.xml><?xml version="1.0" encoding="utf-8"?>
+<file path=ppt/slides/slide7.xml><?xml version="1.0" encoding="utf-8"?>
 <p:sld xmlns:a="http://schemas.openxmlformats.org/drawingml/2006/main" xmlns:r="http://schemas.openxmlformats.org/officeDocument/2006/relationships" xmlns:p="http://schemas.openxmlformats.org/presentationml/2006/main">
   <p:cSld>
     <p:spTree>
@@ -19319,7 +19706,7 @@
             </a:pPr>
             <a:fld id="{00000000-1234-1234-1234-123412341234}" type="slidenum">
               <a:rPr lang="en-US" smtClean="0"/>
-              <a:t>6</a:t>
+              <a:t>7</a:t>
             </a:fld>
             <a:endParaRPr lang="en-US"/>
           </a:p>
@@ -19374,7 +19761,7 @@
 </p:sld>
 </file>
 
-<file path=ppt/slides/slide7.xml><?xml version="1.0" encoding="utf-8"?>
+<file path=ppt/slides/slide8.xml><?xml version="1.0" encoding="utf-8"?>
 <p:sld xmlns:a="http://schemas.openxmlformats.org/drawingml/2006/main" xmlns:r="http://schemas.openxmlformats.org/officeDocument/2006/relationships" xmlns:p="http://schemas.openxmlformats.org/presentationml/2006/main">
   <p:cSld>
     <p:spTree>
@@ -19489,7 +19876,7 @@
             </a:pPr>
             <a:fld id="{00000000-1234-1234-1234-123412341234}" type="slidenum">
               <a:rPr lang="en-US" smtClean="0"/>
-              <a:t>7</a:t>
+              <a:t>8</a:t>
             </a:fld>
             <a:endParaRPr lang="en-US"/>
           </a:p>
@@ -19544,7 +19931,7 @@
 </p:sld>
 </file>
 
-<file path=ppt/slides/slide8.xml><?xml version="1.0" encoding="utf-8"?>
+<file path=ppt/slides/slide9.xml><?xml version="1.0" encoding="utf-8"?>
 <p:sld xmlns:a="http://schemas.openxmlformats.org/drawingml/2006/main" xmlns:r="http://schemas.openxmlformats.org/officeDocument/2006/relationships" xmlns:p="http://schemas.openxmlformats.org/presentationml/2006/main">
   <p:cSld>
     <p:spTree>
@@ -19661,7 +20048,7 @@
             </a:pPr>
             <a:fld id="{00000000-1234-1234-1234-123412341234}" type="slidenum">
               <a:rPr lang="en-US" smtClean="0"/>
-              <a:t>8</a:t>
+              <a:t>9</a:t>
             </a:fld>
             <a:endParaRPr lang="en-US"/>
           </a:p>
@@ -19707,171 +20094,6 @@
     <p:extLst>
       <p:ext uri="{BB962C8B-B14F-4D97-AF65-F5344CB8AC3E}">
         <p14:creationId xmlns:p14="http://schemas.microsoft.com/office/powerpoint/2010/main" val="2063366218"/>
-      </p:ext>
-    </p:extLst>
-  </p:cSld>
-  <p:clrMapOvr>
-    <a:masterClrMapping/>
-  </p:clrMapOvr>
-</p:sld>
-</file>
-
-<file path=ppt/slides/slide9.xml><?xml version="1.0" encoding="utf-8"?>
-<p:sld xmlns:a="http://schemas.openxmlformats.org/drawingml/2006/main" xmlns:r="http://schemas.openxmlformats.org/officeDocument/2006/relationships" xmlns:p="http://schemas.openxmlformats.org/presentationml/2006/main">
-  <p:cSld>
-    <p:spTree>
-      <p:nvGrpSpPr>
-        <p:cNvPr id="1" name=""/>
-        <p:cNvGrpSpPr/>
-        <p:nvPr/>
-      </p:nvGrpSpPr>
-      <p:grpSpPr>
-        <a:xfrm>
-          <a:off x="0" y="0"/>
-          <a:ext cx="0" cy="0"/>
-          <a:chOff x="0" y="0"/>
-          <a:chExt cx="0" cy="0"/>
-        </a:xfrm>
-      </p:grpSpPr>
-      <p:sp>
-        <p:nvSpPr>
-          <p:cNvPr id="2" name="Title 1">
-            <a:extLst>
-              <a:ext uri="{FF2B5EF4-FFF2-40B4-BE49-F238E27FC236}">
-                <a16:creationId xmlns:a16="http://schemas.microsoft.com/office/drawing/2014/main" id="{AAEC1A20-3027-9E41-96EA-6D1DCDC93272}"/>
-              </a:ext>
-            </a:extLst>
-          </p:cNvPr>
-          <p:cNvSpPr>
-            <a:spLocks noGrp="1"/>
-          </p:cNvSpPr>
-          <p:nvPr>
-            <p:ph type="title"/>
-          </p:nvPr>
-        </p:nvSpPr>
-        <p:spPr/>
-        <p:txBody>
-          <a:bodyPr/>
-          <a:lstStyle/>
-          <a:p>
-            <a:endParaRPr lang="x-none" dirty="0"/>
-          </a:p>
-        </p:txBody>
-      </p:sp>
-      <p:sp>
-        <p:nvSpPr>
-          <p:cNvPr id="3" name="Text Placeholder 2">
-            <a:extLst>
-              <a:ext uri="{FF2B5EF4-FFF2-40B4-BE49-F238E27FC236}">
-                <a16:creationId xmlns:a16="http://schemas.microsoft.com/office/drawing/2014/main" id="{59B45981-345E-AB42-8829-13CEF210BAF2}"/>
-              </a:ext>
-            </a:extLst>
-          </p:cNvPr>
-          <p:cNvSpPr>
-            <a:spLocks noGrp="1"/>
-          </p:cNvSpPr>
-          <p:nvPr>
-            <p:ph type="body" idx="1"/>
-          </p:nvPr>
-        </p:nvSpPr>
-        <p:spPr>
-          <a:xfrm>
-            <a:off x="488950" y="1346200"/>
-            <a:ext cx="8026400" cy="769983"/>
-          </a:xfrm>
-        </p:spPr>
-        <p:txBody>
-          <a:bodyPr/>
-          <a:lstStyle/>
-          <a:p>
-            <a:r>
-              <a:rPr lang="x-none" dirty="0">
-                <a:latin typeface="Times New Roman" panose="02020603050405020304" pitchFamily="18" charset="0"/>
-                <a:cs typeface="Times New Roman" panose="02020603050405020304" pitchFamily="18" charset="0"/>
-              </a:rPr>
-              <a:t>Entity package Class Diagram</a:t>
-            </a:r>
-          </a:p>
-        </p:txBody>
-      </p:sp>
-      <p:sp>
-        <p:nvSpPr>
-          <p:cNvPr id="4" name="Slide Number Placeholder 3">
-            <a:extLst>
-              <a:ext uri="{FF2B5EF4-FFF2-40B4-BE49-F238E27FC236}">
-                <a16:creationId xmlns:a16="http://schemas.microsoft.com/office/drawing/2014/main" id="{A13BA40B-1464-B44F-B24B-1A3EB0AECC2A}"/>
-              </a:ext>
-            </a:extLst>
-          </p:cNvPr>
-          <p:cNvSpPr>
-            <a:spLocks noGrp="1"/>
-          </p:cNvSpPr>
-          <p:nvPr>
-            <p:ph type="sldNum" idx="12"/>
-          </p:nvPr>
-        </p:nvSpPr>
-        <p:spPr/>
-        <p:txBody>
-          <a:bodyPr/>
-          <a:lstStyle/>
-          <a:p>
-            <a:pPr marL="0" lvl="0" indent="0" algn="r" rtl="0">
-              <a:spcBef>
-                <a:spcPts val="0"/>
-              </a:spcBef>
-              <a:spcAft>
-                <a:spcPts val="0"/>
-              </a:spcAft>
-              <a:buNone/>
-            </a:pPr>
-            <a:fld id="{00000000-1234-1234-1234-123412341234}" type="slidenum">
-              <a:rPr lang="en-US" smtClean="0"/>
-              <a:t>9</a:t>
-            </a:fld>
-            <a:endParaRPr lang="en-US"/>
-          </a:p>
-        </p:txBody>
-      </p:sp>
-      <p:pic>
-        <p:nvPicPr>
-          <p:cNvPr id="5" name="Picture 4" descr="Diagram&#10;&#10;Description automatically generated">
-            <a:extLst>
-              <a:ext uri="{FF2B5EF4-FFF2-40B4-BE49-F238E27FC236}">
-                <a16:creationId xmlns:a16="http://schemas.microsoft.com/office/drawing/2014/main" id="{22E75AA3-6B93-1D44-808E-69FEC616EF3B}"/>
-              </a:ext>
-            </a:extLst>
-          </p:cNvPr>
-          <p:cNvPicPr>
-            <a:picLocks noChangeAspect="1"/>
-          </p:cNvPicPr>
-          <p:nvPr/>
-        </p:nvPicPr>
-        <p:blipFill>
-          <a:blip r:embed="rId3">
-            <a:extLst>
-              <a:ext uri="{28A0092B-C50C-407E-A947-70E740481C1C}">
-                <a14:useLocalDpi xmlns:a14="http://schemas.microsoft.com/office/drawing/2010/main" val="0"/>
-              </a:ext>
-            </a:extLst>
-          </a:blip>
-          <a:stretch>
-            <a:fillRect/>
-          </a:stretch>
-        </p:blipFill>
-        <p:spPr>
-          <a:xfrm>
-            <a:off x="1788340" y="2117725"/>
-            <a:ext cx="5948245" cy="3617504"/>
-          </a:xfrm>
-          <a:prstGeom prst="rect">
-            <a:avLst/>
-          </a:prstGeom>
-        </p:spPr>
-      </p:pic>
-    </p:spTree>
-    <p:extLst>
-      <p:ext uri="{BB962C8B-B14F-4D97-AF65-F5344CB8AC3E}">
-        <p14:creationId xmlns:p14="http://schemas.microsoft.com/office/powerpoint/2010/main" val="1018028430"/>
       </p:ext>
     </p:extLst>
   </p:cSld>
